--- a/Handout/Covert Channel Lecture Day 1.pptx
+++ b/Handout/Covert Channel Lecture Day 1.pptx
@@ -12,12 +12,12 @@
   </p:handoutMasterIdLst>
   <p:sldIdLst>
     <p:sldId id="450" r:id="rId2"/>
-    <p:sldId id="451" r:id="rId3"/>
+    <p:sldId id="555" r:id="rId3"/>
     <p:sldId id="452" r:id="rId4"/>
     <p:sldId id="453" r:id="rId5"/>
     <p:sldId id="454" r:id="rId6"/>
-    <p:sldId id="455" r:id="rId7"/>
-    <p:sldId id="456" r:id="rId8"/>
+    <p:sldId id="556" r:id="rId7"/>
+    <p:sldId id="557" r:id="rId8"/>
     <p:sldId id="457" r:id="rId9"/>
     <p:sldId id="459" r:id="rId10"/>
     <p:sldId id="458" r:id="rId11"/>
@@ -27,7 +27,7 @@
     <p:sldId id="463" r:id="rId15"/>
     <p:sldId id="464" r:id="rId16"/>
     <p:sldId id="465" r:id="rId17"/>
-    <p:sldId id="467" r:id="rId18"/>
+    <p:sldId id="558" r:id="rId18"/>
     <p:sldId id="466" r:id="rId19"/>
     <p:sldId id="468" r:id="rId20"/>
     <p:sldId id="471" r:id="rId21"/>
@@ -43,7 +43,7 @@
     <p:sldId id="479" r:id="rId31"/>
     <p:sldId id="480" r:id="rId32"/>
     <p:sldId id="481" r:id="rId33"/>
-    <p:sldId id="482" r:id="rId34"/>
+    <p:sldId id="559" r:id="rId34"/>
     <p:sldId id="483" r:id="rId35"/>
     <p:sldId id="484" r:id="rId36"/>
     <p:sldId id="485" r:id="rId37"/>
@@ -277,7 +277,7 @@
           <a:p>
             <a:fld id="{24DAFBA8-35F2-4C04-8149-4585D62DFC6D}" type="datetimeFigureOut">
               <a:rPr lang="en-US" smtClean="0"/>
-              <a:t>6/2/2021</a:t>
+              <a:t>7/10/2022</a:t>
             </a:fld>
             <a:endParaRPr lang="en-US"/>
           </a:p>
@@ -444,7 +444,7 @@
             <a:fld id="{2ECEE970-886D-4DEB-A78D-5219D8C79727}" type="datetimeFigureOut">
               <a:rPr lang="en-US" smtClean="0"/>
               <a:pPr/>
-              <a:t>6/2/2021</a:t>
+              <a:t>7/10/2022</a:t>
             </a:fld>
             <a:endParaRPr lang="en-US"/>
           </a:p>
@@ -713,6 +713,2147 @@
     </a:lvl9pPr>
   </p:notesStyle>
 </p:notesMaster>
+</file>
+
+<file path=ppt/notesSlides/notesSlide1.xml><?xml version="1.0" encoding="utf-8"?>
+<p:notes xmlns:a="http://schemas.openxmlformats.org/drawingml/2006/main" xmlns:r="http://schemas.openxmlformats.org/officeDocument/2006/relationships" xmlns:p="http://schemas.openxmlformats.org/presentationml/2006/main">
+  <p:cSld>
+    <p:spTree>
+      <p:nvGrpSpPr>
+        <p:cNvPr id="1" name=""/>
+        <p:cNvGrpSpPr/>
+        <p:nvPr/>
+      </p:nvGrpSpPr>
+      <p:grpSpPr>
+        <a:xfrm>
+          <a:off x="0" y="0"/>
+          <a:ext cx="0" cy="0"/>
+          <a:chOff x="0" y="0"/>
+          <a:chExt cx="0" cy="0"/>
+        </a:xfrm>
+      </p:grpSpPr>
+      <p:sp>
+        <p:nvSpPr>
+          <p:cNvPr id="2" name="Slide Image Placeholder 1"/>
+          <p:cNvSpPr>
+            <a:spLocks noGrp="1" noRot="1" noChangeAspect="1"/>
+          </p:cNvSpPr>
+          <p:nvPr>
+            <p:ph type="sldImg"/>
+          </p:nvPr>
+        </p:nvSpPr>
+        <p:spPr/>
+      </p:sp>
+      <p:sp>
+        <p:nvSpPr>
+          <p:cNvPr id="3" name="Notes Placeholder 2"/>
+          <p:cNvSpPr>
+            <a:spLocks noGrp="1"/>
+          </p:cNvSpPr>
+          <p:nvPr>
+            <p:ph type="body" idx="1"/>
+          </p:nvPr>
+        </p:nvSpPr>
+        <p:spPr/>
+        <p:txBody>
+          <a:bodyPr>
+            <a:normAutofit fontScale="92500" lnSpcReduction="10000"/>
+          </a:bodyPr>
+          <a:lstStyle/>
+          <a:p>
+            <a:pPr marL="0" marR="0" lvl="0" indent="0" algn="l" defTabSz="914400" rtl="0" eaLnBrk="1" fontAlgn="auto" latinLnBrk="0" hangingPunct="1">
+              <a:lnSpc>
+                <a:spcPct val="100000"/>
+              </a:lnSpc>
+              <a:spcBef>
+                <a:spcPts val="0"/>
+              </a:spcBef>
+              <a:spcAft>
+                <a:spcPts val="0"/>
+              </a:spcAft>
+              <a:buClrTx/>
+              <a:buSzTx/>
+              <a:buFontTx/>
+              <a:buNone/>
+              <a:tabLst/>
+              <a:defRPr/>
+            </a:pPr>
+            <a:r>
+              <a:rPr lang="en-US" dirty="0"/>
+              <a:t>Slide hidden due to poor reception of exercise 0 in previous years.</a:t>
+            </a:r>
+          </a:p>
+          <a:p>
+            <a:br>
+              <a:rPr lang="en-US" dirty="0"/>
+            </a:br>
+            <a:r>
+              <a:rPr lang="en-US" dirty="0"/>
+              <a:t>~10min</a:t>
+            </a:r>
+          </a:p>
+          <a:p>
+            <a:r>
+              <a:rPr lang="en-US" dirty="0" err="1"/>
+              <a:t>Wannacry.pcap</a:t>
+            </a:r>
+            <a:endParaRPr lang="en-US" dirty="0"/>
+          </a:p>
+          <a:p>
+            <a:endParaRPr lang="en-US" dirty="0"/>
+          </a:p>
+          <a:p>
+            <a:pPr marL="171450" indent="-171450">
+              <a:buFontTx/>
+              <a:buChar char="-"/>
+            </a:pPr>
+            <a:r>
+              <a:rPr lang="en-US" dirty="0"/>
+              <a:t>Look for DOUBLE PULSAR covert channel in SMB traffic</a:t>
+            </a:r>
+          </a:p>
+          <a:p>
+            <a:pPr marL="171450" indent="-171450">
+              <a:buFontTx/>
+              <a:buChar char="-"/>
+            </a:pPr>
+            <a:r>
+              <a:rPr lang="en-US" dirty="0"/>
+              <a:t>“smb.mid == 81”</a:t>
+            </a:r>
+          </a:p>
+          <a:p>
+            <a:pPr marL="171450" indent="-171450">
+              <a:buFontTx/>
+              <a:buChar char="-"/>
+            </a:pPr>
+            <a:endParaRPr lang="en-US" dirty="0"/>
+          </a:p>
+          <a:p>
+            <a:pPr marL="0" indent="0">
+              <a:buFontTx/>
+              <a:buNone/>
+            </a:pPr>
+            <a:r>
+              <a:rPr lang="en-US" dirty="0"/>
+              <a:t>https://www.forcepoint.com/blog/x-labs/evasions-used-shadow-brokers-tools-danderspritz-and-doublepulsar-part-2-2</a:t>
+            </a:r>
+          </a:p>
+          <a:p>
+            <a:pPr marL="0" indent="0">
+              <a:buFontTx/>
+              <a:buNone/>
+            </a:pPr>
+            <a:endParaRPr lang="en-US" dirty="0"/>
+          </a:p>
+          <a:p>
+            <a:pPr marL="0" indent="0">
+              <a:buFontTx/>
+              <a:buNone/>
+            </a:pPr>
+            <a:r>
+              <a:rPr lang="en-US" dirty="0"/>
+              <a:t>https://zerosum0x0.blogspot.com/2017/04/doublepulsar-initial-smb-backdoor-ring.html</a:t>
+            </a:r>
+          </a:p>
+          <a:p>
+            <a:pPr marL="0" indent="0">
+              <a:buFontTx/>
+              <a:buNone/>
+            </a:pPr>
+            <a:endParaRPr lang="en-US" dirty="0"/>
+          </a:p>
+          <a:p>
+            <a:pPr marL="0" indent="0">
+              <a:buFontTx/>
+              <a:buNone/>
+            </a:pPr>
+            <a:r>
+              <a:rPr lang="en-US" dirty="0">
+                <a:hlinkClick r:id="rId3"/>
+              </a:rPr>
+              <a:t>https://www.bleepingcomputer.com/news/security/wana-decrypt0r-ransomware-using-nsa-exploit-leaked-by-shadow-brokers-is-on-a-rampage/</a:t>
+            </a:r>
+            <a:endParaRPr lang="en-US" dirty="0"/>
+          </a:p>
+          <a:p>
+            <a:pPr marL="0" indent="0">
+              <a:buFontTx/>
+              <a:buNone/>
+            </a:pPr>
+            <a:r>
+              <a:rPr lang="en-US" dirty="0">
+                <a:hlinkClick r:id="rId4"/>
+              </a:rPr>
+              <a:t>https://arstechnica.com/information-technology/2019/05/stolen-nsa-hacking-tools-were-used-in-the-wild-14-months-before-shadow-brokers-leak/</a:t>
+            </a:r>
+            <a:endParaRPr lang="en-US" dirty="0"/>
+          </a:p>
+          <a:p>
+            <a:pPr marL="0" indent="0">
+              <a:buFontTx/>
+              <a:buNone/>
+            </a:pPr>
+            <a:r>
+              <a:rPr lang="en-US" dirty="0">
+                <a:hlinkClick r:id="rId5"/>
+              </a:rPr>
+              <a:t>https://blog.talosintelligence.com/2017/05/wannacry.html</a:t>
+            </a:r>
+            <a:endParaRPr lang="en-US" dirty="0"/>
+          </a:p>
+          <a:p>
+            <a:endParaRPr lang="en-US" dirty="0"/>
+          </a:p>
+          <a:p>
+            <a:r>
+              <a:rPr lang="en-US" dirty="0"/>
+              <a:t>WannaCry</a:t>
+            </a:r>
+          </a:p>
+          <a:p>
+            <a:r>
+              <a:rPr lang="en-US" dirty="0" err="1"/>
+              <a:t>Ransomeware</a:t>
+            </a:r>
+            <a:r>
+              <a:rPr lang="en-US" dirty="0"/>
+              <a:t> </a:t>
+            </a:r>
+            <a:r>
+              <a:rPr lang="en-US" dirty="0" err="1"/>
+              <a:t>cryptoworm</a:t>
+            </a:r>
+            <a:r>
+              <a:rPr lang="en-US" dirty="0"/>
+              <a:t> – May 2017 – 200,000+ computers, 150 countries, damages of $100,000,000 - $1,000,000,000 – Believed to be from </a:t>
+            </a:r>
+            <a:r>
+              <a:rPr lang="en-US" dirty="0" err="1"/>
+              <a:t>N.Korea</a:t>
+            </a:r>
+            <a:endParaRPr lang="en-US" dirty="0"/>
+          </a:p>
+          <a:p>
+            <a:r>
+              <a:rPr lang="en-US" dirty="0" err="1"/>
+              <a:t>DoublePulsar</a:t>
+            </a:r>
+            <a:r>
+              <a:rPr lang="en-US" dirty="0"/>
+              <a:t> – backdoor tool - </a:t>
+            </a:r>
+          </a:p>
+          <a:p>
+            <a:endParaRPr lang="en-US" dirty="0"/>
+          </a:p>
+          <a:p>
+            <a:endParaRPr lang="en-US" dirty="0"/>
+          </a:p>
+        </p:txBody>
+      </p:sp>
+    </p:spTree>
+    <p:extLst>
+      <p:ext uri="{BB962C8B-B14F-4D97-AF65-F5344CB8AC3E}">
+        <p14:creationId xmlns:p14="http://schemas.microsoft.com/office/powerpoint/2010/main" val="3871924604"/>
+      </p:ext>
+    </p:extLst>
+  </p:cSld>
+  <p:clrMapOvr>
+    <a:masterClrMapping/>
+  </p:clrMapOvr>
+</p:notes>
+</file>
+
+<file path=ppt/notesSlides/notesSlide2.xml><?xml version="1.0" encoding="utf-8"?>
+<p:notes xmlns:a="http://schemas.openxmlformats.org/drawingml/2006/main" xmlns:r="http://schemas.openxmlformats.org/officeDocument/2006/relationships" xmlns:p="http://schemas.openxmlformats.org/presentationml/2006/main">
+  <p:cSld>
+    <p:spTree>
+      <p:nvGrpSpPr>
+        <p:cNvPr id="1" name=""/>
+        <p:cNvGrpSpPr/>
+        <p:nvPr/>
+      </p:nvGrpSpPr>
+      <p:grpSpPr>
+        <a:xfrm>
+          <a:off x="0" y="0"/>
+          <a:ext cx="0" cy="0"/>
+          <a:chOff x="0" y="0"/>
+          <a:chExt cx="0" cy="0"/>
+        </a:xfrm>
+      </p:grpSpPr>
+      <p:sp>
+        <p:nvSpPr>
+          <p:cNvPr id="2" name="Slide Image Placeholder 1"/>
+          <p:cNvSpPr>
+            <a:spLocks noGrp="1" noRot="1" noChangeAspect="1"/>
+          </p:cNvSpPr>
+          <p:nvPr>
+            <p:ph type="sldImg"/>
+          </p:nvPr>
+        </p:nvSpPr>
+        <p:spPr/>
+      </p:sp>
+      <p:sp>
+        <p:nvSpPr>
+          <p:cNvPr id="3" name="Notes Placeholder 2"/>
+          <p:cNvSpPr>
+            <a:spLocks noGrp="1"/>
+          </p:cNvSpPr>
+          <p:nvPr>
+            <p:ph type="body" idx="1"/>
+          </p:nvPr>
+        </p:nvSpPr>
+        <p:spPr/>
+        <p:txBody>
+          <a:bodyPr/>
+          <a:lstStyle/>
+          <a:p>
+            <a:pPr marL="0" marR="0" lvl="0" indent="0" algn="l" defTabSz="914400" rtl="0" eaLnBrk="1" fontAlgn="auto" latinLnBrk="0" hangingPunct="1">
+              <a:lnSpc>
+                <a:spcPct val="100000"/>
+              </a:lnSpc>
+              <a:spcBef>
+                <a:spcPts val="0"/>
+              </a:spcBef>
+              <a:spcAft>
+                <a:spcPts val="0"/>
+              </a:spcAft>
+              <a:buClrTx/>
+              <a:buSzTx/>
+              <a:buFontTx/>
+              <a:buNone/>
+              <a:tabLst/>
+              <a:defRPr/>
+            </a:pPr>
+            <a:r>
+              <a:rPr lang="en-US" dirty="0"/>
+              <a:t>https://ih-patterns.blogspot.com/p/test.html</a:t>
+            </a:r>
+          </a:p>
+          <a:p>
+            <a:endParaRPr lang="en-US" dirty="0"/>
+          </a:p>
+        </p:txBody>
+      </p:sp>
+    </p:spTree>
+    <p:extLst>
+      <p:ext uri="{BB962C8B-B14F-4D97-AF65-F5344CB8AC3E}">
+        <p14:creationId xmlns:p14="http://schemas.microsoft.com/office/powerpoint/2010/main" val="535462101"/>
+      </p:ext>
+    </p:extLst>
+  </p:cSld>
+  <p:clrMapOvr>
+    <a:masterClrMapping/>
+  </p:clrMapOvr>
+</p:notes>
+</file>
+
+<file path=ppt/notesSlides/notesSlide3.xml><?xml version="1.0" encoding="utf-8"?>
+<p:notes xmlns:a="http://schemas.openxmlformats.org/drawingml/2006/main" xmlns:r="http://schemas.openxmlformats.org/officeDocument/2006/relationships" xmlns:p="http://schemas.openxmlformats.org/presentationml/2006/main">
+  <p:cSld>
+    <p:spTree>
+      <p:nvGrpSpPr>
+        <p:cNvPr id="1" name=""/>
+        <p:cNvGrpSpPr/>
+        <p:nvPr/>
+      </p:nvGrpSpPr>
+      <p:grpSpPr>
+        <a:xfrm>
+          <a:off x="0" y="0"/>
+          <a:ext cx="0" cy="0"/>
+          <a:chOff x="0" y="0"/>
+          <a:chExt cx="0" cy="0"/>
+        </a:xfrm>
+      </p:grpSpPr>
+      <p:sp>
+        <p:nvSpPr>
+          <p:cNvPr id="2" name="Slide Image Placeholder 1"/>
+          <p:cNvSpPr>
+            <a:spLocks noGrp="1" noRot="1" noChangeAspect="1"/>
+          </p:cNvSpPr>
+          <p:nvPr>
+            <p:ph type="sldImg"/>
+          </p:nvPr>
+        </p:nvSpPr>
+        <p:spPr/>
+      </p:sp>
+      <p:sp>
+        <p:nvSpPr>
+          <p:cNvPr id="3" name="Notes Placeholder 2"/>
+          <p:cNvSpPr>
+            <a:spLocks noGrp="1"/>
+          </p:cNvSpPr>
+          <p:nvPr>
+            <p:ph type="body" idx="1"/>
+          </p:nvPr>
+        </p:nvSpPr>
+        <p:spPr/>
+        <p:txBody>
+          <a:bodyPr>
+            <a:normAutofit fontScale="92500" lnSpcReduction="10000"/>
+          </a:bodyPr>
+          <a:lstStyle/>
+          <a:p>
+            <a:pPr marL="0" marR="0" lvl="0" indent="0" algn="l" defTabSz="914400" rtl="0" eaLnBrk="1" fontAlgn="auto" latinLnBrk="0" hangingPunct="1">
+              <a:lnSpc>
+                <a:spcPct val="100000"/>
+              </a:lnSpc>
+              <a:spcBef>
+                <a:spcPts val="0"/>
+              </a:spcBef>
+              <a:spcAft>
+                <a:spcPts val="0"/>
+              </a:spcAft>
+              <a:buClrTx/>
+              <a:buSzTx/>
+              <a:buFontTx/>
+              <a:buNone/>
+              <a:tabLst/>
+              <a:defRPr/>
+            </a:pPr>
+            <a:r>
+              <a:rPr lang="en-US" dirty="0"/>
+              <a:t>https://ih-patterns.blogspot.com/p/test.html</a:t>
+            </a:r>
+          </a:p>
+          <a:p>
+            <a:pPr algn="l"/>
+            <a:r>
+              <a:rPr lang="en-US" b="0" i="0" dirty="0">
+                <a:solidFill>
+                  <a:srgbClr val="222222"/>
+                </a:solidFill>
+                <a:effectLst/>
+                <a:latin typeface="Arial" panose="020B0604020202020204" pitchFamily="34" charset="0"/>
+              </a:rPr>
+              <a:t>[1] S. </a:t>
+            </a:r>
+            <a:r>
+              <a:rPr lang="en-US" b="0" i="0" dirty="0" err="1">
+                <a:solidFill>
+                  <a:srgbClr val="222222"/>
+                </a:solidFill>
+                <a:effectLst/>
+                <a:latin typeface="Arial" panose="020B0604020202020204" pitchFamily="34" charset="0"/>
+              </a:rPr>
+              <a:t>Wendzel</a:t>
+            </a:r>
+            <a:r>
+              <a:rPr lang="en-US" b="0" i="0" dirty="0">
+                <a:solidFill>
+                  <a:srgbClr val="222222"/>
+                </a:solidFill>
+                <a:effectLst/>
+                <a:latin typeface="Arial" panose="020B0604020202020204" pitchFamily="34" charset="0"/>
+              </a:rPr>
+              <a:t>, S. Zander, B. Fechner, C. </a:t>
+            </a:r>
+            <a:r>
+              <a:rPr lang="en-US" b="0" i="0" dirty="0" err="1">
+                <a:solidFill>
+                  <a:srgbClr val="222222"/>
+                </a:solidFill>
+                <a:effectLst/>
+                <a:latin typeface="Arial" panose="020B0604020202020204" pitchFamily="34" charset="0"/>
+              </a:rPr>
+              <a:t>Herdin</a:t>
+            </a:r>
+            <a:r>
+              <a:rPr lang="en-US" b="0" i="0" dirty="0">
+                <a:solidFill>
+                  <a:srgbClr val="222222"/>
+                </a:solidFill>
+                <a:effectLst/>
+                <a:latin typeface="Arial" panose="020B0604020202020204" pitchFamily="34" charset="0"/>
+              </a:rPr>
+              <a:t>: </a:t>
+            </a:r>
+            <a:r>
+              <a:rPr lang="en-US" b="0" i="1" u="none" strike="noStrike" dirty="0">
+                <a:solidFill>
+                  <a:srgbClr val="1177CC"/>
+                </a:solidFill>
+                <a:effectLst/>
+                <a:latin typeface="Arial" panose="020B0604020202020204" pitchFamily="34" charset="0"/>
+                <a:hlinkClick r:id="rId3"/>
+              </a:rPr>
+              <a:t>Pattern-based Survey and Categorization of Network Covert Channel Techniques</a:t>
+            </a:r>
+            <a:r>
+              <a:rPr lang="en-US" b="0" i="0" dirty="0">
+                <a:solidFill>
+                  <a:srgbClr val="222222"/>
+                </a:solidFill>
+                <a:effectLst/>
+                <a:latin typeface="Arial" panose="020B0604020202020204" pitchFamily="34" charset="0"/>
+              </a:rPr>
+              <a:t>, ACM Computing Surveys, Vol. 47, Issue 3, pp. 50:1-26, ACM, 2015.</a:t>
+            </a:r>
+            <a:br>
+              <a:rPr lang="en-US" b="0" i="0" dirty="0">
+                <a:solidFill>
+                  <a:srgbClr val="222222"/>
+                </a:solidFill>
+                <a:effectLst/>
+                <a:latin typeface="Arial" panose="020B0604020202020204" pitchFamily="34" charset="0"/>
+              </a:rPr>
+            </a:br>
+            <a:r>
+              <a:rPr lang="en-US" b="0" i="0" dirty="0">
+                <a:solidFill>
+                  <a:srgbClr val="222222"/>
+                </a:solidFill>
+                <a:effectLst/>
+                <a:latin typeface="Arial" panose="020B0604020202020204" pitchFamily="34" charset="0"/>
+              </a:rPr>
+              <a:t>An early version of the article is available here: </a:t>
+            </a:r>
+            <a:r>
+              <a:rPr lang="en-US" b="0" i="0" u="none" strike="noStrike" dirty="0">
+                <a:solidFill>
+                  <a:srgbClr val="1177CC"/>
+                </a:solidFill>
+                <a:effectLst/>
+                <a:latin typeface="Arial" panose="020B0604020202020204" pitchFamily="34" charset="0"/>
+                <a:hlinkClick r:id="rId4"/>
+              </a:rPr>
+              <a:t>download</a:t>
+            </a:r>
+            <a:r>
+              <a:rPr lang="en-US" b="0" i="0" dirty="0">
+                <a:solidFill>
+                  <a:srgbClr val="222222"/>
+                </a:solidFill>
+                <a:effectLst/>
+                <a:latin typeface="Arial" panose="020B0604020202020204" pitchFamily="34" charset="0"/>
+              </a:rPr>
+              <a:t>.</a:t>
+            </a:r>
+            <a:br>
+              <a:rPr lang="en-US" b="0" i="0" dirty="0">
+                <a:solidFill>
+                  <a:srgbClr val="222222"/>
+                </a:solidFill>
+                <a:effectLst/>
+                <a:latin typeface="Arial" panose="020B0604020202020204" pitchFamily="34" charset="0"/>
+              </a:rPr>
+            </a:br>
+            <a:br>
+              <a:rPr lang="en-US" b="0" i="0" dirty="0">
+                <a:solidFill>
+                  <a:srgbClr val="222222"/>
+                </a:solidFill>
+                <a:effectLst/>
+                <a:latin typeface="Arial" panose="020B0604020202020204" pitchFamily="34" charset="0"/>
+              </a:rPr>
+            </a:br>
+            <a:r>
+              <a:rPr lang="en-US" b="0" i="0" dirty="0">
+                <a:solidFill>
+                  <a:srgbClr val="222222"/>
+                </a:solidFill>
+                <a:effectLst/>
+                <a:latin typeface="Arial" panose="020B0604020202020204" pitchFamily="34" charset="0"/>
+              </a:rPr>
+              <a:t>[2] W. </a:t>
+            </a:r>
+            <a:r>
+              <a:rPr lang="en-US" b="0" i="0" dirty="0" err="1">
+                <a:solidFill>
+                  <a:srgbClr val="222222"/>
+                </a:solidFill>
+                <a:effectLst/>
+                <a:latin typeface="Arial" panose="020B0604020202020204" pitchFamily="34" charset="0"/>
+              </a:rPr>
+              <a:t>Mazurczyk</a:t>
+            </a:r>
+            <a:r>
+              <a:rPr lang="en-US" b="0" i="0" dirty="0">
+                <a:solidFill>
+                  <a:srgbClr val="222222"/>
+                </a:solidFill>
+                <a:effectLst/>
+                <a:latin typeface="Arial" panose="020B0604020202020204" pitchFamily="34" charset="0"/>
+              </a:rPr>
+              <a:t>, S. </a:t>
+            </a:r>
+            <a:r>
+              <a:rPr lang="en-US" b="0" i="0" dirty="0" err="1">
+                <a:solidFill>
+                  <a:srgbClr val="222222"/>
+                </a:solidFill>
+                <a:effectLst/>
+                <a:latin typeface="Arial" panose="020B0604020202020204" pitchFamily="34" charset="0"/>
+              </a:rPr>
+              <a:t>Wendzel</a:t>
+            </a:r>
+            <a:r>
+              <a:rPr lang="en-US" b="0" i="0" dirty="0">
+                <a:solidFill>
+                  <a:srgbClr val="222222"/>
+                </a:solidFill>
+                <a:effectLst/>
+                <a:latin typeface="Arial" panose="020B0604020202020204" pitchFamily="34" charset="0"/>
+              </a:rPr>
+              <a:t>, S. Zander, A. </a:t>
+            </a:r>
+            <a:r>
+              <a:rPr lang="en-US" b="0" i="0" dirty="0" err="1">
+                <a:solidFill>
+                  <a:srgbClr val="222222"/>
+                </a:solidFill>
+                <a:effectLst/>
+                <a:latin typeface="Arial" panose="020B0604020202020204" pitchFamily="34" charset="0"/>
+              </a:rPr>
+              <a:t>Houmansadr</a:t>
+            </a:r>
+            <a:r>
+              <a:rPr lang="en-US" b="0" i="0" dirty="0">
+                <a:solidFill>
+                  <a:srgbClr val="222222"/>
+                </a:solidFill>
+                <a:effectLst/>
+                <a:latin typeface="Arial" panose="020B0604020202020204" pitchFamily="34" charset="0"/>
+              </a:rPr>
+              <a:t>, K. </a:t>
+            </a:r>
+            <a:r>
+              <a:rPr lang="en-US" b="0" i="0" dirty="0" err="1">
+                <a:solidFill>
+                  <a:srgbClr val="222222"/>
+                </a:solidFill>
+                <a:effectLst/>
+                <a:latin typeface="Arial" panose="020B0604020202020204" pitchFamily="34" charset="0"/>
+              </a:rPr>
+              <a:t>Szczypiorski</a:t>
+            </a:r>
+            <a:r>
+              <a:rPr lang="en-US" b="0" i="0" dirty="0">
+                <a:solidFill>
+                  <a:srgbClr val="222222"/>
+                </a:solidFill>
+                <a:effectLst/>
+                <a:latin typeface="Arial" panose="020B0604020202020204" pitchFamily="34" charset="0"/>
+              </a:rPr>
+              <a:t>: </a:t>
+            </a:r>
+            <a:r>
+              <a:rPr lang="en-US" b="0" i="1" u="none" strike="noStrike" dirty="0">
+                <a:solidFill>
+                  <a:srgbClr val="1177CC"/>
+                </a:solidFill>
+                <a:effectLst/>
+                <a:latin typeface="Arial" panose="020B0604020202020204" pitchFamily="34" charset="0"/>
+                <a:hlinkClick r:id="rId5"/>
+              </a:rPr>
+              <a:t>Information Hiding in Communication Networks</a:t>
+            </a:r>
+            <a:r>
+              <a:rPr lang="en-US" b="0" i="0" dirty="0">
+                <a:solidFill>
+                  <a:srgbClr val="222222"/>
+                </a:solidFill>
+                <a:effectLst/>
+                <a:latin typeface="Arial" panose="020B0604020202020204" pitchFamily="34" charset="0"/>
+              </a:rPr>
+              <a:t>, Wiley, 2016. Chapters 3 and 8 contain discussions on hiding patterns, basically on the basis of [1] but with an extension of timing-based patterns.</a:t>
+            </a:r>
+            <a:br>
+              <a:rPr lang="en-US" b="0" i="0" dirty="0">
+                <a:solidFill>
+                  <a:srgbClr val="222222"/>
+                </a:solidFill>
+                <a:effectLst/>
+                <a:latin typeface="Arial" panose="020B0604020202020204" pitchFamily="34" charset="0"/>
+              </a:rPr>
+            </a:br>
+            <a:br>
+              <a:rPr lang="en-US" b="0" i="0" dirty="0">
+                <a:solidFill>
+                  <a:srgbClr val="222222"/>
+                </a:solidFill>
+                <a:effectLst/>
+                <a:latin typeface="Arial" panose="020B0604020202020204" pitchFamily="34" charset="0"/>
+              </a:rPr>
+            </a:br>
+            <a:r>
+              <a:rPr lang="en-US" b="0" i="0" dirty="0">
+                <a:solidFill>
+                  <a:srgbClr val="222222"/>
+                </a:solidFill>
+                <a:effectLst/>
+                <a:latin typeface="Arial" panose="020B0604020202020204" pitchFamily="34" charset="0"/>
+              </a:rPr>
+              <a:t>[3] W. </a:t>
+            </a:r>
+            <a:r>
+              <a:rPr lang="en-US" b="0" i="0" dirty="0" err="1">
+                <a:solidFill>
+                  <a:srgbClr val="222222"/>
+                </a:solidFill>
+                <a:effectLst/>
+                <a:latin typeface="Arial" panose="020B0604020202020204" pitchFamily="34" charset="0"/>
+              </a:rPr>
+              <a:t>Mazurczyk</a:t>
+            </a:r>
+            <a:r>
+              <a:rPr lang="en-US" b="0" i="0" dirty="0">
+                <a:solidFill>
+                  <a:srgbClr val="222222"/>
+                </a:solidFill>
+                <a:effectLst/>
+                <a:latin typeface="Arial" panose="020B0604020202020204" pitchFamily="34" charset="0"/>
+              </a:rPr>
+              <a:t>, S. </a:t>
+            </a:r>
+            <a:r>
+              <a:rPr lang="en-US" b="0" i="0" dirty="0" err="1">
+                <a:solidFill>
+                  <a:srgbClr val="222222"/>
+                </a:solidFill>
+                <a:effectLst/>
+                <a:latin typeface="Arial" panose="020B0604020202020204" pitchFamily="34" charset="0"/>
+              </a:rPr>
+              <a:t>Wendzel</a:t>
+            </a:r>
+            <a:r>
+              <a:rPr lang="en-US" b="0" i="0" dirty="0">
+                <a:solidFill>
+                  <a:srgbClr val="222222"/>
+                </a:solidFill>
+                <a:effectLst/>
+                <a:latin typeface="Arial" panose="020B0604020202020204" pitchFamily="34" charset="0"/>
+              </a:rPr>
+              <a:t>, K. </a:t>
+            </a:r>
+            <a:r>
+              <a:rPr lang="en-US" b="0" i="0" dirty="0" err="1">
+                <a:solidFill>
+                  <a:srgbClr val="222222"/>
+                </a:solidFill>
+                <a:effectLst/>
+                <a:latin typeface="Arial" panose="020B0604020202020204" pitchFamily="34" charset="0"/>
+              </a:rPr>
+              <a:t>Cabaj</a:t>
+            </a:r>
+            <a:r>
+              <a:rPr lang="en-US" b="0" i="0" dirty="0">
+                <a:solidFill>
+                  <a:srgbClr val="222222"/>
+                </a:solidFill>
+                <a:effectLst/>
+                <a:latin typeface="Arial" panose="020B0604020202020204" pitchFamily="34" charset="0"/>
+              </a:rPr>
+              <a:t>: </a:t>
+            </a:r>
+            <a:r>
+              <a:rPr lang="en-US" b="0" i="1" u="none" strike="noStrike" dirty="0">
+                <a:solidFill>
+                  <a:srgbClr val="1177CC"/>
+                </a:solidFill>
+                <a:effectLst/>
+                <a:latin typeface="Arial" panose="020B0604020202020204" pitchFamily="34" charset="0"/>
+                <a:hlinkClick r:id="rId6"/>
+              </a:rPr>
+              <a:t>Towards Deriving Insights into Data Hiding Methods Using Pattern-based Approach</a:t>
+            </a:r>
+            <a:r>
+              <a:rPr lang="en-US" b="0" i="0" dirty="0">
+                <a:solidFill>
+                  <a:srgbClr val="222222"/>
+                </a:solidFill>
+                <a:effectLst/>
+                <a:latin typeface="Arial" panose="020B0604020202020204" pitchFamily="34" charset="0"/>
+              </a:rPr>
+              <a:t>, in Proc. Second International Workshop on Criminal Use of Information Hiding (CUING 2018) at ARES, pp. 10:1-10:10, ACM, 2018.</a:t>
+            </a:r>
+          </a:p>
+          <a:p>
+            <a:pPr algn="l"/>
+            <a:r>
+              <a:rPr lang="en-US" b="0" i="0" dirty="0">
+                <a:solidFill>
+                  <a:srgbClr val="222222"/>
+                </a:solidFill>
+                <a:effectLst/>
+                <a:latin typeface="Arial" panose="020B0604020202020204" pitchFamily="34" charset="0"/>
+              </a:rPr>
+              <a:t>[4] A. </a:t>
+            </a:r>
+            <a:r>
+              <a:rPr lang="en-US" b="0" i="0" dirty="0" err="1">
+                <a:solidFill>
+                  <a:srgbClr val="222222"/>
+                </a:solidFill>
+                <a:effectLst/>
+                <a:latin typeface="Arial" panose="020B0604020202020204" pitchFamily="34" charset="0"/>
+              </a:rPr>
+              <a:t>Velinov</a:t>
+            </a:r>
+            <a:r>
+              <a:rPr lang="en-US" b="0" i="0" dirty="0">
+                <a:solidFill>
+                  <a:srgbClr val="222222"/>
+                </a:solidFill>
+                <a:effectLst/>
+                <a:latin typeface="Arial" panose="020B0604020202020204" pitchFamily="34" charset="0"/>
+              </a:rPr>
+              <a:t>, A. </a:t>
+            </a:r>
+            <a:r>
+              <a:rPr lang="en-US" b="0" i="0" dirty="0" err="1">
+                <a:solidFill>
+                  <a:srgbClr val="222222"/>
+                </a:solidFill>
+                <a:effectLst/>
+                <a:latin typeface="Arial" panose="020B0604020202020204" pitchFamily="34" charset="0"/>
+              </a:rPr>
+              <a:t>Mileva</a:t>
+            </a:r>
+            <a:r>
+              <a:rPr lang="en-US" b="0" i="0" dirty="0">
+                <a:solidFill>
+                  <a:srgbClr val="222222"/>
+                </a:solidFill>
+                <a:effectLst/>
+                <a:latin typeface="Arial" panose="020B0604020202020204" pitchFamily="34" charset="0"/>
+              </a:rPr>
+              <a:t>, S. </a:t>
+            </a:r>
+            <a:r>
+              <a:rPr lang="en-US" b="0" i="0" dirty="0" err="1">
+                <a:solidFill>
+                  <a:srgbClr val="222222"/>
+                </a:solidFill>
+                <a:effectLst/>
+                <a:latin typeface="Arial" panose="020B0604020202020204" pitchFamily="34" charset="0"/>
+              </a:rPr>
+              <a:t>Wendzel</a:t>
+            </a:r>
+            <a:r>
+              <a:rPr lang="en-US" b="0" i="0" dirty="0">
+                <a:solidFill>
+                  <a:srgbClr val="222222"/>
+                </a:solidFill>
+                <a:effectLst/>
+                <a:latin typeface="Arial" panose="020B0604020202020204" pitchFamily="34" charset="0"/>
+              </a:rPr>
+              <a:t>, W. </a:t>
+            </a:r>
+            <a:r>
+              <a:rPr lang="en-US" b="0" i="0" dirty="0" err="1">
+                <a:solidFill>
+                  <a:srgbClr val="222222"/>
+                </a:solidFill>
+                <a:effectLst/>
+                <a:latin typeface="Arial" panose="020B0604020202020204" pitchFamily="34" charset="0"/>
+              </a:rPr>
+              <a:t>Mazurczyk</a:t>
+            </a:r>
+            <a:r>
+              <a:rPr lang="en-US" b="0" i="0" dirty="0">
+                <a:solidFill>
+                  <a:srgbClr val="222222"/>
+                </a:solidFill>
+                <a:effectLst/>
+                <a:latin typeface="Arial" panose="020B0604020202020204" pitchFamily="34" charset="0"/>
+              </a:rPr>
+              <a:t>: </a:t>
+            </a:r>
+            <a:r>
+              <a:rPr lang="en-US" b="0" i="0" u="none" strike="noStrike" dirty="0">
+                <a:solidFill>
+                  <a:srgbClr val="1177CC"/>
+                </a:solidFill>
+                <a:effectLst/>
+                <a:latin typeface="Arial" panose="020B0604020202020204" pitchFamily="34" charset="0"/>
+                <a:hlinkClick r:id="rId7"/>
+              </a:rPr>
+              <a:t>Covert Channels in MQTT-based Internet of Things</a:t>
+            </a:r>
+            <a:r>
+              <a:rPr lang="en-US" b="0" i="0" dirty="0">
+                <a:solidFill>
+                  <a:srgbClr val="222222"/>
+                </a:solidFill>
+                <a:effectLst/>
+                <a:latin typeface="Arial" panose="020B0604020202020204" pitchFamily="34" charset="0"/>
+              </a:rPr>
+              <a:t>, </a:t>
+            </a:r>
+            <a:r>
+              <a:rPr lang="en-US" b="0" i="1" dirty="0">
+                <a:solidFill>
+                  <a:srgbClr val="222222"/>
+                </a:solidFill>
+                <a:effectLst/>
+                <a:latin typeface="Arial" panose="020B0604020202020204" pitchFamily="34" charset="0"/>
+              </a:rPr>
+              <a:t>IEEE ACCESS</a:t>
+            </a:r>
+            <a:r>
+              <a:rPr lang="en-US" b="0" i="0" dirty="0">
+                <a:solidFill>
+                  <a:srgbClr val="222222"/>
+                </a:solidFill>
+                <a:effectLst/>
+                <a:latin typeface="Arial" panose="020B0604020202020204" pitchFamily="34" charset="0"/>
+              </a:rPr>
+              <a:t>, Vol. 7, pp. 161899-161915, 2019. </a:t>
+            </a:r>
+            <a:br>
+              <a:rPr lang="en-US" b="0" i="0" dirty="0">
+                <a:solidFill>
+                  <a:srgbClr val="222222"/>
+                </a:solidFill>
+                <a:effectLst/>
+                <a:latin typeface="Arial" panose="020B0604020202020204" pitchFamily="34" charset="0"/>
+              </a:rPr>
+            </a:br>
+            <a:endParaRPr lang="en-US" b="0" i="0" dirty="0">
+              <a:solidFill>
+                <a:srgbClr val="222222"/>
+              </a:solidFill>
+              <a:effectLst/>
+              <a:latin typeface="Arial" panose="020B0604020202020204" pitchFamily="34" charset="0"/>
+            </a:endParaRPr>
+          </a:p>
+          <a:p>
+            <a:pPr algn="l"/>
+            <a:r>
+              <a:rPr lang="en-US" b="0" i="0" dirty="0">
+                <a:solidFill>
+                  <a:srgbClr val="222222"/>
+                </a:solidFill>
+                <a:effectLst/>
+                <a:latin typeface="Arial" panose="020B0604020202020204" pitchFamily="34" charset="0"/>
+              </a:rPr>
+              <a:t>[5] A. </a:t>
+            </a:r>
+            <a:r>
+              <a:rPr lang="en-US" b="0" i="0" dirty="0" err="1">
+                <a:solidFill>
+                  <a:srgbClr val="222222"/>
+                </a:solidFill>
+                <a:effectLst/>
+                <a:latin typeface="Arial" panose="020B0604020202020204" pitchFamily="34" charset="0"/>
+              </a:rPr>
+              <a:t>Mileva</a:t>
+            </a:r>
+            <a:r>
+              <a:rPr lang="en-US" b="0" i="0" dirty="0">
+                <a:solidFill>
+                  <a:srgbClr val="222222"/>
+                </a:solidFill>
+                <a:effectLst/>
+                <a:latin typeface="Arial" panose="020B0604020202020204" pitchFamily="34" charset="0"/>
+              </a:rPr>
+              <a:t>, A. </a:t>
+            </a:r>
+            <a:r>
+              <a:rPr lang="en-US" b="0" i="0" dirty="0" err="1">
+                <a:solidFill>
+                  <a:srgbClr val="222222"/>
+                </a:solidFill>
+                <a:effectLst/>
+                <a:latin typeface="Arial" panose="020B0604020202020204" pitchFamily="34" charset="0"/>
+              </a:rPr>
+              <a:t>Velinov</a:t>
+            </a:r>
+            <a:r>
+              <a:rPr lang="en-US" b="0" i="0" dirty="0">
+                <a:solidFill>
+                  <a:srgbClr val="222222"/>
+                </a:solidFill>
+                <a:effectLst/>
+                <a:latin typeface="Arial" panose="020B0604020202020204" pitchFamily="34" charset="0"/>
+              </a:rPr>
+              <a:t>, L. Hartmann, S. </a:t>
+            </a:r>
+            <a:r>
+              <a:rPr lang="en-US" b="0" i="0" dirty="0" err="1">
+                <a:solidFill>
+                  <a:srgbClr val="222222"/>
+                </a:solidFill>
+                <a:effectLst/>
+                <a:latin typeface="Arial" panose="020B0604020202020204" pitchFamily="34" charset="0"/>
+              </a:rPr>
+              <a:t>Wendzel</a:t>
+            </a:r>
+            <a:r>
+              <a:rPr lang="en-US" b="0" i="0" dirty="0">
+                <a:solidFill>
+                  <a:srgbClr val="222222"/>
+                </a:solidFill>
+                <a:effectLst/>
+                <a:latin typeface="Arial" panose="020B0604020202020204" pitchFamily="34" charset="0"/>
+              </a:rPr>
+              <a:t>, W. </a:t>
+            </a:r>
+            <a:r>
+              <a:rPr lang="en-US" b="0" i="0" dirty="0" err="1">
+                <a:solidFill>
+                  <a:srgbClr val="222222"/>
+                </a:solidFill>
+                <a:effectLst/>
+                <a:latin typeface="Arial" panose="020B0604020202020204" pitchFamily="34" charset="0"/>
+              </a:rPr>
+              <a:t>Mazurczyk</a:t>
+            </a:r>
+            <a:r>
+              <a:rPr lang="en-US" b="0" i="0" dirty="0">
+                <a:solidFill>
+                  <a:srgbClr val="222222"/>
+                </a:solidFill>
+                <a:effectLst/>
+                <a:latin typeface="Arial" panose="020B0604020202020204" pitchFamily="34" charset="0"/>
+              </a:rPr>
+              <a:t>: </a:t>
+            </a:r>
+            <a:r>
+              <a:rPr lang="en-US" b="0" i="1" dirty="0">
+                <a:solidFill>
+                  <a:srgbClr val="222222"/>
+                </a:solidFill>
+                <a:effectLst/>
+                <a:latin typeface="Arial" panose="020B0604020202020204" pitchFamily="34" charset="0"/>
+              </a:rPr>
+              <a:t>Comprehensive Analysis of MQTT 5.0 Susceptibility to Network Covert Channels</a:t>
+            </a:r>
+            <a:r>
+              <a:rPr lang="en-US" b="0" i="0" dirty="0">
+                <a:solidFill>
+                  <a:srgbClr val="222222"/>
+                </a:solidFill>
+                <a:effectLst/>
+                <a:latin typeface="Arial" panose="020B0604020202020204" pitchFamily="34" charset="0"/>
+              </a:rPr>
+              <a:t>, Computers &amp; Security, Elsevier, 2021. </a:t>
+            </a:r>
+          </a:p>
+          <a:p>
+            <a:pPr algn="l"/>
+            <a:r>
+              <a:rPr lang="en-US" b="0" i="0" dirty="0">
+                <a:solidFill>
+                  <a:srgbClr val="222222"/>
+                </a:solidFill>
+                <a:effectLst/>
+                <a:latin typeface="Arial" panose="020B0604020202020204" pitchFamily="34" charset="0"/>
+              </a:rPr>
+              <a:t>[6] L. Hartmann, S. </a:t>
+            </a:r>
+            <a:r>
+              <a:rPr lang="en-US" b="0" i="0" dirty="0" err="1">
+                <a:solidFill>
+                  <a:srgbClr val="222222"/>
+                </a:solidFill>
+                <a:effectLst/>
+                <a:latin typeface="Arial" panose="020B0604020202020204" pitchFamily="34" charset="0"/>
+              </a:rPr>
+              <a:t>Zillien</a:t>
+            </a:r>
+            <a:r>
+              <a:rPr lang="en-US" b="0" i="0" dirty="0">
+                <a:solidFill>
+                  <a:srgbClr val="222222"/>
+                </a:solidFill>
+                <a:effectLst/>
+                <a:latin typeface="Arial" panose="020B0604020202020204" pitchFamily="34" charset="0"/>
+              </a:rPr>
+              <a:t>, S. </a:t>
+            </a:r>
+            <a:r>
+              <a:rPr lang="en-US" b="0" i="0" dirty="0" err="1">
+                <a:solidFill>
+                  <a:srgbClr val="222222"/>
+                </a:solidFill>
+                <a:effectLst/>
+                <a:latin typeface="Arial" panose="020B0604020202020204" pitchFamily="34" charset="0"/>
+              </a:rPr>
+              <a:t>Wendzel</a:t>
+            </a:r>
+            <a:r>
+              <a:rPr lang="en-US" b="0" i="0" dirty="0">
+                <a:solidFill>
+                  <a:srgbClr val="222222"/>
+                </a:solidFill>
+                <a:effectLst/>
+                <a:latin typeface="Arial" panose="020B0604020202020204" pitchFamily="34" charset="0"/>
+              </a:rPr>
+              <a:t>: </a:t>
+            </a:r>
+            <a:r>
+              <a:rPr lang="en-US" b="0" i="1" dirty="0">
+                <a:solidFill>
+                  <a:srgbClr val="222222"/>
+                </a:solidFill>
+                <a:effectLst/>
+                <a:latin typeface="Arial" panose="020B0604020202020204" pitchFamily="34" charset="0"/>
+              </a:rPr>
+              <a:t>Reset- and Reconnection-based Covert Channels in CoAP</a:t>
+            </a:r>
+            <a:r>
+              <a:rPr lang="en-US" b="0" i="0" dirty="0">
+                <a:solidFill>
+                  <a:srgbClr val="222222"/>
+                </a:solidFill>
+                <a:effectLst/>
+                <a:latin typeface="Arial" panose="020B0604020202020204" pitchFamily="34" charset="0"/>
+              </a:rPr>
+              <a:t>. In: Proc. European Interdisciplinary Cybersecurity Conference (EICC), 2021.</a:t>
+            </a:r>
+          </a:p>
+          <a:p>
+            <a:endParaRPr lang="en-US" dirty="0"/>
+          </a:p>
+        </p:txBody>
+      </p:sp>
+    </p:spTree>
+    <p:extLst>
+      <p:ext uri="{BB962C8B-B14F-4D97-AF65-F5344CB8AC3E}">
+        <p14:creationId xmlns:p14="http://schemas.microsoft.com/office/powerpoint/2010/main" val="3675536497"/>
+      </p:ext>
+    </p:extLst>
+  </p:cSld>
+  <p:clrMapOvr>
+    <a:masterClrMapping/>
+  </p:clrMapOvr>
+</p:notes>
+</file>
+
+<file path=ppt/notesSlides/notesSlide4.xml><?xml version="1.0" encoding="utf-8"?>
+<p:notes xmlns:a="http://schemas.openxmlformats.org/drawingml/2006/main" xmlns:r="http://schemas.openxmlformats.org/officeDocument/2006/relationships" xmlns:p="http://schemas.openxmlformats.org/presentationml/2006/main">
+  <p:cSld>
+    <p:spTree>
+      <p:nvGrpSpPr>
+        <p:cNvPr id="1" name=""/>
+        <p:cNvGrpSpPr/>
+        <p:nvPr/>
+      </p:nvGrpSpPr>
+      <p:grpSpPr>
+        <a:xfrm>
+          <a:off x="0" y="0"/>
+          <a:ext cx="0" cy="0"/>
+          <a:chOff x="0" y="0"/>
+          <a:chExt cx="0" cy="0"/>
+        </a:xfrm>
+      </p:grpSpPr>
+      <p:sp>
+        <p:nvSpPr>
+          <p:cNvPr id="2" name="Slide Image Placeholder 1"/>
+          <p:cNvSpPr>
+            <a:spLocks noGrp="1" noRot="1" noChangeAspect="1"/>
+          </p:cNvSpPr>
+          <p:nvPr>
+            <p:ph type="sldImg"/>
+          </p:nvPr>
+        </p:nvSpPr>
+        <p:spPr/>
+      </p:sp>
+      <p:sp>
+        <p:nvSpPr>
+          <p:cNvPr id="3" name="Notes Placeholder 2"/>
+          <p:cNvSpPr>
+            <a:spLocks noGrp="1"/>
+          </p:cNvSpPr>
+          <p:nvPr>
+            <p:ph type="body" idx="1"/>
+          </p:nvPr>
+        </p:nvSpPr>
+        <p:spPr/>
+        <p:txBody>
+          <a:bodyPr/>
+          <a:lstStyle/>
+          <a:p>
+            <a:pPr marL="0" marR="0" lvl="0" indent="0" algn="l" defTabSz="914400" rtl="0" eaLnBrk="1" fontAlgn="auto" latinLnBrk="0" hangingPunct="1">
+              <a:lnSpc>
+                <a:spcPct val="100000"/>
+              </a:lnSpc>
+              <a:spcBef>
+                <a:spcPts val="0"/>
+              </a:spcBef>
+              <a:spcAft>
+                <a:spcPts val="0"/>
+              </a:spcAft>
+              <a:buClrTx/>
+              <a:buSzTx/>
+              <a:buFontTx/>
+              <a:buNone/>
+              <a:tabLst/>
+              <a:defRPr/>
+            </a:pPr>
+            <a:r>
+              <a:rPr lang="en-US" dirty="0"/>
+              <a:t>https://upload.wikimedia.org/wikipedia/commons/thumb/4/47/Osi-model-jb.svg/886px-Osi-model-jb.svg.png</a:t>
+            </a:r>
+          </a:p>
+          <a:p>
+            <a:endParaRPr lang="en-US" dirty="0"/>
+          </a:p>
+        </p:txBody>
+      </p:sp>
+    </p:spTree>
+    <p:extLst>
+      <p:ext uri="{BB962C8B-B14F-4D97-AF65-F5344CB8AC3E}">
+        <p14:creationId xmlns:p14="http://schemas.microsoft.com/office/powerpoint/2010/main" val="3680987766"/>
+      </p:ext>
+    </p:extLst>
+  </p:cSld>
+  <p:clrMapOvr>
+    <a:masterClrMapping/>
+  </p:clrMapOvr>
+</p:notes>
+</file>
+
+<file path=ppt/notesSlides/notesSlide5.xml><?xml version="1.0" encoding="utf-8"?>
+<p:notes xmlns:a="http://schemas.openxmlformats.org/drawingml/2006/main" xmlns:r="http://schemas.openxmlformats.org/officeDocument/2006/relationships" xmlns:p="http://schemas.openxmlformats.org/presentationml/2006/main">
+  <p:cSld>
+    <p:spTree>
+      <p:nvGrpSpPr>
+        <p:cNvPr id="1" name=""/>
+        <p:cNvGrpSpPr/>
+        <p:nvPr/>
+      </p:nvGrpSpPr>
+      <p:grpSpPr>
+        <a:xfrm>
+          <a:off x="0" y="0"/>
+          <a:ext cx="0" cy="0"/>
+          <a:chOff x="0" y="0"/>
+          <a:chExt cx="0" cy="0"/>
+        </a:xfrm>
+      </p:grpSpPr>
+      <p:sp>
+        <p:nvSpPr>
+          <p:cNvPr id="2" name="Slide Image Placeholder 1"/>
+          <p:cNvSpPr>
+            <a:spLocks noGrp="1" noRot="1" noChangeAspect="1"/>
+          </p:cNvSpPr>
+          <p:nvPr>
+            <p:ph type="sldImg"/>
+          </p:nvPr>
+        </p:nvSpPr>
+        <p:spPr/>
+      </p:sp>
+      <p:sp>
+        <p:nvSpPr>
+          <p:cNvPr id="3" name="Notes Placeholder 2"/>
+          <p:cNvSpPr>
+            <a:spLocks noGrp="1"/>
+          </p:cNvSpPr>
+          <p:nvPr>
+            <p:ph type="body" idx="1"/>
+          </p:nvPr>
+        </p:nvSpPr>
+        <p:spPr/>
+        <p:txBody>
+          <a:bodyPr/>
+          <a:lstStyle/>
+          <a:p>
+            <a:r>
+              <a:rPr lang="en-US" dirty="0"/>
+              <a:t>10 min</a:t>
+            </a:r>
+          </a:p>
+          <a:p>
+            <a:r>
+              <a:rPr lang="en-US" dirty="0" err="1"/>
+              <a:t>bigFlows.pcap</a:t>
+            </a:r>
+            <a:endParaRPr lang="en-US" dirty="0"/>
+          </a:p>
+          <a:p>
+            <a:endParaRPr lang="en-US" dirty="0"/>
+          </a:p>
+          <a:p>
+            <a:r>
+              <a:rPr lang="en-US" dirty="0"/>
+              <a:t>Pick a protocol and lookup the RFC</a:t>
+            </a:r>
+          </a:p>
+          <a:p>
+            <a:r>
+              <a:rPr lang="en-US" dirty="0"/>
+              <a:t>Does the protocol in the </a:t>
+            </a:r>
+            <a:r>
+              <a:rPr lang="en-US" dirty="0" err="1"/>
+              <a:t>pcap</a:t>
+            </a:r>
+            <a:r>
+              <a:rPr lang="en-US" dirty="0"/>
+              <a:t> match the RFC?</a:t>
+            </a:r>
+          </a:p>
+          <a:p>
+            <a:endParaRPr lang="en-US" dirty="0"/>
+          </a:p>
+          <a:p>
+            <a:endParaRPr lang="en-US" dirty="0"/>
+          </a:p>
+          <a:p>
+            <a:r>
+              <a:rPr lang="en-US" b="0" i="0" u="sng" dirty="0">
+                <a:effectLst/>
+                <a:latin typeface="-apple-system"/>
+                <a:hlinkClick r:id="rId3"/>
+              </a:rPr>
+              <a:t>https://drive.google.com/file/d/1VwjsAJV2Z2drE9vC_g2J_Snjz8WYtN5B/view?usp=sharing</a:t>
+            </a:r>
+            <a:endParaRPr lang="en-US" dirty="0"/>
+          </a:p>
+        </p:txBody>
+      </p:sp>
+    </p:spTree>
+    <p:extLst>
+      <p:ext uri="{BB962C8B-B14F-4D97-AF65-F5344CB8AC3E}">
+        <p14:creationId xmlns:p14="http://schemas.microsoft.com/office/powerpoint/2010/main" val="563536632"/>
+      </p:ext>
+    </p:extLst>
+  </p:cSld>
+  <p:clrMapOvr>
+    <a:masterClrMapping/>
+  </p:clrMapOvr>
+</p:notes>
+</file>
+
+<file path=ppt/notesSlides/notesSlide6.xml><?xml version="1.0" encoding="utf-8"?>
+<p:notes xmlns:a="http://schemas.openxmlformats.org/drawingml/2006/main" xmlns:r="http://schemas.openxmlformats.org/officeDocument/2006/relationships" xmlns:p="http://schemas.openxmlformats.org/presentationml/2006/main">
+  <p:cSld>
+    <p:spTree>
+      <p:nvGrpSpPr>
+        <p:cNvPr id="1" name=""/>
+        <p:cNvGrpSpPr/>
+        <p:nvPr/>
+      </p:nvGrpSpPr>
+      <p:grpSpPr>
+        <a:xfrm>
+          <a:off x="0" y="0"/>
+          <a:ext cx="0" cy="0"/>
+          <a:chOff x="0" y="0"/>
+          <a:chExt cx="0" cy="0"/>
+        </a:xfrm>
+      </p:grpSpPr>
+      <p:sp>
+        <p:nvSpPr>
+          <p:cNvPr id="2" name="Slide Image Placeholder 1"/>
+          <p:cNvSpPr>
+            <a:spLocks noGrp="1" noRot="1" noChangeAspect="1"/>
+          </p:cNvSpPr>
+          <p:nvPr>
+            <p:ph type="sldImg"/>
+          </p:nvPr>
+        </p:nvSpPr>
+        <p:spPr/>
+      </p:sp>
+      <p:sp>
+        <p:nvSpPr>
+          <p:cNvPr id="3" name="Notes Placeholder 2"/>
+          <p:cNvSpPr>
+            <a:spLocks noGrp="1"/>
+          </p:cNvSpPr>
+          <p:nvPr>
+            <p:ph type="body" idx="1"/>
+          </p:nvPr>
+        </p:nvSpPr>
+        <p:spPr/>
+        <p:txBody>
+          <a:bodyPr/>
+          <a:lstStyle/>
+          <a:p>
+            <a:pPr marL="0" marR="0" lvl="0" indent="0" algn="l" defTabSz="914400" rtl="0" eaLnBrk="1" fontAlgn="auto" latinLnBrk="0" hangingPunct="1">
+              <a:lnSpc>
+                <a:spcPct val="100000"/>
+              </a:lnSpc>
+              <a:spcBef>
+                <a:spcPts val="0"/>
+              </a:spcBef>
+              <a:spcAft>
+                <a:spcPts val="0"/>
+              </a:spcAft>
+              <a:buClrTx/>
+              <a:buSzTx/>
+              <a:buFontTx/>
+              <a:buNone/>
+              <a:tabLst/>
+              <a:defRPr/>
+            </a:pPr>
+            <a:r>
+              <a:rPr lang="en-US" dirty="0"/>
+              <a:t>Look at what PA did to my slide!!!!</a:t>
+            </a:r>
+          </a:p>
+          <a:p>
+            <a:endParaRPr lang="en-US" dirty="0"/>
+          </a:p>
+          <a:p>
+            <a:endParaRPr lang="en-US" dirty="0"/>
+          </a:p>
+        </p:txBody>
+      </p:sp>
+    </p:spTree>
+    <p:extLst>
+      <p:ext uri="{BB962C8B-B14F-4D97-AF65-F5344CB8AC3E}">
+        <p14:creationId xmlns:p14="http://schemas.microsoft.com/office/powerpoint/2010/main" val="1069262418"/>
+      </p:ext>
+    </p:extLst>
+  </p:cSld>
+  <p:clrMapOvr>
+    <a:masterClrMapping/>
+  </p:clrMapOvr>
+</p:notes>
+</file>
+
+<file path=ppt/notesSlides/notesSlide7.xml><?xml version="1.0" encoding="utf-8"?>
+<p:notes xmlns:a="http://schemas.openxmlformats.org/drawingml/2006/main" xmlns:r="http://schemas.openxmlformats.org/officeDocument/2006/relationships" xmlns:p="http://schemas.openxmlformats.org/presentationml/2006/main">
+  <p:cSld>
+    <p:spTree>
+      <p:nvGrpSpPr>
+        <p:cNvPr id="1" name=""/>
+        <p:cNvGrpSpPr/>
+        <p:nvPr/>
+      </p:nvGrpSpPr>
+      <p:grpSpPr>
+        <a:xfrm>
+          <a:off x="0" y="0"/>
+          <a:ext cx="0" cy="0"/>
+          <a:chOff x="0" y="0"/>
+          <a:chExt cx="0" cy="0"/>
+        </a:xfrm>
+      </p:grpSpPr>
+      <p:sp>
+        <p:nvSpPr>
+          <p:cNvPr id="2" name="Slide Image Placeholder 1"/>
+          <p:cNvSpPr>
+            <a:spLocks noGrp="1" noRot="1" noChangeAspect="1"/>
+          </p:cNvSpPr>
+          <p:nvPr>
+            <p:ph type="sldImg"/>
+          </p:nvPr>
+        </p:nvSpPr>
+        <p:spPr/>
+      </p:sp>
+      <p:sp>
+        <p:nvSpPr>
+          <p:cNvPr id="3" name="Notes Placeholder 2"/>
+          <p:cNvSpPr>
+            <a:spLocks noGrp="1"/>
+          </p:cNvSpPr>
+          <p:nvPr>
+            <p:ph type="body" idx="1"/>
+          </p:nvPr>
+        </p:nvSpPr>
+        <p:spPr/>
+        <p:txBody>
+          <a:bodyPr>
+            <a:normAutofit fontScale="92500" lnSpcReduction="10000"/>
+          </a:bodyPr>
+          <a:lstStyle/>
+          <a:p>
+            <a:pPr algn="l"/>
+            <a:r>
+              <a:rPr lang="en-US" b="0" i="0" dirty="0">
+                <a:solidFill>
+                  <a:srgbClr val="222222"/>
+                </a:solidFill>
+                <a:effectLst/>
+                <a:latin typeface="Arial" panose="020B0604020202020204" pitchFamily="34" charset="0"/>
+              </a:rPr>
+              <a:t>[1] S. </a:t>
+            </a:r>
+            <a:r>
+              <a:rPr lang="en-US" b="0" i="0" dirty="0" err="1">
+                <a:solidFill>
+                  <a:srgbClr val="222222"/>
+                </a:solidFill>
+                <a:effectLst/>
+                <a:latin typeface="Arial" panose="020B0604020202020204" pitchFamily="34" charset="0"/>
+              </a:rPr>
+              <a:t>Wendzel</a:t>
+            </a:r>
+            <a:r>
+              <a:rPr lang="en-US" b="0" i="0" dirty="0">
+                <a:solidFill>
+                  <a:srgbClr val="222222"/>
+                </a:solidFill>
+                <a:effectLst/>
+                <a:latin typeface="Arial" panose="020B0604020202020204" pitchFamily="34" charset="0"/>
+              </a:rPr>
+              <a:t>, S. Zander, B. Fechner, C. </a:t>
+            </a:r>
+            <a:r>
+              <a:rPr lang="en-US" b="0" i="0" dirty="0" err="1">
+                <a:solidFill>
+                  <a:srgbClr val="222222"/>
+                </a:solidFill>
+                <a:effectLst/>
+                <a:latin typeface="Arial" panose="020B0604020202020204" pitchFamily="34" charset="0"/>
+              </a:rPr>
+              <a:t>Herdin</a:t>
+            </a:r>
+            <a:r>
+              <a:rPr lang="en-US" b="0" i="0" dirty="0">
+                <a:solidFill>
+                  <a:srgbClr val="222222"/>
+                </a:solidFill>
+                <a:effectLst/>
+                <a:latin typeface="Arial" panose="020B0604020202020204" pitchFamily="34" charset="0"/>
+              </a:rPr>
+              <a:t>: </a:t>
+            </a:r>
+            <a:r>
+              <a:rPr lang="en-US" b="0" i="1" u="none" strike="noStrike" dirty="0">
+                <a:solidFill>
+                  <a:srgbClr val="1177CC"/>
+                </a:solidFill>
+                <a:effectLst/>
+                <a:latin typeface="Arial" panose="020B0604020202020204" pitchFamily="34" charset="0"/>
+                <a:hlinkClick r:id="rId3"/>
+              </a:rPr>
+              <a:t>Pattern-based Survey and Categorization of Network Covert Channel Techniques</a:t>
+            </a:r>
+            <a:r>
+              <a:rPr lang="en-US" b="0" i="0" dirty="0">
+                <a:solidFill>
+                  <a:srgbClr val="222222"/>
+                </a:solidFill>
+                <a:effectLst/>
+                <a:latin typeface="Arial" panose="020B0604020202020204" pitchFamily="34" charset="0"/>
+              </a:rPr>
+              <a:t>, ACM Computing Surveys, Vol. 47, Issue 3, pp. 50:1-26, ACM, 2015.</a:t>
+            </a:r>
+            <a:br>
+              <a:rPr lang="en-US" b="0" i="0" dirty="0">
+                <a:solidFill>
+                  <a:srgbClr val="222222"/>
+                </a:solidFill>
+                <a:effectLst/>
+                <a:latin typeface="Arial" panose="020B0604020202020204" pitchFamily="34" charset="0"/>
+              </a:rPr>
+            </a:br>
+            <a:r>
+              <a:rPr lang="en-US" b="0" i="0" dirty="0">
+                <a:solidFill>
+                  <a:srgbClr val="222222"/>
+                </a:solidFill>
+                <a:effectLst/>
+                <a:latin typeface="Arial" panose="020B0604020202020204" pitchFamily="34" charset="0"/>
+              </a:rPr>
+              <a:t>An early version of the article is available here: </a:t>
+            </a:r>
+            <a:r>
+              <a:rPr lang="en-US" b="0" i="0" u="none" strike="noStrike" dirty="0">
+                <a:solidFill>
+                  <a:srgbClr val="1177CC"/>
+                </a:solidFill>
+                <a:effectLst/>
+                <a:latin typeface="Arial" panose="020B0604020202020204" pitchFamily="34" charset="0"/>
+                <a:hlinkClick r:id="rId4"/>
+              </a:rPr>
+              <a:t>download</a:t>
+            </a:r>
+            <a:r>
+              <a:rPr lang="en-US" b="0" i="0" dirty="0">
+                <a:solidFill>
+                  <a:srgbClr val="222222"/>
+                </a:solidFill>
+                <a:effectLst/>
+                <a:latin typeface="Arial" panose="020B0604020202020204" pitchFamily="34" charset="0"/>
+              </a:rPr>
+              <a:t>.</a:t>
+            </a:r>
+            <a:br>
+              <a:rPr lang="en-US" b="0" i="0" dirty="0">
+                <a:solidFill>
+                  <a:srgbClr val="222222"/>
+                </a:solidFill>
+                <a:effectLst/>
+                <a:latin typeface="Arial" panose="020B0604020202020204" pitchFamily="34" charset="0"/>
+              </a:rPr>
+            </a:br>
+            <a:br>
+              <a:rPr lang="en-US" b="0" i="0" dirty="0">
+                <a:solidFill>
+                  <a:srgbClr val="222222"/>
+                </a:solidFill>
+                <a:effectLst/>
+                <a:latin typeface="Arial" panose="020B0604020202020204" pitchFamily="34" charset="0"/>
+              </a:rPr>
+            </a:br>
+            <a:r>
+              <a:rPr lang="en-US" b="0" i="0" dirty="0">
+                <a:solidFill>
+                  <a:srgbClr val="222222"/>
+                </a:solidFill>
+                <a:effectLst/>
+                <a:latin typeface="Arial" panose="020B0604020202020204" pitchFamily="34" charset="0"/>
+              </a:rPr>
+              <a:t>[2] W. </a:t>
+            </a:r>
+            <a:r>
+              <a:rPr lang="en-US" b="0" i="0" dirty="0" err="1">
+                <a:solidFill>
+                  <a:srgbClr val="222222"/>
+                </a:solidFill>
+                <a:effectLst/>
+                <a:latin typeface="Arial" panose="020B0604020202020204" pitchFamily="34" charset="0"/>
+              </a:rPr>
+              <a:t>Mazurczyk</a:t>
+            </a:r>
+            <a:r>
+              <a:rPr lang="en-US" b="0" i="0" dirty="0">
+                <a:solidFill>
+                  <a:srgbClr val="222222"/>
+                </a:solidFill>
+                <a:effectLst/>
+                <a:latin typeface="Arial" panose="020B0604020202020204" pitchFamily="34" charset="0"/>
+              </a:rPr>
+              <a:t>, S. </a:t>
+            </a:r>
+            <a:r>
+              <a:rPr lang="en-US" b="0" i="0" dirty="0" err="1">
+                <a:solidFill>
+                  <a:srgbClr val="222222"/>
+                </a:solidFill>
+                <a:effectLst/>
+                <a:latin typeface="Arial" panose="020B0604020202020204" pitchFamily="34" charset="0"/>
+              </a:rPr>
+              <a:t>Wendzel</a:t>
+            </a:r>
+            <a:r>
+              <a:rPr lang="en-US" b="0" i="0" dirty="0">
+                <a:solidFill>
+                  <a:srgbClr val="222222"/>
+                </a:solidFill>
+                <a:effectLst/>
+                <a:latin typeface="Arial" panose="020B0604020202020204" pitchFamily="34" charset="0"/>
+              </a:rPr>
+              <a:t>, S. Zander, A. </a:t>
+            </a:r>
+            <a:r>
+              <a:rPr lang="en-US" b="0" i="0" dirty="0" err="1">
+                <a:solidFill>
+                  <a:srgbClr val="222222"/>
+                </a:solidFill>
+                <a:effectLst/>
+                <a:latin typeface="Arial" panose="020B0604020202020204" pitchFamily="34" charset="0"/>
+              </a:rPr>
+              <a:t>Houmansadr</a:t>
+            </a:r>
+            <a:r>
+              <a:rPr lang="en-US" b="0" i="0" dirty="0">
+                <a:solidFill>
+                  <a:srgbClr val="222222"/>
+                </a:solidFill>
+                <a:effectLst/>
+                <a:latin typeface="Arial" panose="020B0604020202020204" pitchFamily="34" charset="0"/>
+              </a:rPr>
+              <a:t>, K. </a:t>
+            </a:r>
+            <a:r>
+              <a:rPr lang="en-US" b="0" i="0" dirty="0" err="1">
+                <a:solidFill>
+                  <a:srgbClr val="222222"/>
+                </a:solidFill>
+                <a:effectLst/>
+                <a:latin typeface="Arial" panose="020B0604020202020204" pitchFamily="34" charset="0"/>
+              </a:rPr>
+              <a:t>Szczypiorski</a:t>
+            </a:r>
+            <a:r>
+              <a:rPr lang="en-US" b="0" i="0" dirty="0">
+                <a:solidFill>
+                  <a:srgbClr val="222222"/>
+                </a:solidFill>
+                <a:effectLst/>
+                <a:latin typeface="Arial" panose="020B0604020202020204" pitchFamily="34" charset="0"/>
+              </a:rPr>
+              <a:t>: </a:t>
+            </a:r>
+            <a:r>
+              <a:rPr lang="en-US" b="0" i="1" u="none" strike="noStrike" dirty="0">
+                <a:solidFill>
+                  <a:srgbClr val="1177CC"/>
+                </a:solidFill>
+                <a:effectLst/>
+                <a:latin typeface="Arial" panose="020B0604020202020204" pitchFamily="34" charset="0"/>
+                <a:hlinkClick r:id="rId5"/>
+              </a:rPr>
+              <a:t>Information Hiding in Communication Networks</a:t>
+            </a:r>
+            <a:r>
+              <a:rPr lang="en-US" b="0" i="0" dirty="0">
+                <a:solidFill>
+                  <a:srgbClr val="222222"/>
+                </a:solidFill>
+                <a:effectLst/>
+                <a:latin typeface="Arial" panose="020B0604020202020204" pitchFamily="34" charset="0"/>
+              </a:rPr>
+              <a:t>, Wiley, 2016. Chapters 3 and 8 contain discussions on hiding patterns, basically on the basis of [1] but with an extension of timing-based patterns.</a:t>
+            </a:r>
+            <a:br>
+              <a:rPr lang="en-US" b="0" i="0" dirty="0">
+                <a:solidFill>
+                  <a:srgbClr val="222222"/>
+                </a:solidFill>
+                <a:effectLst/>
+                <a:latin typeface="Arial" panose="020B0604020202020204" pitchFamily="34" charset="0"/>
+              </a:rPr>
+            </a:br>
+            <a:br>
+              <a:rPr lang="en-US" b="0" i="0" dirty="0">
+                <a:solidFill>
+                  <a:srgbClr val="222222"/>
+                </a:solidFill>
+                <a:effectLst/>
+                <a:latin typeface="Arial" panose="020B0604020202020204" pitchFamily="34" charset="0"/>
+              </a:rPr>
+            </a:br>
+            <a:r>
+              <a:rPr lang="en-US" b="0" i="0" dirty="0">
+                <a:solidFill>
+                  <a:srgbClr val="222222"/>
+                </a:solidFill>
+                <a:effectLst/>
+                <a:latin typeface="Arial" panose="020B0604020202020204" pitchFamily="34" charset="0"/>
+              </a:rPr>
+              <a:t>[3] W. </a:t>
+            </a:r>
+            <a:r>
+              <a:rPr lang="en-US" b="0" i="0" dirty="0" err="1">
+                <a:solidFill>
+                  <a:srgbClr val="222222"/>
+                </a:solidFill>
+                <a:effectLst/>
+                <a:latin typeface="Arial" panose="020B0604020202020204" pitchFamily="34" charset="0"/>
+              </a:rPr>
+              <a:t>Mazurczyk</a:t>
+            </a:r>
+            <a:r>
+              <a:rPr lang="en-US" b="0" i="0" dirty="0">
+                <a:solidFill>
+                  <a:srgbClr val="222222"/>
+                </a:solidFill>
+                <a:effectLst/>
+                <a:latin typeface="Arial" panose="020B0604020202020204" pitchFamily="34" charset="0"/>
+              </a:rPr>
+              <a:t>, S. </a:t>
+            </a:r>
+            <a:r>
+              <a:rPr lang="en-US" b="0" i="0" dirty="0" err="1">
+                <a:solidFill>
+                  <a:srgbClr val="222222"/>
+                </a:solidFill>
+                <a:effectLst/>
+                <a:latin typeface="Arial" panose="020B0604020202020204" pitchFamily="34" charset="0"/>
+              </a:rPr>
+              <a:t>Wendzel</a:t>
+            </a:r>
+            <a:r>
+              <a:rPr lang="en-US" b="0" i="0" dirty="0">
+                <a:solidFill>
+                  <a:srgbClr val="222222"/>
+                </a:solidFill>
+                <a:effectLst/>
+                <a:latin typeface="Arial" panose="020B0604020202020204" pitchFamily="34" charset="0"/>
+              </a:rPr>
+              <a:t>, K. </a:t>
+            </a:r>
+            <a:r>
+              <a:rPr lang="en-US" b="0" i="0" dirty="0" err="1">
+                <a:solidFill>
+                  <a:srgbClr val="222222"/>
+                </a:solidFill>
+                <a:effectLst/>
+                <a:latin typeface="Arial" panose="020B0604020202020204" pitchFamily="34" charset="0"/>
+              </a:rPr>
+              <a:t>Cabaj</a:t>
+            </a:r>
+            <a:r>
+              <a:rPr lang="en-US" b="0" i="0" dirty="0">
+                <a:solidFill>
+                  <a:srgbClr val="222222"/>
+                </a:solidFill>
+                <a:effectLst/>
+                <a:latin typeface="Arial" panose="020B0604020202020204" pitchFamily="34" charset="0"/>
+              </a:rPr>
+              <a:t>: </a:t>
+            </a:r>
+            <a:r>
+              <a:rPr lang="en-US" b="0" i="1" u="none" strike="noStrike" dirty="0">
+                <a:solidFill>
+                  <a:srgbClr val="1177CC"/>
+                </a:solidFill>
+                <a:effectLst/>
+                <a:latin typeface="Arial" panose="020B0604020202020204" pitchFamily="34" charset="0"/>
+                <a:hlinkClick r:id="rId6"/>
+              </a:rPr>
+              <a:t>Towards Deriving Insights into Data Hiding Methods Using Pattern-based Approach</a:t>
+            </a:r>
+            <a:r>
+              <a:rPr lang="en-US" b="0" i="0" dirty="0">
+                <a:solidFill>
+                  <a:srgbClr val="222222"/>
+                </a:solidFill>
+                <a:effectLst/>
+                <a:latin typeface="Arial" panose="020B0604020202020204" pitchFamily="34" charset="0"/>
+              </a:rPr>
+              <a:t>, in Proc. Second International Workshop on Criminal Use of Information Hiding (CUING 2018) at ARES, pp. 10:1-10:10, ACM, 2018.</a:t>
+            </a:r>
+          </a:p>
+          <a:p>
+            <a:pPr algn="l"/>
+            <a:r>
+              <a:rPr lang="en-US" b="0" i="0" dirty="0">
+                <a:solidFill>
+                  <a:srgbClr val="222222"/>
+                </a:solidFill>
+                <a:effectLst/>
+                <a:latin typeface="Arial" panose="020B0604020202020204" pitchFamily="34" charset="0"/>
+              </a:rPr>
+              <a:t>[4] A. </a:t>
+            </a:r>
+            <a:r>
+              <a:rPr lang="en-US" b="0" i="0" dirty="0" err="1">
+                <a:solidFill>
+                  <a:srgbClr val="222222"/>
+                </a:solidFill>
+                <a:effectLst/>
+                <a:latin typeface="Arial" panose="020B0604020202020204" pitchFamily="34" charset="0"/>
+              </a:rPr>
+              <a:t>Velinov</a:t>
+            </a:r>
+            <a:r>
+              <a:rPr lang="en-US" b="0" i="0" dirty="0">
+                <a:solidFill>
+                  <a:srgbClr val="222222"/>
+                </a:solidFill>
+                <a:effectLst/>
+                <a:latin typeface="Arial" panose="020B0604020202020204" pitchFamily="34" charset="0"/>
+              </a:rPr>
+              <a:t>, A. </a:t>
+            </a:r>
+            <a:r>
+              <a:rPr lang="en-US" b="0" i="0" dirty="0" err="1">
+                <a:solidFill>
+                  <a:srgbClr val="222222"/>
+                </a:solidFill>
+                <a:effectLst/>
+                <a:latin typeface="Arial" panose="020B0604020202020204" pitchFamily="34" charset="0"/>
+              </a:rPr>
+              <a:t>Mileva</a:t>
+            </a:r>
+            <a:r>
+              <a:rPr lang="en-US" b="0" i="0" dirty="0">
+                <a:solidFill>
+                  <a:srgbClr val="222222"/>
+                </a:solidFill>
+                <a:effectLst/>
+                <a:latin typeface="Arial" panose="020B0604020202020204" pitchFamily="34" charset="0"/>
+              </a:rPr>
+              <a:t>, S. </a:t>
+            </a:r>
+            <a:r>
+              <a:rPr lang="en-US" b="0" i="0" dirty="0" err="1">
+                <a:solidFill>
+                  <a:srgbClr val="222222"/>
+                </a:solidFill>
+                <a:effectLst/>
+                <a:latin typeface="Arial" panose="020B0604020202020204" pitchFamily="34" charset="0"/>
+              </a:rPr>
+              <a:t>Wendzel</a:t>
+            </a:r>
+            <a:r>
+              <a:rPr lang="en-US" b="0" i="0" dirty="0">
+                <a:solidFill>
+                  <a:srgbClr val="222222"/>
+                </a:solidFill>
+                <a:effectLst/>
+                <a:latin typeface="Arial" panose="020B0604020202020204" pitchFamily="34" charset="0"/>
+              </a:rPr>
+              <a:t>, W. </a:t>
+            </a:r>
+            <a:r>
+              <a:rPr lang="en-US" b="0" i="0" dirty="0" err="1">
+                <a:solidFill>
+                  <a:srgbClr val="222222"/>
+                </a:solidFill>
+                <a:effectLst/>
+                <a:latin typeface="Arial" panose="020B0604020202020204" pitchFamily="34" charset="0"/>
+              </a:rPr>
+              <a:t>Mazurczyk</a:t>
+            </a:r>
+            <a:r>
+              <a:rPr lang="en-US" b="0" i="0" dirty="0">
+                <a:solidFill>
+                  <a:srgbClr val="222222"/>
+                </a:solidFill>
+                <a:effectLst/>
+                <a:latin typeface="Arial" panose="020B0604020202020204" pitchFamily="34" charset="0"/>
+              </a:rPr>
+              <a:t>: </a:t>
+            </a:r>
+            <a:r>
+              <a:rPr lang="en-US" b="0" i="0" u="none" strike="noStrike" dirty="0">
+                <a:solidFill>
+                  <a:srgbClr val="1177CC"/>
+                </a:solidFill>
+                <a:effectLst/>
+                <a:latin typeface="Arial" panose="020B0604020202020204" pitchFamily="34" charset="0"/>
+                <a:hlinkClick r:id="rId7"/>
+              </a:rPr>
+              <a:t>Covert Channels in MQTT-based Internet of Things</a:t>
+            </a:r>
+            <a:r>
+              <a:rPr lang="en-US" b="0" i="0" dirty="0">
+                <a:solidFill>
+                  <a:srgbClr val="222222"/>
+                </a:solidFill>
+                <a:effectLst/>
+                <a:latin typeface="Arial" panose="020B0604020202020204" pitchFamily="34" charset="0"/>
+              </a:rPr>
+              <a:t>, </a:t>
+            </a:r>
+            <a:r>
+              <a:rPr lang="en-US" b="0" i="1" dirty="0">
+                <a:solidFill>
+                  <a:srgbClr val="222222"/>
+                </a:solidFill>
+                <a:effectLst/>
+                <a:latin typeface="Arial" panose="020B0604020202020204" pitchFamily="34" charset="0"/>
+              </a:rPr>
+              <a:t>IEEE ACCESS</a:t>
+            </a:r>
+            <a:r>
+              <a:rPr lang="en-US" b="0" i="0" dirty="0">
+                <a:solidFill>
+                  <a:srgbClr val="222222"/>
+                </a:solidFill>
+                <a:effectLst/>
+                <a:latin typeface="Arial" panose="020B0604020202020204" pitchFamily="34" charset="0"/>
+              </a:rPr>
+              <a:t>, Vol. 7, pp. 161899-161915, 2019. </a:t>
+            </a:r>
+            <a:br>
+              <a:rPr lang="en-US" b="0" i="0" dirty="0">
+                <a:solidFill>
+                  <a:srgbClr val="222222"/>
+                </a:solidFill>
+                <a:effectLst/>
+                <a:latin typeface="Arial" panose="020B0604020202020204" pitchFamily="34" charset="0"/>
+              </a:rPr>
+            </a:br>
+            <a:endParaRPr lang="en-US" b="0" i="0" dirty="0">
+              <a:solidFill>
+                <a:srgbClr val="222222"/>
+              </a:solidFill>
+              <a:effectLst/>
+              <a:latin typeface="Arial" panose="020B0604020202020204" pitchFamily="34" charset="0"/>
+            </a:endParaRPr>
+          </a:p>
+          <a:p>
+            <a:pPr algn="l"/>
+            <a:r>
+              <a:rPr lang="en-US" b="0" i="0" dirty="0">
+                <a:solidFill>
+                  <a:srgbClr val="222222"/>
+                </a:solidFill>
+                <a:effectLst/>
+                <a:latin typeface="Arial" panose="020B0604020202020204" pitchFamily="34" charset="0"/>
+              </a:rPr>
+              <a:t>[5] A. </a:t>
+            </a:r>
+            <a:r>
+              <a:rPr lang="en-US" b="0" i="0" dirty="0" err="1">
+                <a:solidFill>
+                  <a:srgbClr val="222222"/>
+                </a:solidFill>
+                <a:effectLst/>
+                <a:latin typeface="Arial" panose="020B0604020202020204" pitchFamily="34" charset="0"/>
+              </a:rPr>
+              <a:t>Mileva</a:t>
+            </a:r>
+            <a:r>
+              <a:rPr lang="en-US" b="0" i="0" dirty="0">
+                <a:solidFill>
+                  <a:srgbClr val="222222"/>
+                </a:solidFill>
+                <a:effectLst/>
+                <a:latin typeface="Arial" panose="020B0604020202020204" pitchFamily="34" charset="0"/>
+              </a:rPr>
+              <a:t>, A. </a:t>
+            </a:r>
+            <a:r>
+              <a:rPr lang="en-US" b="0" i="0" dirty="0" err="1">
+                <a:solidFill>
+                  <a:srgbClr val="222222"/>
+                </a:solidFill>
+                <a:effectLst/>
+                <a:latin typeface="Arial" panose="020B0604020202020204" pitchFamily="34" charset="0"/>
+              </a:rPr>
+              <a:t>Velinov</a:t>
+            </a:r>
+            <a:r>
+              <a:rPr lang="en-US" b="0" i="0" dirty="0">
+                <a:solidFill>
+                  <a:srgbClr val="222222"/>
+                </a:solidFill>
+                <a:effectLst/>
+                <a:latin typeface="Arial" panose="020B0604020202020204" pitchFamily="34" charset="0"/>
+              </a:rPr>
+              <a:t>, L. Hartmann, S. </a:t>
+            </a:r>
+            <a:r>
+              <a:rPr lang="en-US" b="0" i="0" dirty="0" err="1">
+                <a:solidFill>
+                  <a:srgbClr val="222222"/>
+                </a:solidFill>
+                <a:effectLst/>
+                <a:latin typeface="Arial" panose="020B0604020202020204" pitchFamily="34" charset="0"/>
+              </a:rPr>
+              <a:t>Wendzel</a:t>
+            </a:r>
+            <a:r>
+              <a:rPr lang="en-US" b="0" i="0" dirty="0">
+                <a:solidFill>
+                  <a:srgbClr val="222222"/>
+                </a:solidFill>
+                <a:effectLst/>
+                <a:latin typeface="Arial" panose="020B0604020202020204" pitchFamily="34" charset="0"/>
+              </a:rPr>
+              <a:t>, W. </a:t>
+            </a:r>
+            <a:r>
+              <a:rPr lang="en-US" b="0" i="0" dirty="0" err="1">
+                <a:solidFill>
+                  <a:srgbClr val="222222"/>
+                </a:solidFill>
+                <a:effectLst/>
+                <a:latin typeface="Arial" panose="020B0604020202020204" pitchFamily="34" charset="0"/>
+              </a:rPr>
+              <a:t>Mazurczyk</a:t>
+            </a:r>
+            <a:r>
+              <a:rPr lang="en-US" b="0" i="0" dirty="0">
+                <a:solidFill>
+                  <a:srgbClr val="222222"/>
+                </a:solidFill>
+                <a:effectLst/>
+                <a:latin typeface="Arial" panose="020B0604020202020204" pitchFamily="34" charset="0"/>
+              </a:rPr>
+              <a:t>: </a:t>
+            </a:r>
+            <a:r>
+              <a:rPr lang="en-US" b="0" i="1" dirty="0">
+                <a:solidFill>
+                  <a:srgbClr val="222222"/>
+                </a:solidFill>
+                <a:effectLst/>
+                <a:latin typeface="Arial" panose="020B0604020202020204" pitchFamily="34" charset="0"/>
+              </a:rPr>
+              <a:t>Comprehensive Analysis of MQTT 5.0 Susceptibility to Network Covert Channels</a:t>
+            </a:r>
+            <a:r>
+              <a:rPr lang="en-US" b="0" i="0" dirty="0">
+                <a:solidFill>
+                  <a:srgbClr val="222222"/>
+                </a:solidFill>
+                <a:effectLst/>
+                <a:latin typeface="Arial" panose="020B0604020202020204" pitchFamily="34" charset="0"/>
+              </a:rPr>
+              <a:t>, Computers &amp; Security, Elsevier, 2021. </a:t>
+            </a:r>
+          </a:p>
+          <a:p>
+            <a:pPr algn="l"/>
+            <a:r>
+              <a:rPr lang="en-US" b="0" i="0" dirty="0">
+                <a:solidFill>
+                  <a:srgbClr val="222222"/>
+                </a:solidFill>
+                <a:effectLst/>
+                <a:latin typeface="Arial" panose="020B0604020202020204" pitchFamily="34" charset="0"/>
+              </a:rPr>
+              <a:t>[6] L. Hartmann, S. </a:t>
+            </a:r>
+            <a:r>
+              <a:rPr lang="en-US" b="0" i="0" dirty="0" err="1">
+                <a:solidFill>
+                  <a:srgbClr val="222222"/>
+                </a:solidFill>
+                <a:effectLst/>
+                <a:latin typeface="Arial" panose="020B0604020202020204" pitchFamily="34" charset="0"/>
+              </a:rPr>
+              <a:t>Zillien</a:t>
+            </a:r>
+            <a:r>
+              <a:rPr lang="en-US" b="0" i="0" dirty="0">
+                <a:solidFill>
+                  <a:srgbClr val="222222"/>
+                </a:solidFill>
+                <a:effectLst/>
+                <a:latin typeface="Arial" panose="020B0604020202020204" pitchFamily="34" charset="0"/>
+              </a:rPr>
+              <a:t>, S. </a:t>
+            </a:r>
+            <a:r>
+              <a:rPr lang="en-US" b="0" i="0" dirty="0" err="1">
+                <a:solidFill>
+                  <a:srgbClr val="222222"/>
+                </a:solidFill>
+                <a:effectLst/>
+                <a:latin typeface="Arial" panose="020B0604020202020204" pitchFamily="34" charset="0"/>
+              </a:rPr>
+              <a:t>Wendzel</a:t>
+            </a:r>
+            <a:r>
+              <a:rPr lang="en-US" b="0" i="0" dirty="0">
+                <a:solidFill>
+                  <a:srgbClr val="222222"/>
+                </a:solidFill>
+                <a:effectLst/>
+                <a:latin typeface="Arial" panose="020B0604020202020204" pitchFamily="34" charset="0"/>
+              </a:rPr>
+              <a:t>: </a:t>
+            </a:r>
+            <a:r>
+              <a:rPr lang="en-US" b="0" i="1" dirty="0">
+                <a:solidFill>
+                  <a:srgbClr val="222222"/>
+                </a:solidFill>
+                <a:effectLst/>
+                <a:latin typeface="Arial" panose="020B0604020202020204" pitchFamily="34" charset="0"/>
+              </a:rPr>
+              <a:t>Reset- and Reconnection-based Covert Channels in CoAP</a:t>
+            </a:r>
+            <a:r>
+              <a:rPr lang="en-US" b="0" i="0" dirty="0">
+                <a:solidFill>
+                  <a:srgbClr val="222222"/>
+                </a:solidFill>
+                <a:effectLst/>
+                <a:latin typeface="Arial" panose="020B0604020202020204" pitchFamily="34" charset="0"/>
+              </a:rPr>
+              <a:t>. In: Proc. European Interdisciplinary Cybersecurity Conference (EICC), 2021.</a:t>
+            </a:r>
+          </a:p>
+          <a:p>
+            <a:endParaRPr lang="en-US" dirty="0"/>
+          </a:p>
+        </p:txBody>
+      </p:sp>
+    </p:spTree>
+    <p:extLst>
+      <p:ext uri="{BB962C8B-B14F-4D97-AF65-F5344CB8AC3E}">
+        <p14:creationId xmlns:p14="http://schemas.microsoft.com/office/powerpoint/2010/main" val="1133192568"/>
+      </p:ext>
+    </p:extLst>
+  </p:cSld>
+  <p:clrMapOvr>
+    <a:masterClrMapping/>
+  </p:clrMapOvr>
+</p:notes>
 </file>
 
 <file path=ppt/slideLayouts/slideLayout1.xml><?xml version="1.0" encoding="utf-8"?>
@@ -2226,7 +4367,7 @@
           <a:p>
             <a:r>
               <a:rPr lang="en-US" dirty="0"/>
-              <a:t>12 JUL 2021</a:t>
+              <a:t>18 JUL 2022</a:t>
             </a:r>
           </a:p>
         </p:txBody>
@@ -3983,7 +6124,7 @@
             <p:nvPr/>
           </p:nvPicPr>
           <p:blipFill>
-            <a:blip r:embed="rId2">
+            <a:blip r:embed="rId3">
               <a:extLst>
                 <a:ext uri="{28A0092B-C50C-407E-A947-70E740481C1C}">
                   <a14:useLocalDpi xmlns:a14="http://schemas.microsoft.com/office/drawing/2010/main" val="0"/>
@@ -4281,8 +6422,8 @@
         </p:nvSpPr>
         <p:spPr>
           <a:xfrm>
-            <a:off x="7269714" y="5161303"/>
-            <a:ext cx="1589451" cy="1477328"/>
+            <a:off x="7759422" y="5118501"/>
+            <a:ext cx="1447915" cy="1477328"/>
           </a:xfrm>
           <a:prstGeom prst="rect">
             <a:avLst/>
@@ -4300,7 +6441,7 @@
                 <a:solidFill>
                   <a:srgbClr val="000000"/>
                 </a:solidFill>
-                <a:hlinkClick r:id="rId3">
+                <a:hlinkClick r:id="rId4">
                   <a:extLst>
                     <a:ext uri="{A12FA001-AC4F-418D-AE19-62706E023703}">
                       <ahyp:hlinkClr xmlns:ahyp="http://schemas.microsoft.com/office/drawing/2018/hyperlinkcolor" val="tx"/>
@@ -4402,7 +6543,7 @@
     </p:spTree>
     <p:extLst>
       <p:ext uri="{BB962C8B-B14F-4D97-AF65-F5344CB8AC3E}">
-        <p14:creationId xmlns:p14="http://schemas.microsoft.com/office/powerpoint/2010/main" val="994471106"/>
+        <p14:creationId xmlns:p14="http://schemas.microsoft.com/office/powerpoint/2010/main" val="2287283192"/>
       </p:ext>
     </p:extLst>
   </p:cSld>
@@ -5006,7 +7147,7 @@
           <a:p>
             <a:r>
               <a:rPr lang="en-US" sz="2000" dirty="0"/>
-              <a:t>17SXA – Offensive Cyberspace Operations Officer</a:t>
+              <a:t>17S3A – Offensive Cyberspace Operations Officer</a:t>
             </a:r>
           </a:p>
           <a:p>
@@ -5031,9 +7172,29 @@
           <a:p>
             <a:r>
               <a:rPr lang="en-US" dirty="0"/>
-              <a:t>CNODP Intern / Currently in Red Team Capabilities</a:t>
-            </a:r>
-            <a:endParaRPr lang="en-US" sz="1600" dirty="0"/>
+              <a:t>CNODP Intern</a:t>
+            </a:r>
+          </a:p>
+          <a:p>
+            <a:pPr lvl="1"/>
+            <a:r>
+              <a:rPr lang="en-US" dirty="0"/>
+              <a:t>Red Team Capabilities</a:t>
+            </a:r>
+          </a:p>
+          <a:p>
+            <a:pPr lvl="1"/>
+            <a:r>
+              <a:rPr lang="en-US" dirty="0"/>
+              <a:t>Red Team Ops</a:t>
+            </a:r>
+          </a:p>
+          <a:p>
+            <a:pPr lvl="1"/>
+            <a:r>
+              <a:rPr lang="en-US" dirty="0"/>
+              <a:t>Special Project</a:t>
+            </a:r>
           </a:p>
         </p:txBody>
       </p:sp>
@@ -5069,7 +7230,7 @@
     </p:spTree>
     <p:extLst>
       <p:ext uri="{BB962C8B-B14F-4D97-AF65-F5344CB8AC3E}">
-        <p14:creationId xmlns:p14="http://schemas.microsoft.com/office/powerpoint/2010/main" val="1436979386"/>
+        <p14:creationId xmlns:p14="http://schemas.microsoft.com/office/powerpoint/2010/main" val="2975473084"/>
       </p:ext>
     </p:extLst>
   </p:cSld>
@@ -8319,6 +10480,23 @@
               <a:buNone/>
             </a:pPr>
             <a:r>
+              <a:rPr lang="en-US" sz="1600" b="0" i="0" u="sng" dirty="0">
+                <a:effectLst/>
+                <a:latin typeface="-apple-system"/>
+                <a:hlinkClick r:id="rId3"/>
+              </a:rPr>
+              <a:t>https://drive.google.com/file/d/1VwjsAJV2Z2drE9vC_g2J_Snjz8WYtN5B/view?usp=sharing</a:t>
+            </a:r>
+            <a:endParaRPr lang="en-US" sz="1800" dirty="0">
+              <a:latin typeface="Calibri" panose="020F0502020204030204" pitchFamily="34" charset="0"/>
+              <a:cs typeface="Calibri" panose="020F0502020204030204" pitchFamily="34" charset="0"/>
+            </a:endParaRPr>
+          </a:p>
+          <a:p>
+            <a:pPr marL="203200" indent="0" algn="ctr">
+              <a:buNone/>
+            </a:pPr>
+            <a:r>
               <a:rPr lang="en-US" sz="3000" dirty="0" err="1">
                 <a:latin typeface="Calibri" panose="020F0502020204030204" pitchFamily="34" charset="0"/>
                 <a:cs typeface="Calibri" panose="020F0502020204030204" pitchFamily="34" charset="0"/>
@@ -8366,7 +10544,7 @@
     </p:spTree>
     <p:extLst>
       <p:ext uri="{BB962C8B-B14F-4D97-AF65-F5344CB8AC3E}">
-        <p14:creationId xmlns:p14="http://schemas.microsoft.com/office/powerpoint/2010/main" val="3724824207"/>
+        <p14:creationId xmlns:p14="http://schemas.microsoft.com/office/powerpoint/2010/main" val="1541549424"/>
       </p:ext>
     </p:extLst>
   </p:cSld>
@@ -13869,7 +16047,7 @@
 </file>
 
 <file path=ppt/slides/slide5.xml><?xml version="1.0" encoding="utf-8"?>
-<p:sld xmlns:a="http://schemas.openxmlformats.org/drawingml/2006/main" xmlns:r="http://schemas.openxmlformats.org/officeDocument/2006/relationships" xmlns:p="http://schemas.openxmlformats.org/presentationml/2006/main">
+<p:sld xmlns:a="http://schemas.openxmlformats.org/drawingml/2006/main" xmlns:r="http://schemas.openxmlformats.org/officeDocument/2006/relationships" xmlns:p="http://schemas.openxmlformats.org/presentationml/2006/main" show="0">
   <p:cSld>
     <p:spTree>
       <p:nvGrpSpPr>
@@ -15955,7 +18133,7 @@
             </a:r>
             <a:r>
               <a:rPr lang="en-US" sz="2400" dirty="0"/>
-              <a:t> 2014]</a:t>
+              <a:t> 2014] Updated 2016, 2018, 2019, 2021</a:t>
             </a:r>
           </a:p>
           <a:p>
@@ -15994,7 +18172,7 @@
     </p:spTree>
     <p:extLst>
       <p:ext uri="{BB962C8B-B14F-4D97-AF65-F5344CB8AC3E}">
-        <p14:creationId xmlns:p14="http://schemas.microsoft.com/office/powerpoint/2010/main" val="3621191103"/>
+        <p14:creationId xmlns:p14="http://schemas.microsoft.com/office/powerpoint/2010/main" val="3807237985"/>
       </p:ext>
     </p:extLst>
   </p:cSld>
@@ -16788,14 +18966,42 @@
             </a:r>
             <a:r>
               <a:rPr lang="en-US" sz="2800" dirty="0"/>
-              <a:t> 2014]</a:t>
+              <a:t> 2015]</a:t>
             </a:r>
           </a:p>
           <a:p>
             <a:pPr lvl="1"/>
             <a:r>
+              <a:rPr lang="en-US" dirty="0">
+                <a:hlinkClick r:id="rId3"/>
+              </a:rPr>
+              <a:t>https://arxiv.org/pdf/1406.2901.pdf</a:t>
+            </a:r>
+            <a:endParaRPr lang="en-US" dirty="0"/>
+          </a:p>
+          <a:p>
+            <a:pPr lvl="1"/>
+            <a:r>
               <a:rPr lang="en-US" dirty="0"/>
-              <a:t>https://arxiv.org/pdf/1406.2901.pdf</a:t>
+              <a:t>Updated here: https://ih-patterns.blogspot.com/p/test.html</a:t>
+            </a:r>
+          </a:p>
+          <a:p>
+            <a:r>
+              <a:rPr lang="en-US" sz="2800" dirty="0"/>
+              <a:t>Work by </a:t>
+            </a:r>
+            <a:r>
+              <a:rPr lang="en-US" sz="2800" dirty="0" err="1"/>
+              <a:t>Wendzel</a:t>
+            </a:r>
+            <a:endParaRPr lang="en-US" sz="2800" dirty="0"/>
+          </a:p>
+          <a:p>
+            <a:pPr lvl="1"/>
+            <a:r>
+              <a:rPr lang="en-US" dirty="0"/>
+              <a:t>https://www.wendzel.de/</a:t>
             </a:r>
           </a:p>
           <a:p>
@@ -16935,15 +19141,16 @@
           <a:p>
             <a:pPr lvl="1"/>
             <a:r>
+              <a:rPr lang="en-US" dirty="0"/>
+              <a:t>Covert Timing Patterns</a:t>
+            </a:r>
+            <a:endParaRPr lang="en-US" sz="1800" dirty="0"/>
+          </a:p>
+          <a:p>
+            <a:pPr lvl="1"/>
+            <a:r>
               <a:rPr lang="en-US" sz="1800" dirty="0"/>
-              <a:t> Protocol Data Units (PDUs) – Unused/reserved header elements</a:t>
-            </a:r>
-          </a:p>
-          <a:p>
-            <a:pPr lvl="1"/>
-            <a:r>
-              <a:rPr lang="en-US" sz="1800" dirty="0"/>
-              <a:t>Timing of PDUs or protocol commands </a:t>
+              <a:t>Covert Storage Patterns</a:t>
             </a:r>
           </a:p>
           <a:p>
@@ -16957,7 +19164,7 @@
             </a:r>
             <a:r>
               <a:rPr lang="en-US" sz="2400" dirty="0"/>
-              <a:t> 2014]</a:t>
+              <a:t> 2014] Updated 2016, 2018, 2019, 2021</a:t>
             </a:r>
           </a:p>
           <a:p>
@@ -16996,7 +19203,7 @@
     </p:spTree>
     <p:extLst>
       <p:ext uri="{BB962C8B-B14F-4D97-AF65-F5344CB8AC3E}">
-        <p14:creationId xmlns:p14="http://schemas.microsoft.com/office/powerpoint/2010/main" val="2237398618"/>
+        <p14:creationId xmlns:p14="http://schemas.microsoft.com/office/powerpoint/2010/main" val="1666991799"/>
       </p:ext>
     </p:extLst>
   </p:cSld>

--- a/Handout/Covert Channel Lecture Day 1.pptx
+++ b/Handout/Covert Channel Lecture Day 1.pptx
@@ -277,7 +277,7 @@
           <a:p>
             <a:fld id="{24DAFBA8-35F2-4C04-8149-4585D62DFC6D}" type="datetimeFigureOut">
               <a:rPr lang="en-US" smtClean="0"/>
-              <a:t>7/10/2022</a:t>
+              <a:t>7/15/2023</a:t>
             </a:fld>
             <a:endParaRPr lang="en-US"/>
           </a:p>
@@ -444,7 +444,7 @@
             <a:fld id="{2ECEE970-886D-4DEB-A78D-5219D8C79727}" type="datetimeFigureOut">
               <a:rPr lang="en-US" smtClean="0"/>
               <a:pPr/>
-              <a:t>7/10/2022</a:t>
+              <a:t>7/15/2023</a:t>
             </a:fld>
             <a:endParaRPr lang="en-US"/>
           </a:p>
@@ -4367,7 +4367,7 @@
           <a:p>
             <a:r>
               <a:rPr lang="en-US" dirty="0"/>
-              <a:t>18 JUL 2022</a:t>
+              <a:t>17 JUL 2023</a:t>
             </a:r>
           </a:p>
         </p:txBody>
@@ -7096,10 +7096,39 @@
       </p:grpSpPr>
       <p:sp>
         <p:nvSpPr>
-          <p:cNvPr id="2" name="Text Placeholder 1">
-            <a:extLst>
-              <a:ext uri="{FF2B5EF4-FFF2-40B4-BE49-F238E27FC236}">
-                <a16:creationId xmlns:a16="http://schemas.microsoft.com/office/drawing/2014/main" id="{7555D9C7-2BB0-4BCE-A11A-8418B05E2256}"/>
+          <p:cNvPr id="3" name="Text Placeholder 2">
+            <a:extLst>
+              <a:ext uri="{FF2B5EF4-FFF2-40B4-BE49-F238E27FC236}">
+                <a16:creationId xmlns:a16="http://schemas.microsoft.com/office/drawing/2014/main" id="{12C6CB51-E1B4-4BC5-BC5A-CEAA8486A51D}"/>
+              </a:ext>
+            </a:extLst>
+          </p:cNvPr>
+          <p:cNvSpPr>
+            <a:spLocks noGrp="1"/>
+          </p:cNvSpPr>
+          <p:nvPr>
+            <p:ph type="body" sz="quarter" idx="11"/>
+          </p:nvPr>
+        </p:nvSpPr>
+        <p:spPr/>
+        <p:txBody>
+          <a:bodyPr/>
+          <a:lstStyle/>
+          <a:p>
+            <a:r>
+              <a:rPr lang="en-US" dirty="0" err="1"/>
+              <a:t>whoami</a:t>
+            </a:r>
+            <a:endParaRPr lang="en-US" dirty="0"/>
+          </a:p>
+        </p:txBody>
+      </p:sp>
+      <p:sp>
+        <p:nvSpPr>
+          <p:cNvPr id="5" name="Text Placeholder 4">
+            <a:extLst>
+              <a:ext uri="{FF2B5EF4-FFF2-40B4-BE49-F238E27FC236}">
+                <a16:creationId xmlns:a16="http://schemas.microsoft.com/office/drawing/2014/main" id="{9C310696-71D9-D6B8-BDA2-63158A8C04E3}"/>
               </a:ext>
             </a:extLst>
           </p:cNvPr>
@@ -7115,115 +7144,7 @@
           <a:bodyPr/>
           <a:lstStyle/>
           <a:p>
-            <a:r>
-              <a:rPr lang="en-US" sz="2000" dirty="0"/>
-              <a:t>RPI – Computer and Systems Engineering</a:t>
-            </a:r>
-          </a:p>
-          <a:p>
-            <a:r>
-              <a:rPr lang="en-US" sz="2000" dirty="0"/>
-              <a:t>RPISEC</a:t>
-            </a:r>
-          </a:p>
-          <a:p>
-            <a:r>
-              <a:rPr lang="en-US" sz="2000" dirty="0"/>
-              <a:t>ACE – 2015 (covert channel team project)</a:t>
-            </a:r>
-          </a:p>
-          <a:p>
-            <a:r>
-              <a:rPr lang="en-US" sz="2000" dirty="0"/>
-              <a:t>ACE 2 – 2016 </a:t>
-            </a:r>
-          </a:p>
-          <a:p>
-            <a:r>
-              <a:rPr lang="en-US" sz="2000" dirty="0"/>
-              <a:t>Capstone support every year since</a:t>
-            </a:r>
-          </a:p>
-          <a:p>
-            <a:r>
-              <a:rPr lang="en-US" sz="2000" dirty="0"/>
-              <a:t>17S3A – Offensive Cyberspace Operations Officer</a:t>
-            </a:r>
-          </a:p>
-          <a:p>
-            <a:r>
-              <a:rPr lang="en-US" sz="2000" dirty="0"/>
-              <a:t>UCT-&gt;AFPC-&gt;90COS-&gt;CNODP</a:t>
-            </a:r>
-          </a:p>
-          <a:p>
-            <a:r>
-              <a:rPr lang="en-US" dirty="0"/>
-              <a:t>Cyber Officer Assignments Team</a:t>
-            </a:r>
-            <a:endParaRPr lang="en-US" sz="2000" dirty="0"/>
-          </a:p>
-          <a:p>
-            <a:r>
-              <a:rPr lang="en-US" sz="2000" dirty="0"/>
-              <a:t>Cyber Capabilities Developer / Weapons &amp; Tactics Dep Flt/CC</a:t>
-            </a:r>
-          </a:p>
-          <a:p>
-            <a:r>
-              <a:rPr lang="en-US" dirty="0"/>
-              <a:t>CNODP Intern</a:t>
-            </a:r>
-          </a:p>
-          <a:p>
-            <a:pPr lvl="1"/>
-            <a:r>
-              <a:rPr lang="en-US" dirty="0"/>
-              <a:t>Red Team Capabilities</a:t>
-            </a:r>
-          </a:p>
-          <a:p>
-            <a:pPr lvl="1"/>
-            <a:r>
-              <a:rPr lang="en-US" dirty="0"/>
-              <a:t>Red Team Ops</a:t>
-            </a:r>
-          </a:p>
-          <a:p>
-            <a:pPr lvl="1"/>
-            <a:r>
-              <a:rPr lang="en-US" dirty="0"/>
-              <a:t>Special Project</a:t>
-            </a:r>
-          </a:p>
-        </p:txBody>
-      </p:sp>
-      <p:sp>
-        <p:nvSpPr>
-          <p:cNvPr id="3" name="Text Placeholder 2">
-            <a:extLst>
-              <a:ext uri="{FF2B5EF4-FFF2-40B4-BE49-F238E27FC236}">
-                <a16:creationId xmlns:a16="http://schemas.microsoft.com/office/drawing/2014/main" id="{12C6CB51-E1B4-4BC5-BC5A-CEAA8486A51D}"/>
-              </a:ext>
-            </a:extLst>
-          </p:cNvPr>
-          <p:cNvSpPr>
-            <a:spLocks noGrp="1"/>
-          </p:cNvSpPr>
-          <p:nvPr>
-            <p:ph type="body" sz="quarter" idx="11"/>
-          </p:nvPr>
-        </p:nvSpPr>
-        <p:spPr/>
-        <p:txBody>
-          <a:bodyPr/>
-          <a:lstStyle/>
-          <a:p>
-            <a:r>
-              <a:rPr lang="en-US" dirty="0" err="1"/>
-              <a:t>whoami</a:t>
-            </a:r>
-            <a:endParaRPr lang="en-US" dirty="0"/>
+            <a:endParaRPr lang="en-US"/>
           </a:p>
         </p:txBody>
       </p:sp>

--- a/Handout/Covert Channel Lecture Day 1.pptx
+++ b/Handout/Covert Channel Lecture Day 1.pptx
@@ -277,7 +277,7 @@
           <a:p>
             <a:fld id="{24DAFBA8-35F2-4C04-8149-4585D62DFC6D}" type="datetimeFigureOut">
               <a:rPr lang="en-US" smtClean="0"/>
-              <a:t>7/15/2023</a:t>
+              <a:t>7/21/2024</a:t>
             </a:fld>
             <a:endParaRPr lang="en-US"/>
           </a:p>
@@ -444,7 +444,7 @@
             <a:fld id="{2ECEE970-886D-4DEB-A78D-5219D8C79727}" type="datetimeFigureOut">
               <a:rPr lang="en-US" smtClean="0"/>
               <a:pPr/>
-              <a:t>7/15/2023</a:t>
+              <a:t>7/21/2024</a:t>
             </a:fld>
             <a:endParaRPr lang="en-US"/>
           </a:p>
@@ -756,197 +756,8 @@
         </p:nvSpPr>
         <p:spPr/>
         <p:txBody>
-          <a:bodyPr>
-            <a:normAutofit fontScale="92500" lnSpcReduction="10000"/>
-          </a:bodyPr>
+          <a:bodyPr/>
           <a:lstStyle/>
-          <a:p>
-            <a:pPr marL="0" marR="0" lvl="0" indent="0" algn="l" defTabSz="914400" rtl="0" eaLnBrk="1" fontAlgn="auto" latinLnBrk="0" hangingPunct="1">
-              <a:lnSpc>
-                <a:spcPct val="100000"/>
-              </a:lnSpc>
-              <a:spcBef>
-                <a:spcPts val="0"/>
-              </a:spcBef>
-              <a:spcAft>
-                <a:spcPts val="0"/>
-              </a:spcAft>
-              <a:buClrTx/>
-              <a:buSzTx/>
-              <a:buFontTx/>
-              <a:buNone/>
-              <a:tabLst/>
-              <a:defRPr/>
-            </a:pPr>
-            <a:r>
-              <a:rPr lang="en-US" dirty="0"/>
-              <a:t>Slide hidden due to poor reception of exercise 0 in previous years.</a:t>
-            </a:r>
-          </a:p>
-          <a:p>
-            <a:br>
-              <a:rPr lang="en-US" dirty="0"/>
-            </a:br>
-            <a:r>
-              <a:rPr lang="en-US" dirty="0"/>
-              <a:t>~10min</a:t>
-            </a:r>
-          </a:p>
-          <a:p>
-            <a:r>
-              <a:rPr lang="en-US" dirty="0" err="1"/>
-              <a:t>Wannacry.pcap</a:t>
-            </a:r>
-            <a:endParaRPr lang="en-US" dirty="0"/>
-          </a:p>
-          <a:p>
-            <a:endParaRPr lang="en-US" dirty="0"/>
-          </a:p>
-          <a:p>
-            <a:pPr marL="171450" indent="-171450">
-              <a:buFontTx/>
-              <a:buChar char="-"/>
-            </a:pPr>
-            <a:r>
-              <a:rPr lang="en-US" dirty="0"/>
-              <a:t>Look for DOUBLE PULSAR covert channel in SMB traffic</a:t>
-            </a:r>
-          </a:p>
-          <a:p>
-            <a:pPr marL="171450" indent="-171450">
-              <a:buFontTx/>
-              <a:buChar char="-"/>
-            </a:pPr>
-            <a:r>
-              <a:rPr lang="en-US" dirty="0"/>
-              <a:t>“smb.mid == 81”</a:t>
-            </a:r>
-          </a:p>
-          <a:p>
-            <a:pPr marL="171450" indent="-171450">
-              <a:buFontTx/>
-              <a:buChar char="-"/>
-            </a:pPr>
-            <a:endParaRPr lang="en-US" dirty="0"/>
-          </a:p>
-          <a:p>
-            <a:pPr marL="0" indent="0">
-              <a:buFontTx/>
-              <a:buNone/>
-            </a:pPr>
-            <a:r>
-              <a:rPr lang="en-US" dirty="0"/>
-              <a:t>https://www.forcepoint.com/blog/x-labs/evasions-used-shadow-brokers-tools-danderspritz-and-doublepulsar-part-2-2</a:t>
-            </a:r>
-          </a:p>
-          <a:p>
-            <a:pPr marL="0" indent="0">
-              <a:buFontTx/>
-              <a:buNone/>
-            </a:pPr>
-            <a:endParaRPr lang="en-US" dirty="0"/>
-          </a:p>
-          <a:p>
-            <a:pPr marL="0" indent="0">
-              <a:buFontTx/>
-              <a:buNone/>
-            </a:pPr>
-            <a:r>
-              <a:rPr lang="en-US" dirty="0"/>
-              <a:t>https://zerosum0x0.blogspot.com/2017/04/doublepulsar-initial-smb-backdoor-ring.html</a:t>
-            </a:r>
-          </a:p>
-          <a:p>
-            <a:pPr marL="0" indent="0">
-              <a:buFontTx/>
-              <a:buNone/>
-            </a:pPr>
-            <a:endParaRPr lang="en-US" dirty="0"/>
-          </a:p>
-          <a:p>
-            <a:pPr marL="0" indent="0">
-              <a:buFontTx/>
-              <a:buNone/>
-            </a:pPr>
-            <a:r>
-              <a:rPr lang="en-US" dirty="0">
-                <a:hlinkClick r:id="rId3"/>
-              </a:rPr>
-              <a:t>https://www.bleepingcomputer.com/news/security/wana-decrypt0r-ransomware-using-nsa-exploit-leaked-by-shadow-brokers-is-on-a-rampage/</a:t>
-            </a:r>
-            <a:endParaRPr lang="en-US" dirty="0"/>
-          </a:p>
-          <a:p>
-            <a:pPr marL="0" indent="0">
-              <a:buFontTx/>
-              <a:buNone/>
-            </a:pPr>
-            <a:r>
-              <a:rPr lang="en-US" dirty="0">
-                <a:hlinkClick r:id="rId4"/>
-              </a:rPr>
-              <a:t>https://arstechnica.com/information-technology/2019/05/stolen-nsa-hacking-tools-were-used-in-the-wild-14-months-before-shadow-brokers-leak/</a:t>
-            </a:r>
-            <a:endParaRPr lang="en-US" dirty="0"/>
-          </a:p>
-          <a:p>
-            <a:pPr marL="0" indent="0">
-              <a:buFontTx/>
-              <a:buNone/>
-            </a:pPr>
-            <a:r>
-              <a:rPr lang="en-US" dirty="0">
-                <a:hlinkClick r:id="rId5"/>
-              </a:rPr>
-              <a:t>https://blog.talosintelligence.com/2017/05/wannacry.html</a:t>
-            </a:r>
-            <a:endParaRPr lang="en-US" dirty="0"/>
-          </a:p>
-          <a:p>
-            <a:endParaRPr lang="en-US" dirty="0"/>
-          </a:p>
-          <a:p>
-            <a:r>
-              <a:rPr lang="en-US" dirty="0"/>
-              <a:t>WannaCry</a:t>
-            </a:r>
-          </a:p>
-          <a:p>
-            <a:r>
-              <a:rPr lang="en-US" dirty="0" err="1"/>
-              <a:t>Ransomeware</a:t>
-            </a:r>
-            <a:r>
-              <a:rPr lang="en-US" dirty="0"/>
-              <a:t> </a:t>
-            </a:r>
-            <a:r>
-              <a:rPr lang="en-US" dirty="0" err="1"/>
-              <a:t>cryptoworm</a:t>
-            </a:r>
-            <a:r>
-              <a:rPr lang="en-US" dirty="0"/>
-              <a:t> – May 2017 – 200,000+ computers, 150 countries, damages of $100,000,000 - $1,000,000,000 – Believed to be from </a:t>
-            </a:r>
-            <a:r>
-              <a:rPr lang="en-US" dirty="0" err="1"/>
-              <a:t>N.Korea</a:t>
-            </a:r>
-            <a:endParaRPr lang="en-US" dirty="0"/>
-          </a:p>
-          <a:p>
-            <a:r>
-              <a:rPr lang="en-US" dirty="0" err="1"/>
-              <a:t>DoublePulsar</a:t>
-            </a:r>
-            <a:r>
-              <a:rPr lang="en-US" dirty="0"/>
-              <a:t> – backdoor tool - </a:t>
-            </a:r>
-          </a:p>
-          <a:p>
-            <a:endParaRPr lang="en-US" dirty="0"/>
-          </a:p>
           <a:p>
             <a:endParaRPr lang="en-US" dirty="0"/>
           </a:p>
@@ -955,7 +766,7 @@
     </p:spTree>
     <p:extLst>
       <p:ext uri="{BB962C8B-B14F-4D97-AF65-F5344CB8AC3E}">
-        <p14:creationId xmlns:p14="http://schemas.microsoft.com/office/powerpoint/2010/main" val="3871924604"/>
+        <p14:creationId xmlns:p14="http://schemas.microsoft.com/office/powerpoint/2010/main" val="50497958"/>
       </p:ext>
     </p:extLst>
   </p:cSld>
@@ -1006,7 +817,9 @@
         </p:nvSpPr>
         <p:spPr/>
         <p:txBody>
-          <a:bodyPr/>
+          <a:bodyPr>
+            <a:normAutofit fontScale="92500" lnSpcReduction="10000"/>
+          </a:bodyPr>
           <a:lstStyle/>
           <a:p>
             <a:pPr marL="0" marR="0" lvl="0" indent="0" algn="l" defTabSz="914400" rtl="0" eaLnBrk="1" fontAlgn="auto" latinLnBrk="0" hangingPunct="1">
@@ -1028,8 +841,172 @@
             </a:pPr>
             <a:r>
               <a:rPr lang="en-US" dirty="0"/>
-              <a:t>https://ih-patterns.blogspot.com/p/test.html</a:t>
-            </a:r>
+              <a:t>Slide hidden due to poor reception of exercise 0 in previous years.</a:t>
+            </a:r>
+          </a:p>
+          <a:p>
+            <a:br>
+              <a:rPr lang="en-US" dirty="0"/>
+            </a:br>
+            <a:r>
+              <a:rPr lang="en-US" dirty="0"/>
+              <a:t>~10min</a:t>
+            </a:r>
+          </a:p>
+          <a:p>
+            <a:r>
+              <a:rPr lang="en-US" dirty="0" err="1"/>
+              <a:t>Wannacry.pcap</a:t>
+            </a:r>
+            <a:endParaRPr lang="en-US" dirty="0"/>
+          </a:p>
+          <a:p>
+            <a:endParaRPr lang="en-US" dirty="0"/>
+          </a:p>
+          <a:p>
+            <a:pPr marL="171450" indent="-171450">
+              <a:buFontTx/>
+              <a:buChar char="-"/>
+            </a:pPr>
+            <a:r>
+              <a:rPr lang="en-US" dirty="0"/>
+              <a:t>Look for DOUBLE PULSAR covert channel in SMB traffic</a:t>
+            </a:r>
+          </a:p>
+          <a:p>
+            <a:pPr marL="171450" indent="-171450">
+              <a:buFontTx/>
+              <a:buChar char="-"/>
+            </a:pPr>
+            <a:r>
+              <a:rPr lang="en-US" dirty="0"/>
+              <a:t>“smb.mid == 81”</a:t>
+            </a:r>
+          </a:p>
+          <a:p>
+            <a:pPr marL="171450" indent="-171450">
+              <a:buFontTx/>
+              <a:buChar char="-"/>
+            </a:pPr>
+            <a:endParaRPr lang="en-US" dirty="0"/>
+          </a:p>
+          <a:p>
+            <a:pPr marL="0" indent="0">
+              <a:buFontTx/>
+              <a:buNone/>
+            </a:pPr>
+            <a:r>
+              <a:rPr lang="en-US" dirty="0"/>
+              <a:t>https://www.forcepoint.com/blog/x-labs/evasions-used-shadow-brokers-tools-danderspritz-and-doublepulsar-part-2-2</a:t>
+            </a:r>
+          </a:p>
+          <a:p>
+            <a:pPr marL="0" indent="0">
+              <a:buFontTx/>
+              <a:buNone/>
+            </a:pPr>
+            <a:endParaRPr lang="en-US" dirty="0"/>
+          </a:p>
+          <a:p>
+            <a:pPr marL="0" indent="0">
+              <a:buFontTx/>
+              <a:buNone/>
+            </a:pPr>
+            <a:r>
+              <a:rPr lang="en-US" dirty="0"/>
+              <a:t>https://zerosum0x0.blogspot.com/2017/04/doublepulsar-initial-smb-backdoor-ring.html</a:t>
+            </a:r>
+          </a:p>
+          <a:p>
+            <a:pPr marL="0" indent="0">
+              <a:buFontTx/>
+              <a:buNone/>
+            </a:pPr>
+            <a:endParaRPr lang="en-US" dirty="0"/>
+          </a:p>
+          <a:p>
+            <a:pPr marL="0" indent="0">
+              <a:buFontTx/>
+              <a:buNone/>
+            </a:pPr>
+            <a:r>
+              <a:rPr lang="en-US" dirty="0">
+                <a:hlinkClick r:id="rId3"/>
+              </a:rPr>
+              <a:t>https://www.bleepingcomputer.com/news/security/wana-decrypt0r-ransomware-using-nsa-exploit-leaked-by-shadow-brokers-is-on-a-rampage/</a:t>
+            </a:r>
+            <a:endParaRPr lang="en-US" dirty="0"/>
+          </a:p>
+          <a:p>
+            <a:pPr marL="0" indent="0">
+              <a:buFontTx/>
+              <a:buNone/>
+            </a:pPr>
+            <a:r>
+              <a:rPr lang="en-US" dirty="0">
+                <a:hlinkClick r:id="rId4"/>
+              </a:rPr>
+              <a:t>https://arstechnica.com/information-technology/2019/05/stolen-nsa-hacking-tools-were-used-in-the-wild-14-months-before-shadow-brokers-leak/</a:t>
+            </a:r>
+            <a:endParaRPr lang="en-US" dirty="0"/>
+          </a:p>
+          <a:p>
+            <a:pPr marL="0" indent="0">
+              <a:buFontTx/>
+              <a:buNone/>
+            </a:pPr>
+            <a:r>
+              <a:rPr lang="en-US" dirty="0">
+                <a:hlinkClick r:id="rId5"/>
+              </a:rPr>
+              <a:t>https://blog.talosintelligence.com/2017/05/wannacry.html</a:t>
+            </a:r>
+            <a:endParaRPr lang="en-US" dirty="0"/>
+          </a:p>
+          <a:p>
+            <a:endParaRPr lang="en-US" dirty="0"/>
+          </a:p>
+          <a:p>
+            <a:r>
+              <a:rPr lang="en-US" dirty="0"/>
+              <a:t>WannaCry</a:t>
+            </a:r>
+          </a:p>
+          <a:p>
+            <a:r>
+              <a:rPr lang="en-US" dirty="0" err="1"/>
+              <a:t>Ransomeware</a:t>
+            </a:r>
+            <a:r>
+              <a:rPr lang="en-US" dirty="0"/>
+              <a:t> </a:t>
+            </a:r>
+            <a:r>
+              <a:rPr lang="en-US" dirty="0" err="1"/>
+              <a:t>cryptoworm</a:t>
+            </a:r>
+            <a:r>
+              <a:rPr lang="en-US" dirty="0"/>
+              <a:t> – May 2017 – 200,000+ computers, 150 countries, damages of $100,000,000 - $1,000,000,000 – Believed to be from </a:t>
+            </a:r>
+            <a:r>
+              <a:rPr lang="en-US" dirty="0" err="1"/>
+              <a:t>N.Korea</a:t>
+            </a:r>
+            <a:endParaRPr lang="en-US" dirty="0"/>
+          </a:p>
+          <a:p>
+            <a:r>
+              <a:rPr lang="en-US" dirty="0" err="1"/>
+              <a:t>DoublePulsar</a:t>
+            </a:r>
+            <a:r>
+              <a:rPr lang="en-US" dirty="0"/>
+              <a:t> – backdoor tool - </a:t>
+            </a:r>
+          </a:p>
+          <a:p>
+            <a:endParaRPr lang="en-US" dirty="0"/>
           </a:p>
           <a:p>
             <a:endParaRPr lang="en-US" dirty="0"/>
@@ -1039,7 +1016,7 @@
     </p:spTree>
     <p:extLst>
       <p:ext uri="{BB962C8B-B14F-4D97-AF65-F5344CB8AC3E}">
-        <p14:creationId xmlns:p14="http://schemas.microsoft.com/office/powerpoint/2010/main" val="535462101"/>
+        <p14:creationId xmlns:p14="http://schemas.microsoft.com/office/powerpoint/2010/main" val="3871924604"/>
       </p:ext>
     </p:extLst>
   </p:cSld>
@@ -1090,9 +1067,7 @@
         </p:nvSpPr>
         <p:spPr/>
         <p:txBody>
-          <a:bodyPr>
-            <a:normAutofit fontScale="92500" lnSpcReduction="10000"/>
-          </a:bodyPr>
+          <a:bodyPr/>
           <a:lstStyle/>
           <a:p>
             <a:pPr marL="0" marR="0" lvl="0" indent="0" algn="l" defTabSz="914400" rtl="0" eaLnBrk="1" fontAlgn="auto" latinLnBrk="0" hangingPunct="1">
@@ -1118,694 +1093,6 @@
             </a:r>
           </a:p>
           <a:p>
-            <a:pPr algn="l"/>
-            <a:r>
-              <a:rPr lang="en-US" b="0" i="0" dirty="0">
-                <a:solidFill>
-                  <a:srgbClr val="222222"/>
-                </a:solidFill>
-                <a:effectLst/>
-                <a:latin typeface="Arial" panose="020B0604020202020204" pitchFamily="34" charset="0"/>
-              </a:rPr>
-              <a:t>[1] S. </a:t>
-            </a:r>
-            <a:r>
-              <a:rPr lang="en-US" b="0" i="0" dirty="0" err="1">
-                <a:solidFill>
-                  <a:srgbClr val="222222"/>
-                </a:solidFill>
-                <a:effectLst/>
-                <a:latin typeface="Arial" panose="020B0604020202020204" pitchFamily="34" charset="0"/>
-              </a:rPr>
-              <a:t>Wendzel</a:t>
-            </a:r>
-            <a:r>
-              <a:rPr lang="en-US" b="0" i="0" dirty="0">
-                <a:solidFill>
-                  <a:srgbClr val="222222"/>
-                </a:solidFill>
-                <a:effectLst/>
-                <a:latin typeface="Arial" panose="020B0604020202020204" pitchFamily="34" charset="0"/>
-              </a:rPr>
-              <a:t>, S. Zander, B. Fechner, C. </a:t>
-            </a:r>
-            <a:r>
-              <a:rPr lang="en-US" b="0" i="0" dirty="0" err="1">
-                <a:solidFill>
-                  <a:srgbClr val="222222"/>
-                </a:solidFill>
-                <a:effectLst/>
-                <a:latin typeface="Arial" panose="020B0604020202020204" pitchFamily="34" charset="0"/>
-              </a:rPr>
-              <a:t>Herdin</a:t>
-            </a:r>
-            <a:r>
-              <a:rPr lang="en-US" b="0" i="0" dirty="0">
-                <a:solidFill>
-                  <a:srgbClr val="222222"/>
-                </a:solidFill>
-                <a:effectLst/>
-                <a:latin typeface="Arial" panose="020B0604020202020204" pitchFamily="34" charset="0"/>
-              </a:rPr>
-              <a:t>: </a:t>
-            </a:r>
-            <a:r>
-              <a:rPr lang="en-US" b="0" i="1" u="none" strike="noStrike" dirty="0">
-                <a:solidFill>
-                  <a:srgbClr val="1177CC"/>
-                </a:solidFill>
-                <a:effectLst/>
-                <a:latin typeface="Arial" panose="020B0604020202020204" pitchFamily="34" charset="0"/>
-                <a:hlinkClick r:id="rId3"/>
-              </a:rPr>
-              <a:t>Pattern-based Survey and Categorization of Network Covert Channel Techniques</a:t>
-            </a:r>
-            <a:r>
-              <a:rPr lang="en-US" b="0" i="0" dirty="0">
-                <a:solidFill>
-                  <a:srgbClr val="222222"/>
-                </a:solidFill>
-                <a:effectLst/>
-                <a:latin typeface="Arial" panose="020B0604020202020204" pitchFamily="34" charset="0"/>
-              </a:rPr>
-              <a:t>, ACM Computing Surveys, Vol. 47, Issue 3, pp. 50:1-26, ACM, 2015.</a:t>
-            </a:r>
-            <a:br>
-              <a:rPr lang="en-US" b="0" i="0" dirty="0">
-                <a:solidFill>
-                  <a:srgbClr val="222222"/>
-                </a:solidFill>
-                <a:effectLst/>
-                <a:latin typeface="Arial" panose="020B0604020202020204" pitchFamily="34" charset="0"/>
-              </a:rPr>
-            </a:br>
-            <a:r>
-              <a:rPr lang="en-US" b="0" i="0" dirty="0">
-                <a:solidFill>
-                  <a:srgbClr val="222222"/>
-                </a:solidFill>
-                <a:effectLst/>
-                <a:latin typeface="Arial" panose="020B0604020202020204" pitchFamily="34" charset="0"/>
-              </a:rPr>
-              <a:t>An early version of the article is available here: </a:t>
-            </a:r>
-            <a:r>
-              <a:rPr lang="en-US" b="0" i="0" u="none" strike="noStrike" dirty="0">
-                <a:solidFill>
-                  <a:srgbClr val="1177CC"/>
-                </a:solidFill>
-                <a:effectLst/>
-                <a:latin typeface="Arial" panose="020B0604020202020204" pitchFamily="34" charset="0"/>
-                <a:hlinkClick r:id="rId4"/>
-              </a:rPr>
-              <a:t>download</a:t>
-            </a:r>
-            <a:r>
-              <a:rPr lang="en-US" b="0" i="0" dirty="0">
-                <a:solidFill>
-                  <a:srgbClr val="222222"/>
-                </a:solidFill>
-                <a:effectLst/>
-                <a:latin typeface="Arial" panose="020B0604020202020204" pitchFamily="34" charset="0"/>
-              </a:rPr>
-              <a:t>.</a:t>
-            </a:r>
-            <a:br>
-              <a:rPr lang="en-US" b="0" i="0" dirty="0">
-                <a:solidFill>
-                  <a:srgbClr val="222222"/>
-                </a:solidFill>
-                <a:effectLst/>
-                <a:latin typeface="Arial" panose="020B0604020202020204" pitchFamily="34" charset="0"/>
-              </a:rPr>
-            </a:br>
-            <a:br>
-              <a:rPr lang="en-US" b="0" i="0" dirty="0">
-                <a:solidFill>
-                  <a:srgbClr val="222222"/>
-                </a:solidFill>
-                <a:effectLst/>
-                <a:latin typeface="Arial" panose="020B0604020202020204" pitchFamily="34" charset="0"/>
-              </a:rPr>
-            </a:br>
-            <a:r>
-              <a:rPr lang="en-US" b="0" i="0" dirty="0">
-                <a:solidFill>
-                  <a:srgbClr val="222222"/>
-                </a:solidFill>
-                <a:effectLst/>
-                <a:latin typeface="Arial" panose="020B0604020202020204" pitchFamily="34" charset="0"/>
-              </a:rPr>
-              <a:t>[2] W. </a:t>
-            </a:r>
-            <a:r>
-              <a:rPr lang="en-US" b="0" i="0" dirty="0" err="1">
-                <a:solidFill>
-                  <a:srgbClr val="222222"/>
-                </a:solidFill>
-                <a:effectLst/>
-                <a:latin typeface="Arial" panose="020B0604020202020204" pitchFamily="34" charset="0"/>
-              </a:rPr>
-              <a:t>Mazurczyk</a:t>
-            </a:r>
-            <a:r>
-              <a:rPr lang="en-US" b="0" i="0" dirty="0">
-                <a:solidFill>
-                  <a:srgbClr val="222222"/>
-                </a:solidFill>
-                <a:effectLst/>
-                <a:latin typeface="Arial" panose="020B0604020202020204" pitchFamily="34" charset="0"/>
-              </a:rPr>
-              <a:t>, S. </a:t>
-            </a:r>
-            <a:r>
-              <a:rPr lang="en-US" b="0" i="0" dirty="0" err="1">
-                <a:solidFill>
-                  <a:srgbClr val="222222"/>
-                </a:solidFill>
-                <a:effectLst/>
-                <a:latin typeface="Arial" panose="020B0604020202020204" pitchFamily="34" charset="0"/>
-              </a:rPr>
-              <a:t>Wendzel</a:t>
-            </a:r>
-            <a:r>
-              <a:rPr lang="en-US" b="0" i="0" dirty="0">
-                <a:solidFill>
-                  <a:srgbClr val="222222"/>
-                </a:solidFill>
-                <a:effectLst/>
-                <a:latin typeface="Arial" panose="020B0604020202020204" pitchFamily="34" charset="0"/>
-              </a:rPr>
-              <a:t>, S. Zander, A. </a:t>
-            </a:r>
-            <a:r>
-              <a:rPr lang="en-US" b="0" i="0" dirty="0" err="1">
-                <a:solidFill>
-                  <a:srgbClr val="222222"/>
-                </a:solidFill>
-                <a:effectLst/>
-                <a:latin typeface="Arial" panose="020B0604020202020204" pitchFamily="34" charset="0"/>
-              </a:rPr>
-              <a:t>Houmansadr</a:t>
-            </a:r>
-            <a:r>
-              <a:rPr lang="en-US" b="0" i="0" dirty="0">
-                <a:solidFill>
-                  <a:srgbClr val="222222"/>
-                </a:solidFill>
-                <a:effectLst/>
-                <a:latin typeface="Arial" panose="020B0604020202020204" pitchFamily="34" charset="0"/>
-              </a:rPr>
-              <a:t>, K. </a:t>
-            </a:r>
-            <a:r>
-              <a:rPr lang="en-US" b="0" i="0" dirty="0" err="1">
-                <a:solidFill>
-                  <a:srgbClr val="222222"/>
-                </a:solidFill>
-                <a:effectLst/>
-                <a:latin typeface="Arial" panose="020B0604020202020204" pitchFamily="34" charset="0"/>
-              </a:rPr>
-              <a:t>Szczypiorski</a:t>
-            </a:r>
-            <a:r>
-              <a:rPr lang="en-US" b="0" i="0" dirty="0">
-                <a:solidFill>
-                  <a:srgbClr val="222222"/>
-                </a:solidFill>
-                <a:effectLst/>
-                <a:latin typeface="Arial" panose="020B0604020202020204" pitchFamily="34" charset="0"/>
-              </a:rPr>
-              <a:t>: </a:t>
-            </a:r>
-            <a:r>
-              <a:rPr lang="en-US" b="0" i="1" u="none" strike="noStrike" dirty="0">
-                <a:solidFill>
-                  <a:srgbClr val="1177CC"/>
-                </a:solidFill>
-                <a:effectLst/>
-                <a:latin typeface="Arial" panose="020B0604020202020204" pitchFamily="34" charset="0"/>
-                <a:hlinkClick r:id="rId5"/>
-              </a:rPr>
-              <a:t>Information Hiding in Communication Networks</a:t>
-            </a:r>
-            <a:r>
-              <a:rPr lang="en-US" b="0" i="0" dirty="0">
-                <a:solidFill>
-                  <a:srgbClr val="222222"/>
-                </a:solidFill>
-                <a:effectLst/>
-                <a:latin typeface="Arial" panose="020B0604020202020204" pitchFamily="34" charset="0"/>
-              </a:rPr>
-              <a:t>, Wiley, 2016. Chapters 3 and 8 contain discussions on hiding patterns, basically on the basis of [1] but with an extension of timing-based patterns.</a:t>
-            </a:r>
-            <a:br>
-              <a:rPr lang="en-US" b="0" i="0" dirty="0">
-                <a:solidFill>
-                  <a:srgbClr val="222222"/>
-                </a:solidFill>
-                <a:effectLst/>
-                <a:latin typeface="Arial" panose="020B0604020202020204" pitchFamily="34" charset="0"/>
-              </a:rPr>
-            </a:br>
-            <a:br>
-              <a:rPr lang="en-US" b="0" i="0" dirty="0">
-                <a:solidFill>
-                  <a:srgbClr val="222222"/>
-                </a:solidFill>
-                <a:effectLst/>
-                <a:latin typeface="Arial" panose="020B0604020202020204" pitchFamily="34" charset="0"/>
-              </a:rPr>
-            </a:br>
-            <a:r>
-              <a:rPr lang="en-US" b="0" i="0" dirty="0">
-                <a:solidFill>
-                  <a:srgbClr val="222222"/>
-                </a:solidFill>
-                <a:effectLst/>
-                <a:latin typeface="Arial" panose="020B0604020202020204" pitchFamily="34" charset="0"/>
-              </a:rPr>
-              <a:t>[3] W. </a:t>
-            </a:r>
-            <a:r>
-              <a:rPr lang="en-US" b="0" i="0" dirty="0" err="1">
-                <a:solidFill>
-                  <a:srgbClr val="222222"/>
-                </a:solidFill>
-                <a:effectLst/>
-                <a:latin typeface="Arial" panose="020B0604020202020204" pitchFamily="34" charset="0"/>
-              </a:rPr>
-              <a:t>Mazurczyk</a:t>
-            </a:r>
-            <a:r>
-              <a:rPr lang="en-US" b="0" i="0" dirty="0">
-                <a:solidFill>
-                  <a:srgbClr val="222222"/>
-                </a:solidFill>
-                <a:effectLst/>
-                <a:latin typeface="Arial" panose="020B0604020202020204" pitchFamily="34" charset="0"/>
-              </a:rPr>
-              <a:t>, S. </a:t>
-            </a:r>
-            <a:r>
-              <a:rPr lang="en-US" b="0" i="0" dirty="0" err="1">
-                <a:solidFill>
-                  <a:srgbClr val="222222"/>
-                </a:solidFill>
-                <a:effectLst/>
-                <a:latin typeface="Arial" panose="020B0604020202020204" pitchFamily="34" charset="0"/>
-              </a:rPr>
-              <a:t>Wendzel</a:t>
-            </a:r>
-            <a:r>
-              <a:rPr lang="en-US" b="0" i="0" dirty="0">
-                <a:solidFill>
-                  <a:srgbClr val="222222"/>
-                </a:solidFill>
-                <a:effectLst/>
-                <a:latin typeface="Arial" panose="020B0604020202020204" pitchFamily="34" charset="0"/>
-              </a:rPr>
-              <a:t>, K. </a:t>
-            </a:r>
-            <a:r>
-              <a:rPr lang="en-US" b="0" i="0" dirty="0" err="1">
-                <a:solidFill>
-                  <a:srgbClr val="222222"/>
-                </a:solidFill>
-                <a:effectLst/>
-                <a:latin typeface="Arial" panose="020B0604020202020204" pitchFamily="34" charset="0"/>
-              </a:rPr>
-              <a:t>Cabaj</a:t>
-            </a:r>
-            <a:r>
-              <a:rPr lang="en-US" b="0" i="0" dirty="0">
-                <a:solidFill>
-                  <a:srgbClr val="222222"/>
-                </a:solidFill>
-                <a:effectLst/>
-                <a:latin typeface="Arial" panose="020B0604020202020204" pitchFamily="34" charset="0"/>
-              </a:rPr>
-              <a:t>: </a:t>
-            </a:r>
-            <a:r>
-              <a:rPr lang="en-US" b="0" i="1" u="none" strike="noStrike" dirty="0">
-                <a:solidFill>
-                  <a:srgbClr val="1177CC"/>
-                </a:solidFill>
-                <a:effectLst/>
-                <a:latin typeface="Arial" panose="020B0604020202020204" pitchFamily="34" charset="0"/>
-                <a:hlinkClick r:id="rId6"/>
-              </a:rPr>
-              <a:t>Towards Deriving Insights into Data Hiding Methods Using Pattern-based Approach</a:t>
-            </a:r>
-            <a:r>
-              <a:rPr lang="en-US" b="0" i="0" dirty="0">
-                <a:solidFill>
-                  <a:srgbClr val="222222"/>
-                </a:solidFill>
-                <a:effectLst/>
-                <a:latin typeface="Arial" panose="020B0604020202020204" pitchFamily="34" charset="0"/>
-              </a:rPr>
-              <a:t>, in Proc. Second International Workshop on Criminal Use of Information Hiding (CUING 2018) at ARES, pp. 10:1-10:10, ACM, 2018.</a:t>
-            </a:r>
-          </a:p>
-          <a:p>
-            <a:pPr algn="l"/>
-            <a:r>
-              <a:rPr lang="en-US" b="0" i="0" dirty="0">
-                <a:solidFill>
-                  <a:srgbClr val="222222"/>
-                </a:solidFill>
-                <a:effectLst/>
-                <a:latin typeface="Arial" panose="020B0604020202020204" pitchFamily="34" charset="0"/>
-              </a:rPr>
-              <a:t>[4] A. </a:t>
-            </a:r>
-            <a:r>
-              <a:rPr lang="en-US" b="0" i="0" dirty="0" err="1">
-                <a:solidFill>
-                  <a:srgbClr val="222222"/>
-                </a:solidFill>
-                <a:effectLst/>
-                <a:latin typeface="Arial" panose="020B0604020202020204" pitchFamily="34" charset="0"/>
-              </a:rPr>
-              <a:t>Velinov</a:t>
-            </a:r>
-            <a:r>
-              <a:rPr lang="en-US" b="0" i="0" dirty="0">
-                <a:solidFill>
-                  <a:srgbClr val="222222"/>
-                </a:solidFill>
-                <a:effectLst/>
-                <a:latin typeface="Arial" panose="020B0604020202020204" pitchFamily="34" charset="0"/>
-              </a:rPr>
-              <a:t>, A. </a:t>
-            </a:r>
-            <a:r>
-              <a:rPr lang="en-US" b="0" i="0" dirty="0" err="1">
-                <a:solidFill>
-                  <a:srgbClr val="222222"/>
-                </a:solidFill>
-                <a:effectLst/>
-                <a:latin typeface="Arial" panose="020B0604020202020204" pitchFamily="34" charset="0"/>
-              </a:rPr>
-              <a:t>Mileva</a:t>
-            </a:r>
-            <a:r>
-              <a:rPr lang="en-US" b="0" i="0" dirty="0">
-                <a:solidFill>
-                  <a:srgbClr val="222222"/>
-                </a:solidFill>
-                <a:effectLst/>
-                <a:latin typeface="Arial" panose="020B0604020202020204" pitchFamily="34" charset="0"/>
-              </a:rPr>
-              <a:t>, S. </a:t>
-            </a:r>
-            <a:r>
-              <a:rPr lang="en-US" b="0" i="0" dirty="0" err="1">
-                <a:solidFill>
-                  <a:srgbClr val="222222"/>
-                </a:solidFill>
-                <a:effectLst/>
-                <a:latin typeface="Arial" panose="020B0604020202020204" pitchFamily="34" charset="0"/>
-              </a:rPr>
-              <a:t>Wendzel</a:t>
-            </a:r>
-            <a:r>
-              <a:rPr lang="en-US" b="0" i="0" dirty="0">
-                <a:solidFill>
-                  <a:srgbClr val="222222"/>
-                </a:solidFill>
-                <a:effectLst/>
-                <a:latin typeface="Arial" panose="020B0604020202020204" pitchFamily="34" charset="0"/>
-              </a:rPr>
-              <a:t>, W. </a:t>
-            </a:r>
-            <a:r>
-              <a:rPr lang="en-US" b="0" i="0" dirty="0" err="1">
-                <a:solidFill>
-                  <a:srgbClr val="222222"/>
-                </a:solidFill>
-                <a:effectLst/>
-                <a:latin typeface="Arial" panose="020B0604020202020204" pitchFamily="34" charset="0"/>
-              </a:rPr>
-              <a:t>Mazurczyk</a:t>
-            </a:r>
-            <a:r>
-              <a:rPr lang="en-US" b="0" i="0" dirty="0">
-                <a:solidFill>
-                  <a:srgbClr val="222222"/>
-                </a:solidFill>
-                <a:effectLst/>
-                <a:latin typeface="Arial" panose="020B0604020202020204" pitchFamily="34" charset="0"/>
-              </a:rPr>
-              <a:t>: </a:t>
-            </a:r>
-            <a:r>
-              <a:rPr lang="en-US" b="0" i="0" u="none" strike="noStrike" dirty="0">
-                <a:solidFill>
-                  <a:srgbClr val="1177CC"/>
-                </a:solidFill>
-                <a:effectLst/>
-                <a:latin typeface="Arial" panose="020B0604020202020204" pitchFamily="34" charset="0"/>
-                <a:hlinkClick r:id="rId7"/>
-              </a:rPr>
-              <a:t>Covert Channels in MQTT-based Internet of Things</a:t>
-            </a:r>
-            <a:r>
-              <a:rPr lang="en-US" b="0" i="0" dirty="0">
-                <a:solidFill>
-                  <a:srgbClr val="222222"/>
-                </a:solidFill>
-                <a:effectLst/>
-                <a:latin typeface="Arial" panose="020B0604020202020204" pitchFamily="34" charset="0"/>
-              </a:rPr>
-              <a:t>, </a:t>
-            </a:r>
-            <a:r>
-              <a:rPr lang="en-US" b="0" i="1" dirty="0">
-                <a:solidFill>
-                  <a:srgbClr val="222222"/>
-                </a:solidFill>
-                <a:effectLst/>
-                <a:latin typeface="Arial" panose="020B0604020202020204" pitchFamily="34" charset="0"/>
-              </a:rPr>
-              <a:t>IEEE ACCESS</a:t>
-            </a:r>
-            <a:r>
-              <a:rPr lang="en-US" b="0" i="0" dirty="0">
-                <a:solidFill>
-                  <a:srgbClr val="222222"/>
-                </a:solidFill>
-                <a:effectLst/>
-                <a:latin typeface="Arial" panose="020B0604020202020204" pitchFamily="34" charset="0"/>
-              </a:rPr>
-              <a:t>, Vol. 7, pp. 161899-161915, 2019. </a:t>
-            </a:r>
-            <a:br>
-              <a:rPr lang="en-US" b="0" i="0" dirty="0">
-                <a:solidFill>
-                  <a:srgbClr val="222222"/>
-                </a:solidFill>
-                <a:effectLst/>
-                <a:latin typeface="Arial" panose="020B0604020202020204" pitchFamily="34" charset="0"/>
-              </a:rPr>
-            </a:br>
-            <a:endParaRPr lang="en-US" b="0" i="0" dirty="0">
-              <a:solidFill>
-                <a:srgbClr val="222222"/>
-              </a:solidFill>
-              <a:effectLst/>
-              <a:latin typeface="Arial" panose="020B0604020202020204" pitchFamily="34" charset="0"/>
-            </a:endParaRPr>
-          </a:p>
-          <a:p>
-            <a:pPr algn="l"/>
-            <a:r>
-              <a:rPr lang="en-US" b="0" i="0" dirty="0">
-                <a:solidFill>
-                  <a:srgbClr val="222222"/>
-                </a:solidFill>
-                <a:effectLst/>
-                <a:latin typeface="Arial" panose="020B0604020202020204" pitchFamily="34" charset="0"/>
-              </a:rPr>
-              <a:t>[5] A. </a:t>
-            </a:r>
-            <a:r>
-              <a:rPr lang="en-US" b="0" i="0" dirty="0" err="1">
-                <a:solidFill>
-                  <a:srgbClr val="222222"/>
-                </a:solidFill>
-                <a:effectLst/>
-                <a:latin typeface="Arial" panose="020B0604020202020204" pitchFamily="34" charset="0"/>
-              </a:rPr>
-              <a:t>Mileva</a:t>
-            </a:r>
-            <a:r>
-              <a:rPr lang="en-US" b="0" i="0" dirty="0">
-                <a:solidFill>
-                  <a:srgbClr val="222222"/>
-                </a:solidFill>
-                <a:effectLst/>
-                <a:latin typeface="Arial" panose="020B0604020202020204" pitchFamily="34" charset="0"/>
-              </a:rPr>
-              <a:t>, A. </a:t>
-            </a:r>
-            <a:r>
-              <a:rPr lang="en-US" b="0" i="0" dirty="0" err="1">
-                <a:solidFill>
-                  <a:srgbClr val="222222"/>
-                </a:solidFill>
-                <a:effectLst/>
-                <a:latin typeface="Arial" panose="020B0604020202020204" pitchFamily="34" charset="0"/>
-              </a:rPr>
-              <a:t>Velinov</a:t>
-            </a:r>
-            <a:r>
-              <a:rPr lang="en-US" b="0" i="0" dirty="0">
-                <a:solidFill>
-                  <a:srgbClr val="222222"/>
-                </a:solidFill>
-                <a:effectLst/>
-                <a:latin typeface="Arial" panose="020B0604020202020204" pitchFamily="34" charset="0"/>
-              </a:rPr>
-              <a:t>, L. Hartmann, S. </a:t>
-            </a:r>
-            <a:r>
-              <a:rPr lang="en-US" b="0" i="0" dirty="0" err="1">
-                <a:solidFill>
-                  <a:srgbClr val="222222"/>
-                </a:solidFill>
-                <a:effectLst/>
-                <a:latin typeface="Arial" panose="020B0604020202020204" pitchFamily="34" charset="0"/>
-              </a:rPr>
-              <a:t>Wendzel</a:t>
-            </a:r>
-            <a:r>
-              <a:rPr lang="en-US" b="0" i="0" dirty="0">
-                <a:solidFill>
-                  <a:srgbClr val="222222"/>
-                </a:solidFill>
-                <a:effectLst/>
-                <a:latin typeface="Arial" panose="020B0604020202020204" pitchFamily="34" charset="0"/>
-              </a:rPr>
-              <a:t>, W. </a:t>
-            </a:r>
-            <a:r>
-              <a:rPr lang="en-US" b="0" i="0" dirty="0" err="1">
-                <a:solidFill>
-                  <a:srgbClr val="222222"/>
-                </a:solidFill>
-                <a:effectLst/>
-                <a:latin typeface="Arial" panose="020B0604020202020204" pitchFamily="34" charset="0"/>
-              </a:rPr>
-              <a:t>Mazurczyk</a:t>
-            </a:r>
-            <a:r>
-              <a:rPr lang="en-US" b="0" i="0" dirty="0">
-                <a:solidFill>
-                  <a:srgbClr val="222222"/>
-                </a:solidFill>
-                <a:effectLst/>
-                <a:latin typeface="Arial" panose="020B0604020202020204" pitchFamily="34" charset="0"/>
-              </a:rPr>
-              <a:t>: </a:t>
-            </a:r>
-            <a:r>
-              <a:rPr lang="en-US" b="0" i="1" dirty="0">
-                <a:solidFill>
-                  <a:srgbClr val="222222"/>
-                </a:solidFill>
-                <a:effectLst/>
-                <a:latin typeface="Arial" panose="020B0604020202020204" pitchFamily="34" charset="0"/>
-              </a:rPr>
-              <a:t>Comprehensive Analysis of MQTT 5.0 Susceptibility to Network Covert Channels</a:t>
-            </a:r>
-            <a:r>
-              <a:rPr lang="en-US" b="0" i="0" dirty="0">
-                <a:solidFill>
-                  <a:srgbClr val="222222"/>
-                </a:solidFill>
-                <a:effectLst/>
-                <a:latin typeface="Arial" panose="020B0604020202020204" pitchFamily="34" charset="0"/>
-              </a:rPr>
-              <a:t>, Computers &amp; Security, Elsevier, 2021. </a:t>
-            </a:r>
-          </a:p>
-          <a:p>
-            <a:pPr algn="l"/>
-            <a:r>
-              <a:rPr lang="en-US" b="0" i="0" dirty="0">
-                <a:solidFill>
-                  <a:srgbClr val="222222"/>
-                </a:solidFill>
-                <a:effectLst/>
-                <a:latin typeface="Arial" panose="020B0604020202020204" pitchFamily="34" charset="0"/>
-              </a:rPr>
-              <a:t>[6] L. Hartmann, S. </a:t>
-            </a:r>
-            <a:r>
-              <a:rPr lang="en-US" b="0" i="0" dirty="0" err="1">
-                <a:solidFill>
-                  <a:srgbClr val="222222"/>
-                </a:solidFill>
-                <a:effectLst/>
-                <a:latin typeface="Arial" panose="020B0604020202020204" pitchFamily="34" charset="0"/>
-              </a:rPr>
-              <a:t>Zillien</a:t>
-            </a:r>
-            <a:r>
-              <a:rPr lang="en-US" b="0" i="0" dirty="0">
-                <a:solidFill>
-                  <a:srgbClr val="222222"/>
-                </a:solidFill>
-                <a:effectLst/>
-                <a:latin typeface="Arial" panose="020B0604020202020204" pitchFamily="34" charset="0"/>
-              </a:rPr>
-              <a:t>, S. </a:t>
-            </a:r>
-            <a:r>
-              <a:rPr lang="en-US" b="0" i="0" dirty="0" err="1">
-                <a:solidFill>
-                  <a:srgbClr val="222222"/>
-                </a:solidFill>
-                <a:effectLst/>
-                <a:latin typeface="Arial" panose="020B0604020202020204" pitchFamily="34" charset="0"/>
-              </a:rPr>
-              <a:t>Wendzel</a:t>
-            </a:r>
-            <a:r>
-              <a:rPr lang="en-US" b="0" i="0" dirty="0">
-                <a:solidFill>
-                  <a:srgbClr val="222222"/>
-                </a:solidFill>
-                <a:effectLst/>
-                <a:latin typeface="Arial" panose="020B0604020202020204" pitchFamily="34" charset="0"/>
-              </a:rPr>
-              <a:t>: </a:t>
-            </a:r>
-            <a:r>
-              <a:rPr lang="en-US" b="0" i="1" dirty="0">
-                <a:solidFill>
-                  <a:srgbClr val="222222"/>
-                </a:solidFill>
-                <a:effectLst/>
-                <a:latin typeface="Arial" panose="020B0604020202020204" pitchFamily="34" charset="0"/>
-              </a:rPr>
-              <a:t>Reset- and Reconnection-based Covert Channels in CoAP</a:t>
-            </a:r>
-            <a:r>
-              <a:rPr lang="en-US" b="0" i="0" dirty="0">
-                <a:solidFill>
-                  <a:srgbClr val="222222"/>
-                </a:solidFill>
-                <a:effectLst/>
-                <a:latin typeface="Arial" panose="020B0604020202020204" pitchFamily="34" charset="0"/>
-              </a:rPr>
-              <a:t>. In: Proc. European Interdisciplinary Cybersecurity Conference (EICC), 2021.</a:t>
-            </a:r>
-          </a:p>
-          <a:p>
             <a:endParaRPr lang="en-US" dirty="0"/>
           </a:p>
         </p:txBody>
@@ -1813,7 +1100,7 @@
     </p:spTree>
     <p:extLst>
       <p:ext uri="{BB962C8B-B14F-4D97-AF65-F5344CB8AC3E}">
-        <p14:creationId xmlns:p14="http://schemas.microsoft.com/office/powerpoint/2010/main" val="3675536497"/>
+        <p14:creationId xmlns:p14="http://schemas.microsoft.com/office/powerpoint/2010/main" val="535462101"/>
       </p:ext>
     </p:extLst>
   </p:cSld>
@@ -1864,7 +1151,9 @@
         </p:nvSpPr>
         <p:spPr/>
         <p:txBody>
-          <a:bodyPr/>
+          <a:bodyPr>
+            <a:normAutofit fontScale="92500" lnSpcReduction="10000"/>
+          </a:bodyPr>
           <a:lstStyle/>
           <a:p>
             <a:pPr marL="0" marR="0" lvl="0" indent="0" algn="l" defTabSz="914400" rtl="0" eaLnBrk="1" fontAlgn="auto" latinLnBrk="0" hangingPunct="1">
@@ -1886,7 +1175,695 @@
             </a:pPr>
             <a:r>
               <a:rPr lang="en-US" dirty="0"/>
-              <a:t>https://upload.wikimedia.org/wikipedia/commons/thumb/4/47/Osi-model-jb.svg/886px-Osi-model-jb.svg.png</a:t>
+              <a:t>https://ih-patterns.blogspot.com/p/test.html</a:t>
+            </a:r>
+          </a:p>
+          <a:p>
+            <a:pPr algn="l"/>
+            <a:r>
+              <a:rPr lang="en-US" b="0" i="0" dirty="0">
+                <a:solidFill>
+                  <a:srgbClr val="222222"/>
+                </a:solidFill>
+                <a:effectLst/>
+                <a:latin typeface="Arial" panose="020B0604020202020204" pitchFamily="34" charset="0"/>
+              </a:rPr>
+              <a:t>[1] S. </a:t>
+            </a:r>
+            <a:r>
+              <a:rPr lang="en-US" b="0" i="0" dirty="0" err="1">
+                <a:solidFill>
+                  <a:srgbClr val="222222"/>
+                </a:solidFill>
+                <a:effectLst/>
+                <a:latin typeface="Arial" panose="020B0604020202020204" pitchFamily="34" charset="0"/>
+              </a:rPr>
+              <a:t>Wendzel</a:t>
+            </a:r>
+            <a:r>
+              <a:rPr lang="en-US" b="0" i="0" dirty="0">
+                <a:solidFill>
+                  <a:srgbClr val="222222"/>
+                </a:solidFill>
+                <a:effectLst/>
+                <a:latin typeface="Arial" panose="020B0604020202020204" pitchFamily="34" charset="0"/>
+              </a:rPr>
+              <a:t>, S. Zander, B. Fechner, C. </a:t>
+            </a:r>
+            <a:r>
+              <a:rPr lang="en-US" b="0" i="0" dirty="0" err="1">
+                <a:solidFill>
+                  <a:srgbClr val="222222"/>
+                </a:solidFill>
+                <a:effectLst/>
+                <a:latin typeface="Arial" panose="020B0604020202020204" pitchFamily="34" charset="0"/>
+              </a:rPr>
+              <a:t>Herdin</a:t>
+            </a:r>
+            <a:r>
+              <a:rPr lang="en-US" b="0" i="0" dirty="0">
+                <a:solidFill>
+                  <a:srgbClr val="222222"/>
+                </a:solidFill>
+                <a:effectLst/>
+                <a:latin typeface="Arial" panose="020B0604020202020204" pitchFamily="34" charset="0"/>
+              </a:rPr>
+              <a:t>: </a:t>
+            </a:r>
+            <a:r>
+              <a:rPr lang="en-US" b="0" i="1" u="none" strike="noStrike" dirty="0">
+                <a:solidFill>
+                  <a:srgbClr val="1177CC"/>
+                </a:solidFill>
+                <a:effectLst/>
+                <a:latin typeface="Arial" panose="020B0604020202020204" pitchFamily="34" charset="0"/>
+                <a:hlinkClick r:id="rId3"/>
+              </a:rPr>
+              <a:t>Pattern-based Survey and Categorization of Network Covert Channel Techniques</a:t>
+            </a:r>
+            <a:r>
+              <a:rPr lang="en-US" b="0" i="0" dirty="0">
+                <a:solidFill>
+                  <a:srgbClr val="222222"/>
+                </a:solidFill>
+                <a:effectLst/>
+                <a:latin typeface="Arial" panose="020B0604020202020204" pitchFamily="34" charset="0"/>
+              </a:rPr>
+              <a:t>, ACM Computing Surveys, Vol. 47, Issue 3, pp. 50:1-26, ACM, 2015.</a:t>
+            </a:r>
+            <a:br>
+              <a:rPr lang="en-US" b="0" i="0" dirty="0">
+                <a:solidFill>
+                  <a:srgbClr val="222222"/>
+                </a:solidFill>
+                <a:effectLst/>
+                <a:latin typeface="Arial" panose="020B0604020202020204" pitchFamily="34" charset="0"/>
+              </a:rPr>
+            </a:br>
+            <a:r>
+              <a:rPr lang="en-US" b="0" i="0" dirty="0">
+                <a:solidFill>
+                  <a:srgbClr val="222222"/>
+                </a:solidFill>
+                <a:effectLst/>
+                <a:latin typeface="Arial" panose="020B0604020202020204" pitchFamily="34" charset="0"/>
+              </a:rPr>
+              <a:t>An early version of the article is available here: </a:t>
+            </a:r>
+            <a:r>
+              <a:rPr lang="en-US" b="0" i="0" u="none" strike="noStrike" dirty="0">
+                <a:solidFill>
+                  <a:srgbClr val="1177CC"/>
+                </a:solidFill>
+                <a:effectLst/>
+                <a:latin typeface="Arial" panose="020B0604020202020204" pitchFamily="34" charset="0"/>
+                <a:hlinkClick r:id="rId4"/>
+              </a:rPr>
+              <a:t>download</a:t>
+            </a:r>
+            <a:r>
+              <a:rPr lang="en-US" b="0" i="0" dirty="0">
+                <a:solidFill>
+                  <a:srgbClr val="222222"/>
+                </a:solidFill>
+                <a:effectLst/>
+                <a:latin typeface="Arial" panose="020B0604020202020204" pitchFamily="34" charset="0"/>
+              </a:rPr>
+              <a:t>.</a:t>
+            </a:r>
+            <a:br>
+              <a:rPr lang="en-US" b="0" i="0" dirty="0">
+                <a:solidFill>
+                  <a:srgbClr val="222222"/>
+                </a:solidFill>
+                <a:effectLst/>
+                <a:latin typeface="Arial" panose="020B0604020202020204" pitchFamily="34" charset="0"/>
+              </a:rPr>
+            </a:br>
+            <a:br>
+              <a:rPr lang="en-US" b="0" i="0" dirty="0">
+                <a:solidFill>
+                  <a:srgbClr val="222222"/>
+                </a:solidFill>
+                <a:effectLst/>
+                <a:latin typeface="Arial" panose="020B0604020202020204" pitchFamily="34" charset="0"/>
+              </a:rPr>
+            </a:br>
+            <a:r>
+              <a:rPr lang="en-US" b="0" i="0" dirty="0">
+                <a:solidFill>
+                  <a:srgbClr val="222222"/>
+                </a:solidFill>
+                <a:effectLst/>
+                <a:latin typeface="Arial" panose="020B0604020202020204" pitchFamily="34" charset="0"/>
+              </a:rPr>
+              <a:t>[2] W. </a:t>
+            </a:r>
+            <a:r>
+              <a:rPr lang="en-US" b="0" i="0" dirty="0" err="1">
+                <a:solidFill>
+                  <a:srgbClr val="222222"/>
+                </a:solidFill>
+                <a:effectLst/>
+                <a:latin typeface="Arial" panose="020B0604020202020204" pitchFamily="34" charset="0"/>
+              </a:rPr>
+              <a:t>Mazurczyk</a:t>
+            </a:r>
+            <a:r>
+              <a:rPr lang="en-US" b="0" i="0" dirty="0">
+                <a:solidFill>
+                  <a:srgbClr val="222222"/>
+                </a:solidFill>
+                <a:effectLst/>
+                <a:latin typeface="Arial" panose="020B0604020202020204" pitchFamily="34" charset="0"/>
+              </a:rPr>
+              <a:t>, S. </a:t>
+            </a:r>
+            <a:r>
+              <a:rPr lang="en-US" b="0" i="0" dirty="0" err="1">
+                <a:solidFill>
+                  <a:srgbClr val="222222"/>
+                </a:solidFill>
+                <a:effectLst/>
+                <a:latin typeface="Arial" panose="020B0604020202020204" pitchFamily="34" charset="0"/>
+              </a:rPr>
+              <a:t>Wendzel</a:t>
+            </a:r>
+            <a:r>
+              <a:rPr lang="en-US" b="0" i="0" dirty="0">
+                <a:solidFill>
+                  <a:srgbClr val="222222"/>
+                </a:solidFill>
+                <a:effectLst/>
+                <a:latin typeface="Arial" panose="020B0604020202020204" pitchFamily="34" charset="0"/>
+              </a:rPr>
+              <a:t>, S. Zander, A. </a:t>
+            </a:r>
+            <a:r>
+              <a:rPr lang="en-US" b="0" i="0" dirty="0" err="1">
+                <a:solidFill>
+                  <a:srgbClr val="222222"/>
+                </a:solidFill>
+                <a:effectLst/>
+                <a:latin typeface="Arial" panose="020B0604020202020204" pitchFamily="34" charset="0"/>
+              </a:rPr>
+              <a:t>Houmansadr</a:t>
+            </a:r>
+            <a:r>
+              <a:rPr lang="en-US" b="0" i="0" dirty="0">
+                <a:solidFill>
+                  <a:srgbClr val="222222"/>
+                </a:solidFill>
+                <a:effectLst/>
+                <a:latin typeface="Arial" panose="020B0604020202020204" pitchFamily="34" charset="0"/>
+              </a:rPr>
+              <a:t>, K. </a:t>
+            </a:r>
+            <a:r>
+              <a:rPr lang="en-US" b="0" i="0" dirty="0" err="1">
+                <a:solidFill>
+                  <a:srgbClr val="222222"/>
+                </a:solidFill>
+                <a:effectLst/>
+                <a:latin typeface="Arial" panose="020B0604020202020204" pitchFamily="34" charset="0"/>
+              </a:rPr>
+              <a:t>Szczypiorski</a:t>
+            </a:r>
+            <a:r>
+              <a:rPr lang="en-US" b="0" i="0" dirty="0">
+                <a:solidFill>
+                  <a:srgbClr val="222222"/>
+                </a:solidFill>
+                <a:effectLst/>
+                <a:latin typeface="Arial" panose="020B0604020202020204" pitchFamily="34" charset="0"/>
+              </a:rPr>
+              <a:t>: </a:t>
+            </a:r>
+            <a:r>
+              <a:rPr lang="en-US" b="0" i="1" u="none" strike="noStrike" dirty="0">
+                <a:solidFill>
+                  <a:srgbClr val="1177CC"/>
+                </a:solidFill>
+                <a:effectLst/>
+                <a:latin typeface="Arial" panose="020B0604020202020204" pitchFamily="34" charset="0"/>
+                <a:hlinkClick r:id="rId5"/>
+              </a:rPr>
+              <a:t>Information Hiding in Communication Networks</a:t>
+            </a:r>
+            <a:r>
+              <a:rPr lang="en-US" b="0" i="0" dirty="0">
+                <a:solidFill>
+                  <a:srgbClr val="222222"/>
+                </a:solidFill>
+                <a:effectLst/>
+                <a:latin typeface="Arial" panose="020B0604020202020204" pitchFamily="34" charset="0"/>
+              </a:rPr>
+              <a:t>, Wiley, 2016. Chapters 3 and 8 contain discussions on hiding patterns, basically on the basis of [1] but with an extension of timing-based patterns.</a:t>
+            </a:r>
+            <a:br>
+              <a:rPr lang="en-US" b="0" i="0" dirty="0">
+                <a:solidFill>
+                  <a:srgbClr val="222222"/>
+                </a:solidFill>
+                <a:effectLst/>
+                <a:latin typeface="Arial" panose="020B0604020202020204" pitchFamily="34" charset="0"/>
+              </a:rPr>
+            </a:br>
+            <a:br>
+              <a:rPr lang="en-US" b="0" i="0" dirty="0">
+                <a:solidFill>
+                  <a:srgbClr val="222222"/>
+                </a:solidFill>
+                <a:effectLst/>
+                <a:latin typeface="Arial" panose="020B0604020202020204" pitchFamily="34" charset="0"/>
+              </a:rPr>
+            </a:br>
+            <a:r>
+              <a:rPr lang="en-US" b="0" i="0" dirty="0">
+                <a:solidFill>
+                  <a:srgbClr val="222222"/>
+                </a:solidFill>
+                <a:effectLst/>
+                <a:latin typeface="Arial" panose="020B0604020202020204" pitchFamily="34" charset="0"/>
+              </a:rPr>
+              <a:t>[3] W. </a:t>
+            </a:r>
+            <a:r>
+              <a:rPr lang="en-US" b="0" i="0" dirty="0" err="1">
+                <a:solidFill>
+                  <a:srgbClr val="222222"/>
+                </a:solidFill>
+                <a:effectLst/>
+                <a:latin typeface="Arial" panose="020B0604020202020204" pitchFamily="34" charset="0"/>
+              </a:rPr>
+              <a:t>Mazurczyk</a:t>
+            </a:r>
+            <a:r>
+              <a:rPr lang="en-US" b="0" i="0" dirty="0">
+                <a:solidFill>
+                  <a:srgbClr val="222222"/>
+                </a:solidFill>
+                <a:effectLst/>
+                <a:latin typeface="Arial" panose="020B0604020202020204" pitchFamily="34" charset="0"/>
+              </a:rPr>
+              <a:t>, S. </a:t>
+            </a:r>
+            <a:r>
+              <a:rPr lang="en-US" b="0" i="0" dirty="0" err="1">
+                <a:solidFill>
+                  <a:srgbClr val="222222"/>
+                </a:solidFill>
+                <a:effectLst/>
+                <a:latin typeface="Arial" panose="020B0604020202020204" pitchFamily="34" charset="0"/>
+              </a:rPr>
+              <a:t>Wendzel</a:t>
+            </a:r>
+            <a:r>
+              <a:rPr lang="en-US" b="0" i="0" dirty="0">
+                <a:solidFill>
+                  <a:srgbClr val="222222"/>
+                </a:solidFill>
+                <a:effectLst/>
+                <a:latin typeface="Arial" panose="020B0604020202020204" pitchFamily="34" charset="0"/>
+              </a:rPr>
+              <a:t>, K. </a:t>
+            </a:r>
+            <a:r>
+              <a:rPr lang="en-US" b="0" i="0" dirty="0" err="1">
+                <a:solidFill>
+                  <a:srgbClr val="222222"/>
+                </a:solidFill>
+                <a:effectLst/>
+                <a:latin typeface="Arial" panose="020B0604020202020204" pitchFamily="34" charset="0"/>
+              </a:rPr>
+              <a:t>Cabaj</a:t>
+            </a:r>
+            <a:r>
+              <a:rPr lang="en-US" b="0" i="0" dirty="0">
+                <a:solidFill>
+                  <a:srgbClr val="222222"/>
+                </a:solidFill>
+                <a:effectLst/>
+                <a:latin typeface="Arial" panose="020B0604020202020204" pitchFamily="34" charset="0"/>
+              </a:rPr>
+              <a:t>: </a:t>
+            </a:r>
+            <a:r>
+              <a:rPr lang="en-US" b="0" i="1" u="none" strike="noStrike" dirty="0">
+                <a:solidFill>
+                  <a:srgbClr val="1177CC"/>
+                </a:solidFill>
+                <a:effectLst/>
+                <a:latin typeface="Arial" panose="020B0604020202020204" pitchFamily="34" charset="0"/>
+                <a:hlinkClick r:id="rId6"/>
+              </a:rPr>
+              <a:t>Towards Deriving Insights into Data Hiding Methods Using Pattern-based Approach</a:t>
+            </a:r>
+            <a:r>
+              <a:rPr lang="en-US" b="0" i="0" dirty="0">
+                <a:solidFill>
+                  <a:srgbClr val="222222"/>
+                </a:solidFill>
+                <a:effectLst/>
+                <a:latin typeface="Arial" panose="020B0604020202020204" pitchFamily="34" charset="0"/>
+              </a:rPr>
+              <a:t>, in Proc. Second International Workshop on Criminal Use of Information Hiding (CUING 2018) at ARES, pp. 10:1-10:10, ACM, 2018.</a:t>
+            </a:r>
+          </a:p>
+          <a:p>
+            <a:pPr algn="l"/>
+            <a:r>
+              <a:rPr lang="en-US" b="0" i="0" dirty="0">
+                <a:solidFill>
+                  <a:srgbClr val="222222"/>
+                </a:solidFill>
+                <a:effectLst/>
+                <a:latin typeface="Arial" panose="020B0604020202020204" pitchFamily="34" charset="0"/>
+              </a:rPr>
+              <a:t>[4] A. </a:t>
+            </a:r>
+            <a:r>
+              <a:rPr lang="en-US" b="0" i="0" dirty="0" err="1">
+                <a:solidFill>
+                  <a:srgbClr val="222222"/>
+                </a:solidFill>
+                <a:effectLst/>
+                <a:latin typeface="Arial" panose="020B0604020202020204" pitchFamily="34" charset="0"/>
+              </a:rPr>
+              <a:t>Velinov</a:t>
+            </a:r>
+            <a:r>
+              <a:rPr lang="en-US" b="0" i="0" dirty="0">
+                <a:solidFill>
+                  <a:srgbClr val="222222"/>
+                </a:solidFill>
+                <a:effectLst/>
+                <a:latin typeface="Arial" panose="020B0604020202020204" pitchFamily="34" charset="0"/>
+              </a:rPr>
+              <a:t>, A. </a:t>
+            </a:r>
+            <a:r>
+              <a:rPr lang="en-US" b="0" i="0" dirty="0" err="1">
+                <a:solidFill>
+                  <a:srgbClr val="222222"/>
+                </a:solidFill>
+                <a:effectLst/>
+                <a:latin typeface="Arial" panose="020B0604020202020204" pitchFamily="34" charset="0"/>
+              </a:rPr>
+              <a:t>Mileva</a:t>
+            </a:r>
+            <a:r>
+              <a:rPr lang="en-US" b="0" i="0" dirty="0">
+                <a:solidFill>
+                  <a:srgbClr val="222222"/>
+                </a:solidFill>
+                <a:effectLst/>
+                <a:latin typeface="Arial" panose="020B0604020202020204" pitchFamily="34" charset="0"/>
+              </a:rPr>
+              <a:t>, S. </a:t>
+            </a:r>
+            <a:r>
+              <a:rPr lang="en-US" b="0" i="0" dirty="0" err="1">
+                <a:solidFill>
+                  <a:srgbClr val="222222"/>
+                </a:solidFill>
+                <a:effectLst/>
+                <a:latin typeface="Arial" panose="020B0604020202020204" pitchFamily="34" charset="0"/>
+              </a:rPr>
+              <a:t>Wendzel</a:t>
+            </a:r>
+            <a:r>
+              <a:rPr lang="en-US" b="0" i="0" dirty="0">
+                <a:solidFill>
+                  <a:srgbClr val="222222"/>
+                </a:solidFill>
+                <a:effectLst/>
+                <a:latin typeface="Arial" panose="020B0604020202020204" pitchFamily="34" charset="0"/>
+              </a:rPr>
+              <a:t>, W. </a:t>
+            </a:r>
+            <a:r>
+              <a:rPr lang="en-US" b="0" i="0" dirty="0" err="1">
+                <a:solidFill>
+                  <a:srgbClr val="222222"/>
+                </a:solidFill>
+                <a:effectLst/>
+                <a:latin typeface="Arial" panose="020B0604020202020204" pitchFamily="34" charset="0"/>
+              </a:rPr>
+              <a:t>Mazurczyk</a:t>
+            </a:r>
+            <a:r>
+              <a:rPr lang="en-US" b="0" i="0" dirty="0">
+                <a:solidFill>
+                  <a:srgbClr val="222222"/>
+                </a:solidFill>
+                <a:effectLst/>
+                <a:latin typeface="Arial" panose="020B0604020202020204" pitchFamily="34" charset="0"/>
+              </a:rPr>
+              <a:t>: </a:t>
+            </a:r>
+            <a:r>
+              <a:rPr lang="en-US" b="0" i="0" u="none" strike="noStrike" dirty="0">
+                <a:solidFill>
+                  <a:srgbClr val="1177CC"/>
+                </a:solidFill>
+                <a:effectLst/>
+                <a:latin typeface="Arial" panose="020B0604020202020204" pitchFamily="34" charset="0"/>
+                <a:hlinkClick r:id="rId7"/>
+              </a:rPr>
+              <a:t>Covert Channels in MQTT-based Internet of Things</a:t>
+            </a:r>
+            <a:r>
+              <a:rPr lang="en-US" b="0" i="0" dirty="0">
+                <a:solidFill>
+                  <a:srgbClr val="222222"/>
+                </a:solidFill>
+                <a:effectLst/>
+                <a:latin typeface="Arial" panose="020B0604020202020204" pitchFamily="34" charset="0"/>
+              </a:rPr>
+              <a:t>, </a:t>
+            </a:r>
+            <a:r>
+              <a:rPr lang="en-US" b="0" i="1" dirty="0">
+                <a:solidFill>
+                  <a:srgbClr val="222222"/>
+                </a:solidFill>
+                <a:effectLst/>
+                <a:latin typeface="Arial" panose="020B0604020202020204" pitchFamily="34" charset="0"/>
+              </a:rPr>
+              <a:t>IEEE ACCESS</a:t>
+            </a:r>
+            <a:r>
+              <a:rPr lang="en-US" b="0" i="0" dirty="0">
+                <a:solidFill>
+                  <a:srgbClr val="222222"/>
+                </a:solidFill>
+                <a:effectLst/>
+                <a:latin typeface="Arial" panose="020B0604020202020204" pitchFamily="34" charset="0"/>
+              </a:rPr>
+              <a:t>, Vol. 7, pp. 161899-161915, 2019. </a:t>
+            </a:r>
+            <a:br>
+              <a:rPr lang="en-US" b="0" i="0" dirty="0">
+                <a:solidFill>
+                  <a:srgbClr val="222222"/>
+                </a:solidFill>
+                <a:effectLst/>
+                <a:latin typeface="Arial" panose="020B0604020202020204" pitchFamily="34" charset="0"/>
+              </a:rPr>
+            </a:br>
+            <a:endParaRPr lang="en-US" b="0" i="0" dirty="0">
+              <a:solidFill>
+                <a:srgbClr val="222222"/>
+              </a:solidFill>
+              <a:effectLst/>
+              <a:latin typeface="Arial" panose="020B0604020202020204" pitchFamily="34" charset="0"/>
+            </a:endParaRPr>
+          </a:p>
+          <a:p>
+            <a:pPr algn="l"/>
+            <a:r>
+              <a:rPr lang="en-US" b="0" i="0" dirty="0">
+                <a:solidFill>
+                  <a:srgbClr val="222222"/>
+                </a:solidFill>
+                <a:effectLst/>
+                <a:latin typeface="Arial" panose="020B0604020202020204" pitchFamily="34" charset="0"/>
+              </a:rPr>
+              <a:t>[5] A. </a:t>
+            </a:r>
+            <a:r>
+              <a:rPr lang="en-US" b="0" i="0" dirty="0" err="1">
+                <a:solidFill>
+                  <a:srgbClr val="222222"/>
+                </a:solidFill>
+                <a:effectLst/>
+                <a:latin typeface="Arial" panose="020B0604020202020204" pitchFamily="34" charset="0"/>
+              </a:rPr>
+              <a:t>Mileva</a:t>
+            </a:r>
+            <a:r>
+              <a:rPr lang="en-US" b="0" i="0" dirty="0">
+                <a:solidFill>
+                  <a:srgbClr val="222222"/>
+                </a:solidFill>
+                <a:effectLst/>
+                <a:latin typeface="Arial" panose="020B0604020202020204" pitchFamily="34" charset="0"/>
+              </a:rPr>
+              <a:t>, A. </a:t>
+            </a:r>
+            <a:r>
+              <a:rPr lang="en-US" b="0" i="0" dirty="0" err="1">
+                <a:solidFill>
+                  <a:srgbClr val="222222"/>
+                </a:solidFill>
+                <a:effectLst/>
+                <a:latin typeface="Arial" panose="020B0604020202020204" pitchFamily="34" charset="0"/>
+              </a:rPr>
+              <a:t>Velinov</a:t>
+            </a:r>
+            <a:r>
+              <a:rPr lang="en-US" b="0" i="0" dirty="0">
+                <a:solidFill>
+                  <a:srgbClr val="222222"/>
+                </a:solidFill>
+                <a:effectLst/>
+                <a:latin typeface="Arial" panose="020B0604020202020204" pitchFamily="34" charset="0"/>
+              </a:rPr>
+              <a:t>, L. Hartmann, S. </a:t>
+            </a:r>
+            <a:r>
+              <a:rPr lang="en-US" b="0" i="0" dirty="0" err="1">
+                <a:solidFill>
+                  <a:srgbClr val="222222"/>
+                </a:solidFill>
+                <a:effectLst/>
+                <a:latin typeface="Arial" panose="020B0604020202020204" pitchFamily="34" charset="0"/>
+              </a:rPr>
+              <a:t>Wendzel</a:t>
+            </a:r>
+            <a:r>
+              <a:rPr lang="en-US" b="0" i="0" dirty="0">
+                <a:solidFill>
+                  <a:srgbClr val="222222"/>
+                </a:solidFill>
+                <a:effectLst/>
+                <a:latin typeface="Arial" panose="020B0604020202020204" pitchFamily="34" charset="0"/>
+              </a:rPr>
+              <a:t>, W. </a:t>
+            </a:r>
+            <a:r>
+              <a:rPr lang="en-US" b="0" i="0" dirty="0" err="1">
+                <a:solidFill>
+                  <a:srgbClr val="222222"/>
+                </a:solidFill>
+                <a:effectLst/>
+                <a:latin typeface="Arial" panose="020B0604020202020204" pitchFamily="34" charset="0"/>
+              </a:rPr>
+              <a:t>Mazurczyk</a:t>
+            </a:r>
+            <a:r>
+              <a:rPr lang="en-US" b="0" i="0" dirty="0">
+                <a:solidFill>
+                  <a:srgbClr val="222222"/>
+                </a:solidFill>
+                <a:effectLst/>
+                <a:latin typeface="Arial" panose="020B0604020202020204" pitchFamily="34" charset="0"/>
+              </a:rPr>
+              <a:t>: </a:t>
+            </a:r>
+            <a:r>
+              <a:rPr lang="en-US" b="0" i="1" dirty="0">
+                <a:solidFill>
+                  <a:srgbClr val="222222"/>
+                </a:solidFill>
+                <a:effectLst/>
+                <a:latin typeface="Arial" panose="020B0604020202020204" pitchFamily="34" charset="0"/>
+              </a:rPr>
+              <a:t>Comprehensive Analysis of MQTT 5.0 Susceptibility to Network Covert Channels</a:t>
+            </a:r>
+            <a:r>
+              <a:rPr lang="en-US" b="0" i="0" dirty="0">
+                <a:solidFill>
+                  <a:srgbClr val="222222"/>
+                </a:solidFill>
+                <a:effectLst/>
+                <a:latin typeface="Arial" panose="020B0604020202020204" pitchFamily="34" charset="0"/>
+              </a:rPr>
+              <a:t>, Computers &amp; Security, Elsevier, 2021. </a:t>
+            </a:r>
+          </a:p>
+          <a:p>
+            <a:pPr algn="l"/>
+            <a:r>
+              <a:rPr lang="en-US" b="0" i="0" dirty="0">
+                <a:solidFill>
+                  <a:srgbClr val="222222"/>
+                </a:solidFill>
+                <a:effectLst/>
+                <a:latin typeface="Arial" panose="020B0604020202020204" pitchFamily="34" charset="0"/>
+              </a:rPr>
+              <a:t>[6] L. Hartmann, S. </a:t>
+            </a:r>
+            <a:r>
+              <a:rPr lang="en-US" b="0" i="0" dirty="0" err="1">
+                <a:solidFill>
+                  <a:srgbClr val="222222"/>
+                </a:solidFill>
+                <a:effectLst/>
+                <a:latin typeface="Arial" panose="020B0604020202020204" pitchFamily="34" charset="0"/>
+              </a:rPr>
+              <a:t>Zillien</a:t>
+            </a:r>
+            <a:r>
+              <a:rPr lang="en-US" b="0" i="0" dirty="0">
+                <a:solidFill>
+                  <a:srgbClr val="222222"/>
+                </a:solidFill>
+                <a:effectLst/>
+                <a:latin typeface="Arial" panose="020B0604020202020204" pitchFamily="34" charset="0"/>
+              </a:rPr>
+              <a:t>, S. </a:t>
+            </a:r>
+            <a:r>
+              <a:rPr lang="en-US" b="0" i="0" dirty="0" err="1">
+                <a:solidFill>
+                  <a:srgbClr val="222222"/>
+                </a:solidFill>
+                <a:effectLst/>
+                <a:latin typeface="Arial" panose="020B0604020202020204" pitchFamily="34" charset="0"/>
+              </a:rPr>
+              <a:t>Wendzel</a:t>
+            </a:r>
+            <a:r>
+              <a:rPr lang="en-US" b="0" i="0" dirty="0">
+                <a:solidFill>
+                  <a:srgbClr val="222222"/>
+                </a:solidFill>
+                <a:effectLst/>
+                <a:latin typeface="Arial" panose="020B0604020202020204" pitchFamily="34" charset="0"/>
+              </a:rPr>
+              <a:t>: </a:t>
+            </a:r>
+            <a:r>
+              <a:rPr lang="en-US" b="0" i="1" dirty="0">
+                <a:solidFill>
+                  <a:srgbClr val="222222"/>
+                </a:solidFill>
+                <a:effectLst/>
+                <a:latin typeface="Arial" panose="020B0604020202020204" pitchFamily="34" charset="0"/>
+              </a:rPr>
+              <a:t>Reset- and Reconnection-based Covert Channels in CoAP</a:t>
+            </a:r>
+            <a:r>
+              <a:rPr lang="en-US" b="0" i="0" dirty="0">
+                <a:solidFill>
+                  <a:srgbClr val="222222"/>
+                </a:solidFill>
+                <a:effectLst/>
+                <a:latin typeface="Arial" panose="020B0604020202020204" pitchFamily="34" charset="0"/>
+              </a:rPr>
+              <a:t>. In: Proc. European Interdisciplinary Cybersecurity Conference (EICC), 2021.</a:t>
             </a:r>
           </a:p>
           <a:p>
@@ -1897,7 +1874,7 @@
     </p:spTree>
     <p:extLst>
       <p:ext uri="{BB962C8B-B14F-4D97-AF65-F5344CB8AC3E}">
-        <p14:creationId xmlns:p14="http://schemas.microsoft.com/office/powerpoint/2010/main" val="3680987766"/>
+        <p14:creationId xmlns:p14="http://schemas.microsoft.com/office/powerpoint/2010/main" val="3675536497"/>
       </p:ext>
     </p:extLst>
   </p:cSld>
@@ -1951,56 +1928,29 @@
           <a:bodyPr/>
           <a:lstStyle/>
           <a:p>
+            <a:pPr marL="0" marR="0" lvl="0" indent="0" algn="l" defTabSz="914400" rtl="0" eaLnBrk="1" fontAlgn="auto" latinLnBrk="0" hangingPunct="1">
+              <a:lnSpc>
+                <a:spcPct val="100000"/>
+              </a:lnSpc>
+              <a:spcBef>
+                <a:spcPts val="0"/>
+              </a:spcBef>
+              <a:spcAft>
+                <a:spcPts val="0"/>
+              </a:spcAft>
+              <a:buClrTx/>
+              <a:buSzTx/>
+              <a:buFontTx/>
+              <a:buNone/>
+              <a:tabLst/>
+              <a:defRPr/>
+            </a:pPr>
             <a:r>
               <a:rPr lang="en-US" dirty="0"/>
-              <a:t>10 min</a:t>
-            </a:r>
-          </a:p>
-          <a:p>
-            <a:r>
-              <a:rPr lang="en-US" dirty="0" err="1"/>
-              <a:t>bigFlows.pcap</a:t>
-            </a:r>
-            <a:endParaRPr lang="en-US" dirty="0"/>
-          </a:p>
-          <a:p>
-            <a:endParaRPr lang="en-US" dirty="0"/>
-          </a:p>
-          <a:p>
-            <a:r>
-              <a:rPr lang="en-US" dirty="0"/>
-              <a:t>Pick a protocol and lookup the RFC</a:t>
-            </a:r>
-          </a:p>
-          <a:p>
-            <a:r>
-              <a:rPr lang="en-US" dirty="0"/>
-              <a:t>Does the protocol in the </a:t>
-            </a:r>
-            <a:r>
-              <a:rPr lang="en-US" dirty="0" err="1"/>
-              <a:t>pcap</a:t>
-            </a:r>
-            <a:r>
-              <a:rPr lang="en-US" dirty="0"/>
-              <a:t> match the RFC?</a:t>
-            </a:r>
-          </a:p>
-          <a:p>
-            <a:endParaRPr lang="en-US" dirty="0"/>
-          </a:p>
-          <a:p>
-            <a:endParaRPr lang="en-US" dirty="0"/>
-          </a:p>
-          <a:p>
-            <a:r>
-              <a:rPr lang="en-US" b="0" i="0" u="sng" dirty="0">
-                <a:effectLst/>
-                <a:latin typeface="-apple-system"/>
-                <a:hlinkClick r:id="rId3"/>
-              </a:rPr>
-              <a:t>https://drive.google.com/file/d/1VwjsAJV2Z2drE9vC_g2J_Snjz8WYtN5B/view?usp=sharing</a:t>
-            </a:r>
+              <a:t>https://upload.wikimedia.org/wikipedia/commons/thumb/4/47/Osi-model-jb.svg/886px-Osi-model-jb.svg.png</a:t>
+            </a:r>
+          </a:p>
+          <a:p>
             <a:endParaRPr lang="en-US" dirty="0"/>
           </a:p>
         </p:txBody>
@@ -2008,7 +1958,7 @@
     </p:spTree>
     <p:extLst>
       <p:ext uri="{BB962C8B-B14F-4D97-AF65-F5344CB8AC3E}">
-        <p14:creationId xmlns:p14="http://schemas.microsoft.com/office/powerpoint/2010/main" val="563536632"/>
+        <p14:creationId xmlns:p14="http://schemas.microsoft.com/office/powerpoint/2010/main" val="3680987766"/>
       </p:ext>
     </p:extLst>
   </p:cSld>
@@ -2062,6 +2012,117 @@
           <a:bodyPr/>
           <a:lstStyle/>
           <a:p>
+            <a:r>
+              <a:rPr lang="en-US" dirty="0"/>
+              <a:t>10 min</a:t>
+            </a:r>
+          </a:p>
+          <a:p>
+            <a:r>
+              <a:rPr lang="en-US" dirty="0" err="1"/>
+              <a:t>bigFlows.pcap</a:t>
+            </a:r>
+            <a:endParaRPr lang="en-US" dirty="0"/>
+          </a:p>
+          <a:p>
+            <a:endParaRPr lang="en-US" dirty="0"/>
+          </a:p>
+          <a:p>
+            <a:r>
+              <a:rPr lang="en-US" dirty="0"/>
+              <a:t>Pick a protocol and lookup the RFC</a:t>
+            </a:r>
+          </a:p>
+          <a:p>
+            <a:r>
+              <a:rPr lang="en-US" dirty="0"/>
+              <a:t>Does the protocol in the </a:t>
+            </a:r>
+            <a:r>
+              <a:rPr lang="en-US" dirty="0" err="1"/>
+              <a:t>pcap</a:t>
+            </a:r>
+            <a:r>
+              <a:rPr lang="en-US" dirty="0"/>
+              <a:t> match the RFC?</a:t>
+            </a:r>
+          </a:p>
+          <a:p>
+            <a:endParaRPr lang="en-US" dirty="0"/>
+          </a:p>
+          <a:p>
+            <a:endParaRPr lang="en-US" dirty="0"/>
+          </a:p>
+          <a:p>
+            <a:r>
+              <a:rPr lang="en-US" b="0" i="0" u="sng" dirty="0">
+                <a:effectLst/>
+                <a:latin typeface="-apple-system"/>
+                <a:hlinkClick r:id="rId3"/>
+              </a:rPr>
+              <a:t>https://drive.google.com/file/d/1VwjsAJV2Z2drE9vC_g2J_Snjz8WYtN5B/view?usp=sharing</a:t>
+            </a:r>
+            <a:endParaRPr lang="en-US" dirty="0"/>
+          </a:p>
+        </p:txBody>
+      </p:sp>
+    </p:spTree>
+    <p:extLst>
+      <p:ext uri="{BB962C8B-B14F-4D97-AF65-F5344CB8AC3E}">
+        <p14:creationId xmlns:p14="http://schemas.microsoft.com/office/powerpoint/2010/main" val="563536632"/>
+      </p:ext>
+    </p:extLst>
+  </p:cSld>
+  <p:clrMapOvr>
+    <a:masterClrMapping/>
+  </p:clrMapOvr>
+</p:notes>
+</file>
+
+<file path=ppt/notesSlides/notesSlide7.xml><?xml version="1.0" encoding="utf-8"?>
+<p:notes xmlns:a="http://schemas.openxmlformats.org/drawingml/2006/main" xmlns:r="http://schemas.openxmlformats.org/officeDocument/2006/relationships" xmlns:p="http://schemas.openxmlformats.org/presentationml/2006/main">
+  <p:cSld>
+    <p:spTree>
+      <p:nvGrpSpPr>
+        <p:cNvPr id="1" name=""/>
+        <p:cNvGrpSpPr/>
+        <p:nvPr/>
+      </p:nvGrpSpPr>
+      <p:grpSpPr>
+        <a:xfrm>
+          <a:off x="0" y="0"/>
+          <a:ext cx="0" cy="0"/>
+          <a:chOff x="0" y="0"/>
+          <a:chExt cx="0" cy="0"/>
+        </a:xfrm>
+      </p:grpSpPr>
+      <p:sp>
+        <p:nvSpPr>
+          <p:cNvPr id="2" name="Slide Image Placeholder 1"/>
+          <p:cNvSpPr>
+            <a:spLocks noGrp="1" noRot="1" noChangeAspect="1"/>
+          </p:cNvSpPr>
+          <p:nvPr>
+            <p:ph type="sldImg"/>
+          </p:nvPr>
+        </p:nvSpPr>
+        <p:spPr/>
+      </p:sp>
+      <p:sp>
+        <p:nvSpPr>
+          <p:cNvPr id="3" name="Notes Placeholder 2"/>
+          <p:cNvSpPr>
+            <a:spLocks noGrp="1"/>
+          </p:cNvSpPr>
+          <p:nvPr>
+            <p:ph type="body" idx="1"/>
+          </p:nvPr>
+        </p:nvSpPr>
+        <p:spPr/>
+        <p:txBody>
+          <a:bodyPr/>
+          <a:lstStyle/>
+          <a:p>
             <a:pPr marL="0" marR="0" lvl="0" indent="0" algn="l" defTabSz="914400" rtl="0" eaLnBrk="1" fontAlgn="auto" latinLnBrk="0" hangingPunct="1">
               <a:lnSpc>
                 <a:spcPct val="100000"/>
@@ -2105,7 +2166,7 @@
 </p:notes>
 </file>
 
-<file path=ppt/notesSlides/notesSlide7.xml><?xml version="1.0" encoding="utf-8"?>
+<file path=ppt/notesSlides/notesSlide8.xml><?xml version="1.0" encoding="utf-8"?>
 <p:notes xmlns:a="http://schemas.openxmlformats.org/drawingml/2006/main" xmlns:r="http://schemas.openxmlformats.org/officeDocument/2006/relationships" xmlns:p="http://schemas.openxmlformats.org/presentationml/2006/main">
   <p:cSld>
     <p:spTree>
@@ -4367,7 +4428,7 @@
           <a:p>
             <a:r>
               <a:rPr lang="en-US" dirty="0"/>
-              <a:t>17 JUL 2023</a:t>
+              <a:t>22 JUL 2024</a:t>
             </a:r>
           </a:p>
         </p:txBody>
@@ -12448,6 +12509,35 @@
           </a:p>
         </p:txBody>
       </p:sp>
+      <p:pic>
+        <p:nvPicPr>
+          <p:cNvPr id="5" name="Picture 4">
+            <a:extLst>
+              <a:ext uri="{FF2B5EF4-FFF2-40B4-BE49-F238E27FC236}">
+                <a16:creationId xmlns:a16="http://schemas.microsoft.com/office/drawing/2014/main" id="{C6F13C60-8D0C-A490-F2F6-85A4AC076ACF}"/>
+              </a:ext>
+            </a:extLst>
+          </p:cNvPr>
+          <p:cNvPicPr>
+            <a:picLocks noChangeAspect="1"/>
+          </p:cNvPicPr>
+          <p:nvPr/>
+        </p:nvPicPr>
+        <p:blipFill rotWithShape="1">
+          <a:blip r:embed="rId2"/>
+          <a:srcRect b="30463"/>
+          <a:stretch/>
+        </p:blipFill>
+        <p:spPr>
+          <a:xfrm>
+            <a:off x="647152" y="1696574"/>
+            <a:ext cx="7849695" cy="4610563"/>
+          </a:xfrm>
+          <a:prstGeom prst="rect">
+            <a:avLst/>
+          </a:prstGeom>
+        </p:spPr>
+      </p:pic>
     </p:spTree>
     <p:extLst>
       <p:ext uri="{BB962C8B-B14F-4D97-AF65-F5344CB8AC3E}">

--- a/Handout/Covert Channel Lecture Day 1.pptx
+++ b/Handout/Covert Channel Lecture Day 1.pptx
@@ -5,10 +5,10 @@
     <p:sldMasterId id="2147483673" r:id="rId1"/>
   </p:sldMasterIdLst>
   <p:notesMasterIdLst>
-    <p:notesMasterId r:id="rId66"/>
+    <p:notesMasterId r:id="rId65"/>
   </p:notesMasterIdLst>
   <p:handoutMasterIdLst>
-    <p:handoutMasterId r:id="rId67"/>
+    <p:handoutMasterId r:id="rId66"/>
   </p:handoutMasterIdLst>
   <p:sldIdLst>
     <p:sldId id="450" r:id="rId2"/>
@@ -63,18 +63,17 @@
     <p:sldId id="499" r:id="rId51"/>
     <p:sldId id="500" r:id="rId52"/>
     <p:sldId id="501" r:id="rId53"/>
-    <p:sldId id="502" r:id="rId54"/>
-    <p:sldId id="503" r:id="rId55"/>
-    <p:sldId id="504" r:id="rId56"/>
-    <p:sldId id="505" r:id="rId57"/>
-    <p:sldId id="506" r:id="rId58"/>
-    <p:sldId id="507" r:id="rId59"/>
-    <p:sldId id="508" r:id="rId60"/>
-    <p:sldId id="509" r:id="rId61"/>
-    <p:sldId id="510" r:id="rId62"/>
-    <p:sldId id="511" r:id="rId63"/>
-    <p:sldId id="512" r:id="rId64"/>
-    <p:sldId id="513" r:id="rId65"/>
+    <p:sldId id="503" r:id="rId54"/>
+    <p:sldId id="504" r:id="rId55"/>
+    <p:sldId id="505" r:id="rId56"/>
+    <p:sldId id="506" r:id="rId57"/>
+    <p:sldId id="507" r:id="rId58"/>
+    <p:sldId id="508" r:id="rId59"/>
+    <p:sldId id="509" r:id="rId60"/>
+    <p:sldId id="510" r:id="rId61"/>
+    <p:sldId id="511" r:id="rId62"/>
+    <p:sldId id="512" r:id="rId63"/>
+    <p:sldId id="513" r:id="rId64"/>
   </p:sldIdLst>
   <p:sldSz cx="9144000" cy="6858000" type="screen4x3"/>
   <p:notesSz cx="6400800" cy="8686800"/>
@@ -277,7 +276,7 @@
           <a:p>
             <a:fld id="{24DAFBA8-35F2-4C04-8149-4585D62DFC6D}" type="datetimeFigureOut">
               <a:rPr lang="en-US" smtClean="0"/>
-              <a:t>7/21/2024</a:t>
+              <a:t>7/20/2025</a:t>
             </a:fld>
             <a:endParaRPr lang="en-US"/>
           </a:p>
@@ -444,7 +443,7 @@
             <a:fld id="{2ECEE970-886D-4DEB-A78D-5219D8C79727}" type="datetimeFigureOut">
               <a:rPr lang="en-US" smtClean="0"/>
               <a:pPr/>
-              <a:t>7/21/2024</a:t>
+              <a:t>7/20/2025</a:t>
             </a:fld>
             <a:endParaRPr lang="en-US"/>
           </a:p>
@@ -2080,93 +2079,6 @@
 </file>
 
 <file path=ppt/notesSlides/notesSlide7.xml><?xml version="1.0" encoding="utf-8"?>
-<p:notes xmlns:a="http://schemas.openxmlformats.org/drawingml/2006/main" xmlns:r="http://schemas.openxmlformats.org/officeDocument/2006/relationships" xmlns:p="http://schemas.openxmlformats.org/presentationml/2006/main">
-  <p:cSld>
-    <p:spTree>
-      <p:nvGrpSpPr>
-        <p:cNvPr id="1" name=""/>
-        <p:cNvGrpSpPr/>
-        <p:nvPr/>
-      </p:nvGrpSpPr>
-      <p:grpSpPr>
-        <a:xfrm>
-          <a:off x="0" y="0"/>
-          <a:ext cx="0" cy="0"/>
-          <a:chOff x="0" y="0"/>
-          <a:chExt cx="0" cy="0"/>
-        </a:xfrm>
-      </p:grpSpPr>
-      <p:sp>
-        <p:nvSpPr>
-          <p:cNvPr id="2" name="Slide Image Placeholder 1"/>
-          <p:cNvSpPr>
-            <a:spLocks noGrp="1" noRot="1" noChangeAspect="1"/>
-          </p:cNvSpPr>
-          <p:nvPr>
-            <p:ph type="sldImg"/>
-          </p:nvPr>
-        </p:nvSpPr>
-        <p:spPr/>
-      </p:sp>
-      <p:sp>
-        <p:nvSpPr>
-          <p:cNvPr id="3" name="Notes Placeholder 2"/>
-          <p:cNvSpPr>
-            <a:spLocks noGrp="1"/>
-          </p:cNvSpPr>
-          <p:nvPr>
-            <p:ph type="body" idx="1"/>
-          </p:nvPr>
-        </p:nvSpPr>
-        <p:spPr/>
-        <p:txBody>
-          <a:bodyPr/>
-          <a:lstStyle/>
-          <a:p>
-            <a:pPr marL="0" marR="0" lvl="0" indent="0" algn="l" defTabSz="914400" rtl="0" eaLnBrk="1" fontAlgn="auto" latinLnBrk="0" hangingPunct="1">
-              <a:lnSpc>
-                <a:spcPct val="100000"/>
-              </a:lnSpc>
-              <a:spcBef>
-                <a:spcPts val="0"/>
-              </a:spcBef>
-              <a:spcAft>
-                <a:spcPts val="0"/>
-              </a:spcAft>
-              <a:buClrTx/>
-              <a:buSzTx/>
-              <a:buFontTx/>
-              <a:buNone/>
-              <a:tabLst/>
-              <a:defRPr/>
-            </a:pPr>
-            <a:r>
-              <a:rPr lang="en-US" dirty="0"/>
-              <a:t>Look at what PA did to my slide!!!!</a:t>
-            </a:r>
-          </a:p>
-          <a:p>
-            <a:endParaRPr lang="en-US" dirty="0"/>
-          </a:p>
-          <a:p>
-            <a:endParaRPr lang="en-US" dirty="0"/>
-          </a:p>
-        </p:txBody>
-      </p:sp>
-    </p:spTree>
-    <p:extLst>
-      <p:ext uri="{BB962C8B-B14F-4D97-AF65-F5344CB8AC3E}">
-        <p14:creationId xmlns:p14="http://schemas.microsoft.com/office/powerpoint/2010/main" val="1069262418"/>
-      </p:ext>
-    </p:extLst>
-  </p:cSld>
-  <p:clrMapOvr>
-    <a:masterClrMapping/>
-  </p:clrMapOvr>
-</p:notes>
-</file>
-
-<file path=ppt/notesSlides/notesSlide8.xml><?xml version="1.0" encoding="utf-8"?>
 <p:notes xmlns:a="http://schemas.openxmlformats.org/drawingml/2006/main" xmlns:r="http://schemas.openxmlformats.org/officeDocument/2006/relationships" xmlns:p="http://schemas.openxmlformats.org/presentationml/2006/main">
   <p:cSld>
     <p:spTree>
@@ -4428,7 +4340,7 @@
           <a:p>
             <a:r>
               <a:rPr lang="en-US" dirty="0"/>
-              <a:t>22 JUL 2024</a:t>
+              <a:t>21 JUL 2025</a:t>
             </a:r>
           </a:p>
         </p:txBody>
@@ -16603,47 +16515,10 @@
       </p:grpSpPr>
       <p:sp>
         <p:nvSpPr>
-          <p:cNvPr id="2" name="Text Placeholder 1">
-            <a:extLst>
-              <a:ext uri="{FF2B5EF4-FFF2-40B4-BE49-F238E27FC236}">
-                <a16:creationId xmlns:a16="http://schemas.microsoft.com/office/drawing/2014/main" id="{BF61DBAC-28B4-4AC1-9158-9FF1EBBD128C}"/>
-              </a:ext>
-            </a:extLst>
-          </p:cNvPr>
-          <p:cNvSpPr>
-            <a:spLocks noGrp="1"/>
-          </p:cNvSpPr>
-          <p:nvPr>
-            <p:ph type="body" sz="quarter" idx="10"/>
-          </p:nvPr>
-        </p:nvSpPr>
-        <p:spPr/>
-        <p:txBody>
-          <a:bodyPr/>
-          <a:lstStyle/>
-          <a:p>
-            <a:r>
-              <a:rPr lang="en-US" sz="2000" dirty="0"/>
-              <a:t>DNS</a:t>
-            </a:r>
-          </a:p>
-          <a:p>
-            <a:r>
-              <a:rPr lang="en-US" sz="2000" dirty="0"/>
-              <a:t>DNA layout/structure </a:t>
-            </a:r>
-          </a:p>
-          <a:p>
-            <a:endParaRPr lang="en-US" dirty="0"/>
-          </a:p>
-        </p:txBody>
-      </p:sp>
-      <p:sp>
-        <p:nvSpPr>
           <p:cNvPr id="3" name="Text Placeholder 2">
             <a:extLst>
               <a:ext uri="{FF2B5EF4-FFF2-40B4-BE49-F238E27FC236}">
-                <a16:creationId xmlns:a16="http://schemas.microsoft.com/office/drawing/2014/main" id="{B3648515-1F30-46B6-A851-72A81EF931FC}"/>
+                <a16:creationId xmlns:a16="http://schemas.microsoft.com/office/drawing/2014/main" id="{79F76FFC-5FB9-4D0B-8FBB-2A7A902AAA90}"/>
               </a:ext>
             </a:extLst>
           </p:cNvPr>
@@ -16666,10 +16541,321 @@
           </a:p>
         </p:txBody>
       </p:sp>
+      <p:sp>
+        <p:nvSpPr>
+          <p:cNvPr id="4" name="Content Placeholder 2">
+            <a:extLst>
+              <a:ext uri="{FF2B5EF4-FFF2-40B4-BE49-F238E27FC236}">
+                <a16:creationId xmlns:a16="http://schemas.microsoft.com/office/drawing/2014/main" id="{363CB664-6925-4D57-8A48-A87FAF0A5F79}"/>
+              </a:ext>
+            </a:extLst>
+          </p:cNvPr>
+          <p:cNvSpPr txBox="1">
+            <a:spLocks/>
+          </p:cNvSpPr>
+          <p:nvPr/>
+        </p:nvSpPr>
+        <p:spPr>
+          <a:xfrm>
+            <a:off x="219375" y="1334294"/>
+            <a:ext cx="8229600" cy="4525963"/>
+          </a:xfrm>
+          <a:prstGeom prst="rect">
+            <a:avLst/>
+          </a:prstGeom>
+        </p:spPr>
+        <p:txBody>
+          <a:bodyPr/>
+          <a:lstStyle>
+            <a:lvl1pPr marL="342900" indent="-342900" algn="l" defTabSz="914400" rtl="0" eaLnBrk="1" latinLnBrk="0" hangingPunct="1">
+              <a:spcBef>
+                <a:spcPct val="20000"/>
+              </a:spcBef>
+              <a:buFont typeface="Arial" pitchFamily="34" charset="0"/>
+              <a:buChar char="•"/>
+              <a:defRPr sz="3200" kern="1200">
+                <a:solidFill>
+                  <a:schemeClr val="tx1"/>
+                </a:solidFill>
+                <a:latin typeface="+mn-lt"/>
+                <a:ea typeface="+mn-ea"/>
+                <a:cs typeface="+mn-cs"/>
+              </a:defRPr>
+            </a:lvl1pPr>
+            <a:lvl2pPr marL="742950" indent="-285750" algn="l" defTabSz="914400" rtl="0" eaLnBrk="1" latinLnBrk="0" hangingPunct="1">
+              <a:spcBef>
+                <a:spcPct val="20000"/>
+              </a:spcBef>
+              <a:buFont typeface="Arial" pitchFamily="34" charset="0"/>
+              <a:buChar char="–"/>
+              <a:defRPr sz="2800" kern="1200">
+                <a:solidFill>
+                  <a:schemeClr val="tx1"/>
+                </a:solidFill>
+                <a:latin typeface="+mn-lt"/>
+                <a:ea typeface="+mn-ea"/>
+                <a:cs typeface="+mn-cs"/>
+              </a:defRPr>
+            </a:lvl2pPr>
+            <a:lvl3pPr marL="1143000" indent="-228600" algn="l" defTabSz="914400" rtl="0" eaLnBrk="1" latinLnBrk="0" hangingPunct="1">
+              <a:spcBef>
+                <a:spcPct val="20000"/>
+              </a:spcBef>
+              <a:buFont typeface="Arial" pitchFamily="34" charset="0"/>
+              <a:buChar char="•"/>
+              <a:defRPr sz="2400" kern="1200">
+                <a:solidFill>
+                  <a:schemeClr val="tx1"/>
+                </a:solidFill>
+                <a:latin typeface="+mn-lt"/>
+                <a:ea typeface="+mn-ea"/>
+                <a:cs typeface="+mn-cs"/>
+              </a:defRPr>
+            </a:lvl3pPr>
+            <a:lvl4pPr marL="1600200" indent="-228600" algn="l" defTabSz="914400" rtl="0" eaLnBrk="1" latinLnBrk="0" hangingPunct="1">
+              <a:spcBef>
+                <a:spcPct val="20000"/>
+              </a:spcBef>
+              <a:buFont typeface="Arial" pitchFamily="34" charset="0"/>
+              <a:buChar char="–"/>
+              <a:defRPr sz="2000" kern="1200">
+                <a:solidFill>
+                  <a:schemeClr val="tx1"/>
+                </a:solidFill>
+                <a:latin typeface="+mn-lt"/>
+                <a:ea typeface="+mn-ea"/>
+                <a:cs typeface="+mn-cs"/>
+              </a:defRPr>
+            </a:lvl4pPr>
+            <a:lvl5pPr marL="2057400" indent="-228600" algn="l" defTabSz="914400" rtl="0" eaLnBrk="1" latinLnBrk="0" hangingPunct="1">
+              <a:spcBef>
+                <a:spcPct val="20000"/>
+              </a:spcBef>
+              <a:buFont typeface="Arial" pitchFamily="34" charset="0"/>
+              <a:buChar char="»"/>
+              <a:defRPr sz="2000" kern="1200">
+                <a:solidFill>
+                  <a:schemeClr val="tx1"/>
+                </a:solidFill>
+                <a:latin typeface="+mn-lt"/>
+                <a:ea typeface="+mn-ea"/>
+                <a:cs typeface="+mn-cs"/>
+              </a:defRPr>
+            </a:lvl5pPr>
+            <a:lvl6pPr marL="2514600" indent="-228600" algn="l" defTabSz="914400" rtl="0" eaLnBrk="1" latinLnBrk="0" hangingPunct="1">
+              <a:spcBef>
+                <a:spcPct val="20000"/>
+              </a:spcBef>
+              <a:buFont typeface="Arial" pitchFamily="34" charset="0"/>
+              <a:buChar char="•"/>
+              <a:defRPr sz="2000" kern="1200">
+                <a:solidFill>
+                  <a:schemeClr val="tx1"/>
+                </a:solidFill>
+                <a:latin typeface="+mn-lt"/>
+                <a:ea typeface="+mn-ea"/>
+                <a:cs typeface="+mn-cs"/>
+              </a:defRPr>
+            </a:lvl6pPr>
+            <a:lvl7pPr marL="2971800" indent="-228600" algn="l" defTabSz="914400" rtl="0" eaLnBrk="1" latinLnBrk="0" hangingPunct="1">
+              <a:spcBef>
+                <a:spcPct val="20000"/>
+              </a:spcBef>
+              <a:buFont typeface="Arial" pitchFamily="34" charset="0"/>
+              <a:buChar char="•"/>
+              <a:defRPr sz="2000" kern="1200">
+                <a:solidFill>
+                  <a:schemeClr val="tx1"/>
+                </a:solidFill>
+                <a:latin typeface="+mn-lt"/>
+                <a:ea typeface="+mn-ea"/>
+                <a:cs typeface="+mn-cs"/>
+              </a:defRPr>
+            </a:lvl7pPr>
+            <a:lvl8pPr marL="3429000" indent="-228600" algn="l" defTabSz="914400" rtl="0" eaLnBrk="1" latinLnBrk="0" hangingPunct="1">
+              <a:spcBef>
+                <a:spcPct val="20000"/>
+              </a:spcBef>
+              <a:buFont typeface="Arial" pitchFamily="34" charset="0"/>
+              <a:buChar char="•"/>
+              <a:defRPr sz="2000" kern="1200">
+                <a:solidFill>
+                  <a:schemeClr val="tx1"/>
+                </a:solidFill>
+                <a:latin typeface="+mn-lt"/>
+                <a:ea typeface="+mn-ea"/>
+                <a:cs typeface="+mn-cs"/>
+              </a:defRPr>
+            </a:lvl8pPr>
+            <a:lvl9pPr marL="3886200" indent="-228600" algn="l" defTabSz="914400" rtl="0" eaLnBrk="1" latinLnBrk="0" hangingPunct="1">
+              <a:spcBef>
+                <a:spcPct val="20000"/>
+              </a:spcBef>
+              <a:buFont typeface="Arial" pitchFamily="34" charset="0"/>
+              <a:buChar char="•"/>
+              <a:defRPr sz="2000" kern="1200">
+                <a:solidFill>
+                  <a:schemeClr val="tx1"/>
+                </a:solidFill>
+                <a:latin typeface="+mn-lt"/>
+                <a:ea typeface="+mn-ea"/>
+                <a:cs typeface="+mn-cs"/>
+              </a:defRPr>
+            </a:lvl9pPr>
+          </a:lstStyle>
+          <a:p>
+            <a:r>
+              <a:rPr lang="en-US" sz="2400">
+                <a:solidFill>
+                  <a:srgbClr val="000000"/>
+                </a:solidFill>
+              </a:rPr>
+              <a:t>DNS Header</a:t>
+            </a:r>
+            <a:endParaRPr lang="en-US" sz="2400" dirty="0">
+              <a:solidFill>
+                <a:srgbClr val="000000"/>
+              </a:solidFill>
+            </a:endParaRPr>
+          </a:p>
+        </p:txBody>
+      </p:sp>
+      <p:pic>
+        <p:nvPicPr>
+          <p:cNvPr id="5" name="Picture 2">
+            <a:extLst>
+              <a:ext uri="{FF2B5EF4-FFF2-40B4-BE49-F238E27FC236}">
+                <a16:creationId xmlns:a16="http://schemas.microsoft.com/office/drawing/2014/main" id="{D2C714C1-4235-4A1D-81BD-CC57A441926B}"/>
+              </a:ext>
+            </a:extLst>
+          </p:cNvPr>
+          <p:cNvPicPr>
+            <a:picLocks noChangeAspect="1" noChangeArrowheads="1"/>
+          </p:cNvPicPr>
+          <p:nvPr/>
+        </p:nvPicPr>
+        <p:blipFill>
+          <a:blip r:embed="rId2">
+            <a:extLst>
+              <a:ext uri="{28A0092B-C50C-407E-A947-70E740481C1C}">
+                <a14:useLocalDpi xmlns:a14="http://schemas.microsoft.com/office/drawing/2010/main" val="0"/>
+              </a:ext>
+            </a:extLst>
+          </a:blip>
+          <a:srcRect/>
+          <a:stretch>
+            <a:fillRect/>
+          </a:stretch>
+        </p:blipFill>
+        <p:spPr bwMode="auto">
+          <a:xfrm>
+            <a:off x="807759" y="1981200"/>
+            <a:ext cx="7052831" cy="3879057"/>
+          </a:xfrm>
+          <a:prstGeom prst="rect">
+            <a:avLst/>
+          </a:prstGeom>
+          <a:noFill/>
+          <a:extLst>
+            <a:ext uri="{909E8E84-426E-40DD-AFC4-6F175D3DCCD1}">
+              <a14:hiddenFill xmlns:a14="http://schemas.microsoft.com/office/drawing/2010/main">
+                <a:solidFill>
+                  <a:srgbClr val="FFFFFF"/>
+                </a:solidFill>
+              </a14:hiddenFill>
+            </a:ext>
+          </a:extLst>
+        </p:spPr>
+      </p:pic>
+      <p:sp>
+        <p:nvSpPr>
+          <p:cNvPr id="6" name="TextBox 5">
+            <a:extLst>
+              <a:ext uri="{FF2B5EF4-FFF2-40B4-BE49-F238E27FC236}">
+                <a16:creationId xmlns:a16="http://schemas.microsoft.com/office/drawing/2014/main" id="{32D5DEDD-08CD-427C-808E-A549EE03AD7D}"/>
+              </a:ext>
+            </a:extLst>
+          </p:cNvPr>
+          <p:cNvSpPr txBox="1"/>
+          <p:nvPr/>
+        </p:nvSpPr>
+        <p:spPr>
+          <a:xfrm>
+            <a:off x="7841852" y="3642163"/>
+            <a:ext cx="1045585" cy="2400657"/>
+          </a:xfrm>
+          <a:prstGeom prst="rect">
+            <a:avLst/>
+          </a:prstGeom>
+          <a:noFill/>
+        </p:spPr>
+        <p:txBody>
+          <a:bodyPr wrap="square" rtlCol="0">
+            <a:spAutoFit/>
+          </a:bodyPr>
+          <a:lstStyle/>
+          <a:p>
+            <a:r>
+              <a:rPr lang="en-US" sz="1000" dirty="0">
+                <a:solidFill>
+                  <a:srgbClr val="000000"/>
+                </a:solidFill>
+              </a:rPr>
+              <a:t>Photo: </a:t>
+            </a:r>
+            <a:r>
+              <a:rPr lang="en-US" sz="1000" dirty="0">
+                <a:solidFill>
+                  <a:srgbClr val="000000"/>
+                </a:solidFill>
+                <a:hlinkClick r:id="rId3">
+                  <a:extLst>
+                    <a:ext uri="{A12FA001-AC4F-418D-AE19-62706E023703}">
+                      <ahyp:hlinkClr xmlns:ahyp="http://schemas.microsoft.com/office/drawing/2018/hyperlinkcolor" val="tx"/>
+                    </a:ext>
+                  </a:extLst>
+                </a:hlinkClick>
+              </a:rPr>
+              <a:t>https://upload.wikimedia.org/wikipedia/commons/thumb/4/40/Dns_message.jpg/640px-Dns_message.jpg</a:t>
+            </a:r>
+            <a:r>
+              <a:rPr lang="en-US" sz="1000" dirty="0">
+                <a:solidFill>
+                  <a:srgbClr val="000000"/>
+                </a:solidFill>
+              </a:rPr>
+              <a:t> Author: Richard </a:t>
+            </a:r>
+            <a:r>
+              <a:rPr lang="en-US" sz="1000" dirty="0" err="1">
+                <a:solidFill>
+                  <a:srgbClr val="000000"/>
+                </a:solidFill>
+              </a:rPr>
+              <a:t>Bhuleskar</a:t>
+            </a:r>
+            <a:r>
+              <a:rPr lang="en-US" sz="1000" dirty="0">
+                <a:solidFill>
+                  <a:srgbClr val="000000"/>
+                </a:solidFill>
+              </a:rPr>
+              <a:t> License by Creative Commons 2.5</a:t>
+            </a:r>
+          </a:p>
+          <a:p>
+            <a:endParaRPr lang="en-US" sz="1000" dirty="0">
+              <a:solidFill>
+                <a:srgbClr val="000000"/>
+              </a:solidFill>
+            </a:endParaRPr>
+          </a:p>
+        </p:txBody>
+      </p:sp>
     </p:spTree>
     <p:extLst>
       <p:ext uri="{BB962C8B-B14F-4D97-AF65-F5344CB8AC3E}">
-        <p14:creationId xmlns:p14="http://schemas.microsoft.com/office/powerpoint/2010/main" val="417548658"/>
+        <p14:creationId xmlns:p14="http://schemas.microsoft.com/office/powerpoint/2010/main" val="1515812716"/>
       </p:ext>
     </p:extLst>
   </p:cSld>
@@ -16698,10 +16884,44 @@
       </p:grpSpPr>
       <p:sp>
         <p:nvSpPr>
+          <p:cNvPr id="2" name="Text Placeholder 1">
+            <a:extLst>
+              <a:ext uri="{FF2B5EF4-FFF2-40B4-BE49-F238E27FC236}">
+                <a16:creationId xmlns:a16="http://schemas.microsoft.com/office/drawing/2014/main" id="{639B964C-73F4-4CE6-97D4-A6807F9BDC27}"/>
+              </a:ext>
+            </a:extLst>
+          </p:cNvPr>
+          <p:cNvSpPr>
+            <a:spLocks noGrp="1"/>
+          </p:cNvSpPr>
+          <p:nvPr>
+            <p:ph type="body" sz="quarter" idx="10"/>
+          </p:nvPr>
+        </p:nvSpPr>
+        <p:spPr/>
+        <p:txBody>
+          <a:bodyPr anchor="ctr"/>
+          <a:lstStyle/>
+          <a:p>
+            <a:pPr marL="0" indent="0" algn="ctr">
+              <a:buNone/>
+            </a:pPr>
+            <a:r>
+              <a:rPr lang="en-US" sz="3000" kern="0" dirty="0">
+                <a:latin typeface="Calibri" panose="020F0502020204030204" pitchFamily="34" charset="0"/>
+                <a:cs typeface="Calibri" panose="020F0502020204030204" pitchFamily="34" charset="0"/>
+              </a:rPr>
+              <a:t>Exercise12.pcap</a:t>
+            </a:r>
+          </a:p>
+        </p:txBody>
+      </p:sp>
+      <p:sp>
+        <p:nvSpPr>
           <p:cNvPr id="3" name="Text Placeholder 2">
             <a:extLst>
               <a:ext uri="{FF2B5EF4-FFF2-40B4-BE49-F238E27FC236}">
-                <a16:creationId xmlns:a16="http://schemas.microsoft.com/office/drawing/2014/main" id="{79F76FFC-5FB9-4D0B-8FBB-2A7A902AAA90}"/>
+                <a16:creationId xmlns:a16="http://schemas.microsoft.com/office/drawing/2014/main" id="{9A77A27E-AB4D-49F2-B16E-F63580B91E7E}"/>
               </a:ext>
             </a:extLst>
           </p:cNvPr>
@@ -16724,321 +16944,10 @@
           </a:p>
         </p:txBody>
       </p:sp>
-      <p:sp>
-        <p:nvSpPr>
-          <p:cNvPr id="4" name="Content Placeholder 2">
-            <a:extLst>
-              <a:ext uri="{FF2B5EF4-FFF2-40B4-BE49-F238E27FC236}">
-                <a16:creationId xmlns:a16="http://schemas.microsoft.com/office/drawing/2014/main" id="{363CB664-6925-4D57-8A48-A87FAF0A5F79}"/>
-              </a:ext>
-            </a:extLst>
-          </p:cNvPr>
-          <p:cNvSpPr txBox="1">
-            <a:spLocks/>
-          </p:cNvSpPr>
-          <p:nvPr/>
-        </p:nvSpPr>
-        <p:spPr>
-          <a:xfrm>
-            <a:off x="219375" y="1334294"/>
-            <a:ext cx="8229600" cy="4525963"/>
-          </a:xfrm>
-          <a:prstGeom prst="rect">
-            <a:avLst/>
-          </a:prstGeom>
-        </p:spPr>
-        <p:txBody>
-          <a:bodyPr/>
-          <a:lstStyle>
-            <a:lvl1pPr marL="342900" indent="-342900" algn="l" defTabSz="914400" rtl="0" eaLnBrk="1" latinLnBrk="0" hangingPunct="1">
-              <a:spcBef>
-                <a:spcPct val="20000"/>
-              </a:spcBef>
-              <a:buFont typeface="Arial" pitchFamily="34" charset="0"/>
-              <a:buChar char="•"/>
-              <a:defRPr sz="3200" kern="1200">
-                <a:solidFill>
-                  <a:schemeClr val="tx1"/>
-                </a:solidFill>
-                <a:latin typeface="+mn-lt"/>
-                <a:ea typeface="+mn-ea"/>
-                <a:cs typeface="+mn-cs"/>
-              </a:defRPr>
-            </a:lvl1pPr>
-            <a:lvl2pPr marL="742950" indent="-285750" algn="l" defTabSz="914400" rtl="0" eaLnBrk="1" latinLnBrk="0" hangingPunct="1">
-              <a:spcBef>
-                <a:spcPct val="20000"/>
-              </a:spcBef>
-              <a:buFont typeface="Arial" pitchFamily="34" charset="0"/>
-              <a:buChar char="–"/>
-              <a:defRPr sz="2800" kern="1200">
-                <a:solidFill>
-                  <a:schemeClr val="tx1"/>
-                </a:solidFill>
-                <a:latin typeface="+mn-lt"/>
-                <a:ea typeface="+mn-ea"/>
-                <a:cs typeface="+mn-cs"/>
-              </a:defRPr>
-            </a:lvl2pPr>
-            <a:lvl3pPr marL="1143000" indent="-228600" algn="l" defTabSz="914400" rtl="0" eaLnBrk="1" latinLnBrk="0" hangingPunct="1">
-              <a:spcBef>
-                <a:spcPct val="20000"/>
-              </a:spcBef>
-              <a:buFont typeface="Arial" pitchFamily="34" charset="0"/>
-              <a:buChar char="•"/>
-              <a:defRPr sz="2400" kern="1200">
-                <a:solidFill>
-                  <a:schemeClr val="tx1"/>
-                </a:solidFill>
-                <a:latin typeface="+mn-lt"/>
-                <a:ea typeface="+mn-ea"/>
-                <a:cs typeface="+mn-cs"/>
-              </a:defRPr>
-            </a:lvl3pPr>
-            <a:lvl4pPr marL="1600200" indent="-228600" algn="l" defTabSz="914400" rtl="0" eaLnBrk="1" latinLnBrk="0" hangingPunct="1">
-              <a:spcBef>
-                <a:spcPct val="20000"/>
-              </a:spcBef>
-              <a:buFont typeface="Arial" pitchFamily="34" charset="0"/>
-              <a:buChar char="–"/>
-              <a:defRPr sz="2000" kern="1200">
-                <a:solidFill>
-                  <a:schemeClr val="tx1"/>
-                </a:solidFill>
-                <a:latin typeface="+mn-lt"/>
-                <a:ea typeface="+mn-ea"/>
-                <a:cs typeface="+mn-cs"/>
-              </a:defRPr>
-            </a:lvl4pPr>
-            <a:lvl5pPr marL="2057400" indent="-228600" algn="l" defTabSz="914400" rtl="0" eaLnBrk="1" latinLnBrk="0" hangingPunct="1">
-              <a:spcBef>
-                <a:spcPct val="20000"/>
-              </a:spcBef>
-              <a:buFont typeface="Arial" pitchFamily="34" charset="0"/>
-              <a:buChar char="»"/>
-              <a:defRPr sz="2000" kern="1200">
-                <a:solidFill>
-                  <a:schemeClr val="tx1"/>
-                </a:solidFill>
-                <a:latin typeface="+mn-lt"/>
-                <a:ea typeface="+mn-ea"/>
-                <a:cs typeface="+mn-cs"/>
-              </a:defRPr>
-            </a:lvl5pPr>
-            <a:lvl6pPr marL="2514600" indent="-228600" algn="l" defTabSz="914400" rtl="0" eaLnBrk="1" latinLnBrk="0" hangingPunct="1">
-              <a:spcBef>
-                <a:spcPct val="20000"/>
-              </a:spcBef>
-              <a:buFont typeface="Arial" pitchFamily="34" charset="0"/>
-              <a:buChar char="•"/>
-              <a:defRPr sz="2000" kern="1200">
-                <a:solidFill>
-                  <a:schemeClr val="tx1"/>
-                </a:solidFill>
-                <a:latin typeface="+mn-lt"/>
-                <a:ea typeface="+mn-ea"/>
-                <a:cs typeface="+mn-cs"/>
-              </a:defRPr>
-            </a:lvl6pPr>
-            <a:lvl7pPr marL="2971800" indent="-228600" algn="l" defTabSz="914400" rtl="0" eaLnBrk="1" latinLnBrk="0" hangingPunct="1">
-              <a:spcBef>
-                <a:spcPct val="20000"/>
-              </a:spcBef>
-              <a:buFont typeface="Arial" pitchFamily="34" charset="0"/>
-              <a:buChar char="•"/>
-              <a:defRPr sz="2000" kern="1200">
-                <a:solidFill>
-                  <a:schemeClr val="tx1"/>
-                </a:solidFill>
-                <a:latin typeface="+mn-lt"/>
-                <a:ea typeface="+mn-ea"/>
-                <a:cs typeface="+mn-cs"/>
-              </a:defRPr>
-            </a:lvl7pPr>
-            <a:lvl8pPr marL="3429000" indent="-228600" algn="l" defTabSz="914400" rtl="0" eaLnBrk="1" latinLnBrk="0" hangingPunct="1">
-              <a:spcBef>
-                <a:spcPct val="20000"/>
-              </a:spcBef>
-              <a:buFont typeface="Arial" pitchFamily="34" charset="0"/>
-              <a:buChar char="•"/>
-              <a:defRPr sz="2000" kern="1200">
-                <a:solidFill>
-                  <a:schemeClr val="tx1"/>
-                </a:solidFill>
-                <a:latin typeface="+mn-lt"/>
-                <a:ea typeface="+mn-ea"/>
-                <a:cs typeface="+mn-cs"/>
-              </a:defRPr>
-            </a:lvl8pPr>
-            <a:lvl9pPr marL="3886200" indent="-228600" algn="l" defTabSz="914400" rtl="0" eaLnBrk="1" latinLnBrk="0" hangingPunct="1">
-              <a:spcBef>
-                <a:spcPct val="20000"/>
-              </a:spcBef>
-              <a:buFont typeface="Arial" pitchFamily="34" charset="0"/>
-              <a:buChar char="•"/>
-              <a:defRPr sz="2000" kern="1200">
-                <a:solidFill>
-                  <a:schemeClr val="tx1"/>
-                </a:solidFill>
-                <a:latin typeface="+mn-lt"/>
-                <a:ea typeface="+mn-ea"/>
-                <a:cs typeface="+mn-cs"/>
-              </a:defRPr>
-            </a:lvl9pPr>
-          </a:lstStyle>
-          <a:p>
-            <a:r>
-              <a:rPr lang="en-US" sz="2400">
-                <a:solidFill>
-                  <a:srgbClr val="000000"/>
-                </a:solidFill>
-              </a:rPr>
-              <a:t>DNS Header</a:t>
-            </a:r>
-            <a:endParaRPr lang="en-US" sz="2400" dirty="0">
-              <a:solidFill>
-                <a:srgbClr val="000000"/>
-              </a:solidFill>
-            </a:endParaRPr>
-          </a:p>
-        </p:txBody>
-      </p:sp>
-      <p:pic>
-        <p:nvPicPr>
-          <p:cNvPr id="5" name="Picture 2">
-            <a:extLst>
-              <a:ext uri="{FF2B5EF4-FFF2-40B4-BE49-F238E27FC236}">
-                <a16:creationId xmlns:a16="http://schemas.microsoft.com/office/drawing/2014/main" id="{D2C714C1-4235-4A1D-81BD-CC57A441926B}"/>
-              </a:ext>
-            </a:extLst>
-          </p:cNvPr>
-          <p:cNvPicPr>
-            <a:picLocks noChangeAspect="1" noChangeArrowheads="1"/>
-          </p:cNvPicPr>
-          <p:nvPr/>
-        </p:nvPicPr>
-        <p:blipFill>
-          <a:blip r:embed="rId2">
-            <a:extLst>
-              <a:ext uri="{28A0092B-C50C-407E-A947-70E740481C1C}">
-                <a14:useLocalDpi xmlns:a14="http://schemas.microsoft.com/office/drawing/2010/main" val="0"/>
-              </a:ext>
-            </a:extLst>
-          </a:blip>
-          <a:srcRect/>
-          <a:stretch>
-            <a:fillRect/>
-          </a:stretch>
-        </p:blipFill>
-        <p:spPr bwMode="auto">
-          <a:xfrm>
-            <a:off x="807759" y="1981200"/>
-            <a:ext cx="7052831" cy="3879057"/>
-          </a:xfrm>
-          <a:prstGeom prst="rect">
-            <a:avLst/>
-          </a:prstGeom>
-          <a:noFill/>
-          <a:extLst>
-            <a:ext uri="{909E8E84-426E-40DD-AFC4-6F175D3DCCD1}">
-              <a14:hiddenFill xmlns:a14="http://schemas.microsoft.com/office/drawing/2010/main">
-                <a:solidFill>
-                  <a:srgbClr val="FFFFFF"/>
-                </a:solidFill>
-              </a14:hiddenFill>
-            </a:ext>
-          </a:extLst>
-        </p:spPr>
-      </p:pic>
-      <p:sp>
-        <p:nvSpPr>
-          <p:cNvPr id="6" name="TextBox 5">
-            <a:extLst>
-              <a:ext uri="{FF2B5EF4-FFF2-40B4-BE49-F238E27FC236}">
-                <a16:creationId xmlns:a16="http://schemas.microsoft.com/office/drawing/2014/main" id="{32D5DEDD-08CD-427C-808E-A549EE03AD7D}"/>
-              </a:ext>
-            </a:extLst>
-          </p:cNvPr>
-          <p:cNvSpPr txBox="1"/>
-          <p:nvPr/>
-        </p:nvSpPr>
-        <p:spPr>
-          <a:xfrm>
-            <a:off x="7841852" y="3642163"/>
-            <a:ext cx="1045585" cy="2400657"/>
-          </a:xfrm>
-          <a:prstGeom prst="rect">
-            <a:avLst/>
-          </a:prstGeom>
-          <a:noFill/>
-        </p:spPr>
-        <p:txBody>
-          <a:bodyPr wrap="square" rtlCol="0">
-            <a:spAutoFit/>
-          </a:bodyPr>
-          <a:lstStyle/>
-          <a:p>
-            <a:r>
-              <a:rPr lang="en-US" sz="1000" dirty="0">
-                <a:solidFill>
-                  <a:srgbClr val="000000"/>
-                </a:solidFill>
-              </a:rPr>
-              <a:t>Photo: </a:t>
-            </a:r>
-            <a:r>
-              <a:rPr lang="en-US" sz="1000" dirty="0">
-                <a:solidFill>
-                  <a:srgbClr val="000000"/>
-                </a:solidFill>
-                <a:hlinkClick r:id="rId3">
-                  <a:extLst>
-                    <a:ext uri="{A12FA001-AC4F-418D-AE19-62706E023703}">
-                      <ahyp:hlinkClr xmlns:ahyp="http://schemas.microsoft.com/office/drawing/2018/hyperlinkcolor" val="tx"/>
-                    </a:ext>
-                  </a:extLst>
-                </a:hlinkClick>
-              </a:rPr>
-              <a:t>https://upload.wikimedia.org/wikipedia/commons/thumb/4/40/Dns_message.jpg/640px-Dns_message.jpg</a:t>
-            </a:r>
-            <a:r>
-              <a:rPr lang="en-US" sz="1000" dirty="0">
-                <a:solidFill>
-                  <a:srgbClr val="000000"/>
-                </a:solidFill>
-              </a:rPr>
-              <a:t> Author: Richard </a:t>
-            </a:r>
-            <a:r>
-              <a:rPr lang="en-US" sz="1000" dirty="0" err="1">
-                <a:solidFill>
-                  <a:srgbClr val="000000"/>
-                </a:solidFill>
-              </a:rPr>
-              <a:t>Bhuleskar</a:t>
-            </a:r>
-            <a:r>
-              <a:rPr lang="en-US" sz="1000" dirty="0">
-                <a:solidFill>
-                  <a:srgbClr val="000000"/>
-                </a:solidFill>
-              </a:rPr>
-              <a:t> License by Creative Commons 2.5</a:t>
-            </a:r>
-          </a:p>
-          <a:p>
-            <a:endParaRPr lang="en-US" sz="1000" dirty="0">
-              <a:solidFill>
-                <a:srgbClr val="000000"/>
-              </a:solidFill>
-            </a:endParaRPr>
-          </a:p>
-        </p:txBody>
-      </p:sp>
     </p:spTree>
     <p:extLst>
       <p:ext uri="{BB962C8B-B14F-4D97-AF65-F5344CB8AC3E}">
-        <p14:creationId xmlns:p14="http://schemas.microsoft.com/office/powerpoint/2010/main" val="1515812716"/>
+        <p14:creationId xmlns:p14="http://schemas.microsoft.com/office/powerpoint/2010/main" val="2178418944"/>
       </p:ext>
     </p:extLst>
   </p:cSld>
@@ -17067,44 +16976,10 @@
       </p:grpSpPr>
       <p:sp>
         <p:nvSpPr>
-          <p:cNvPr id="2" name="Text Placeholder 1">
-            <a:extLst>
-              <a:ext uri="{FF2B5EF4-FFF2-40B4-BE49-F238E27FC236}">
-                <a16:creationId xmlns:a16="http://schemas.microsoft.com/office/drawing/2014/main" id="{639B964C-73F4-4CE6-97D4-A6807F9BDC27}"/>
-              </a:ext>
-            </a:extLst>
-          </p:cNvPr>
-          <p:cNvSpPr>
-            <a:spLocks noGrp="1"/>
-          </p:cNvSpPr>
-          <p:nvPr>
-            <p:ph type="body" sz="quarter" idx="10"/>
-          </p:nvPr>
-        </p:nvSpPr>
-        <p:spPr/>
-        <p:txBody>
-          <a:bodyPr anchor="ctr"/>
-          <a:lstStyle/>
-          <a:p>
-            <a:pPr marL="0" indent="0" algn="ctr">
-              <a:buNone/>
-            </a:pPr>
-            <a:r>
-              <a:rPr lang="en-US" sz="3000" kern="0" dirty="0">
-                <a:latin typeface="Calibri" panose="020F0502020204030204" pitchFamily="34" charset="0"/>
-                <a:cs typeface="Calibri" panose="020F0502020204030204" pitchFamily="34" charset="0"/>
-              </a:rPr>
-              <a:t>Exercise12.pcap</a:t>
-            </a:r>
-          </a:p>
-        </p:txBody>
-      </p:sp>
-      <p:sp>
-        <p:nvSpPr>
           <p:cNvPr id="3" name="Text Placeholder 2">
             <a:extLst>
               <a:ext uri="{FF2B5EF4-FFF2-40B4-BE49-F238E27FC236}">
-                <a16:creationId xmlns:a16="http://schemas.microsoft.com/office/drawing/2014/main" id="{9A77A27E-AB4D-49F2-B16E-F63580B91E7E}"/>
+                <a16:creationId xmlns:a16="http://schemas.microsoft.com/office/drawing/2014/main" id="{DBAAA022-4A0C-4DE7-AEF9-87ED41313261}"/>
               </a:ext>
             </a:extLst>
           </p:cNvPr>
@@ -17127,10 +17002,333 @@
           </a:p>
         </p:txBody>
       </p:sp>
+      <p:pic>
+        <p:nvPicPr>
+          <p:cNvPr id="7" name="Picture 6">
+            <a:extLst>
+              <a:ext uri="{FF2B5EF4-FFF2-40B4-BE49-F238E27FC236}">
+                <a16:creationId xmlns:a16="http://schemas.microsoft.com/office/drawing/2014/main" id="{174EC875-206E-413F-989C-377AA015ECA9}"/>
+              </a:ext>
+            </a:extLst>
+          </p:cNvPr>
+          <p:cNvPicPr>
+            <a:picLocks noChangeAspect="1"/>
+          </p:cNvPicPr>
+          <p:nvPr/>
+        </p:nvPicPr>
+        <p:blipFill>
+          <a:blip r:embed="rId2"/>
+          <a:stretch>
+            <a:fillRect/>
+          </a:stretch>
+        </p:blipFill>
+        <p:spPr>
+          <a:xfrm>
+            <a:off x="869659" y="3581400"/>
+            <a:ext cx="6858000" cy="2263544"/>
+          </a:xfrm>
+          <a:prstGeom prst="rect">
+            <a:avLst/>
+          </a:prstGeom>
+        </p:spPr>
+      </p:pic>
+      <p:sp>
+        <p:nvSpPr>
+          <p:cNvPr id="8" name="Content Placeholder 2">
+            <a:extLst>
+              <a:ext uri="{FF2B5EF4-FFF2-40B4-BE49-F238E27FC236}">
+                <a16:creationId xmlns:a16="http://schemas.microsoft.com/office/drawing/2014/main" id="{109B0098-7B5D-427E-9CA7-F73A25F9B3BE}"/>
+              </a:ext>
+            </a:extLst>
+          </p:cNvPr>
+          <p:cNvSpPr txBox="1">
+            <a:spLocks/>
+          </p:cNvSpPr>
+          <p:nvPr/>
+        </p:nvSpPr>
+        <p:spPr>
+          <a:xfrm>
+            <a:off x="260059" y="1340978"/>
+            <a:ext cx="8229600" cy="4525963"/>
+          </a:xfrm>
+          <a:prstGeom prst="rect">
+            <a:avLst/>
+          </a:prstGeom>
+        </p:spPr>
+        <p:txBody>
+          <a:bodyPr/>
+          <a:lstStyle>
+            <a:lvl1pPr marL="342900" indent="-342900" algn="l" defTabSz="914400" rtl="0" eaLnBrk="1" latinLnBrk="0" hangingPunct="1">
+              <a:spcBef>
+                <a:spcPct val="20000"/>
+              </a:spcBef>
+              <a:buFont typeface="Arial" pitchFamily="34" charset="0"/>
+              <a:buChar char="•"/>
+              <a:defRPr sz="3200" kern="1200">
+                <a:solidFill>
+                  <a:schemeClr val="tx1"/>
+                </a:solidFill>
+                <a:latin typeface="+mn-lt"/>
+                <a:ea typeface="+mn-ea"/>
+                <a:cs typeface="+mn-cs"/>
+              </a:defRPr>
+            </a:lvl1pPr>
+            <a:lvl2pPr marL="742950" indent="-285750" algn="l" defTabSz="914400" rtl="0" eaLnBrk="1" latinLnBrk="0" hangingPunct="1">
+              <a:spcBef>
+                <a:spcPct val="20000"/>
+              </a:spcBef>
+              <a:buFont typeface="Arial" pitchFamily="34" charset="0"/>
+              <a:buChar char="–"/>
+              <a:defRPr sz="2800" kern="1200">
+                <a:solidFill>
+                  <a:schemeClr val="tx1"/>
+                </a:solidFill>
+                <a:latin typeface="+mn-lt"/>
+                <a:ea typeface="+mn-ea"/>
+                <a:cs typeface="+mn-cs"/>
+              </a:defRPr>
+            </a:lvl2pPr>
+            <a:lvl3pPr marL="1143000" indent="-228600" algn="l" defTabSz="914400" rtl="0" eaLnBrk="1" latinLnBrk="0" hangingPunct="1">
+              <a:spcBef>
+                <a:spcPct val="20000"/>
+              </a:spcBef>
+              <a:buFont typeface="Arial" pitchFamily="34" charset="0"/>
+              <a:buChar char="•"/>
+              <a:defRPr sz="2400" kern="1200">
+                <a:solidFill>
+                  <a:schemeClr val="tx1"/>
+                </a:solidFill>
+                <a:latin typeface="+mn-lt"/>
+                <a:ea typeface="+mn-ea"/>
+                <a:cs typeface="+mn-cs"/>
+              </a:defRPr>
+            </a:lvl3pPr>
+            <a:lvl4pPr marL="1600200" indent="-228600" algn="l" defTabSz="914400" rtl="0" eaLnBrk="1" latinLnBrk="0" hangingPunct="1">
+              <a:spcBef>
+                <a:spcPct val="20000"/>
+              </a:spcBef>
+              <a:buFont typeface="Arial" pitchFamily="34" charset="0"/>
+              <a:buChar char="–"/>
+              <a:defRPr sz="2000" kern="1200">
+                <a:solidFill>
+                  <a:schemeClr val="tx1"/>
+                </a:solidFill>
+                <a:latin typeface="+mn-lt"/>
+                <a:ea typeface="+mn-ea"/>
+                <a:cs typeface="+mn-cs"/>
+              </a:defRPr>
+            </a:lvl4pPr>
+            <a:lvl5pPr marL="2057400" indent="-228600" algn="l" defTabSz="914400" rtl="0" eaLnBrk="1" latinLnBrk="0" hangingPunct="1">
+              <a:spcBef>
+                <a:spcPct val="20000"/>
+              </a:spcBef>
+              <a:buFont typeface="Arial" pitchFamily="34" charset="0"/>
+              <a:buChar char="»"/>
+              <a:defRPr sz="2000" kern="1200">
+                <a:solidFill>
+                  <a:schemeClr val="tx1"/>
+                </a:solidFill>
+                <a:latin typeface="+mn-lt"/>
+                <a:ea typeface="+mn-ea"/>
+                <a:cs typeface="+mn-cs"/>
+              </a:defRPr>
+            </a:lvl5pPr>
+            <a:lvl6pPr marL="2514600" indent="-228600" algn="l" defTabSz="914400" rtl="0" eaLnBrk="1" latinLnBrk="0" hangingPunct="1">
+              <a:spcBef>
+                <a:spcPct val="20000"/>
+              </a:spcBef>
+              <a:buFont typeface="Arial" pitchFamily="34" charset="0"/>
+              <a:buChar char="•"/>
+              <a:defRPr sz="2000" kern="1200">
+                <a:solidFill>
+                  <a:schemeClr val="tx1"/>
+                </a:solidFill>
+                <a:latin typeface="+mn-lt"/>
+                <a:ea typeface="+mn-ea"/>
+                <a:cs typeface="+mn-cs"/>
+              </a:defRPr>
+            </a:lvl6pPr>
+            <a:lvl7pPr marL="2971800" indent="-228600" algn="l" defTabSz="914400" rtl="0" eaLnBrk="1" latinLnBrk="0" hangingPunct="1">
+              <a:spcBef>
+                <a:spcPct val="20000"/>
+              </a:spcBef>
+              <a:buFont typeface="Arial" pitchFamily="34" charset="0"/>
+              <a:buChar char="•"/>
+              <a:defRPr sz="2000" kern="1200">
+                <a:solidFill>
+                  <a:schemeClr val="tx1"/>
+                </a:solidFill>
+                <a:latin typeface="+mn-lt"/>
+                <a:ea typeface="+mn-ea"/>
+                <a:cs typeface="+mn-cs"/>
+              </a:defRPr>
+            </a:lvl7pPr>
+            <a:lvl8pPr marL="3429000" indent="-228600" algn="l" defTabSz="914400" rtl="0" eaLnBrk="1" latinLnBrk="0" hangingPunct="1">
+              <a:spcBef>
+                <a:spcPct val="20000"/>
+              </a:spcBef>
+              <a:buFont typeface="Arial" pitchFamily="34" charset="0"/>
+              <a:buChar char="•"/>
+              <a:defRPr sz="2000" kern="1200">
+                <a:solidFill>
+                  <a:schemeClr val="tx1"/>
+                </a:solidFill>
+                <a:latin typeface="+mn-lt"/>
+                <a:ea typeface="+mn-ea"/>
+                <a:cs typeface="+mn-cs"/>
+              </a:defRPr>
+            </a:lvl8pPr>
+            <a:lvl9pPr marL="3886200" indent="-228600" algn="l" defTabSz="914400" rtl="0" eaLnBrk="1" latinLnBrk="0" hangingPunct="1">
+              <a:spcBef>
+                <a:spcPct val="20000"/>
+              </a:spcBef>
+              <a:buFont typeface="Arial" pitchFamily="34" charset="0"/>
+              <a:buChar char="•"/>
+              <a:defRPr sz="2000" kern="1200">
+                <a:solidFill>
+                  <a:schemeClr val="tx1"/>
+                </a:solidFill>
+                <a:latin typeface="+mn-lt"/>
+                <a:ea typeface="+mn-ea"/>
+                <a:cs typeface="+mn-cs"/>
+              </a:defRPr>
+            </a:lvl9pPr>
+          </a:lstStyle>
+          <a:p>
+            <a:r>
+              <a:rPr lang="en-US" sz="2400">
+                <a:solidFill>
+                  <a:srgbClr val="000000"/>
+                </a:solidFill>
+                <a:sym typeface="Wingdings" panose="05000000000000000000" pitchFamily="2" charset="2"/>
+              </a:rPr>
+              <a:t>Internet Control Message Protocol (ICMP)</a:t>
+            </a:r>
+            <a:endParaRPr lang="en-US" sz="1800">
+              <a:solidFill>
+                <a:srgbClr val="000000"/>
+              </a:solidFill>
+              <a:sym typeface="Wingdings" panose="05000000000000000000" pitchFamily="2" charset="2"/>
+            </a:endParaRPr>
+          </a:p>
+          <a:p>
+            <a:pPr lvl="1"/>
+            <a:r>
+              <a:rPr lang="en-US" sz="2400">
+                <a:solidFill>
+                  <a:srgbClr val="000000"/>
+                </a:solidFill>
+                <a:sym typeface="Wingdings" panose="05000000000000000000" pitchFamily="2" charset="2"/>
+              </a:rPr>
+              <a:t>Used for sending control and error messages</a:t>
+            </a:r>
+          </a:p>
+          <a:p>
+            <a:pPr lvl="1"/>
+            <a:r>
+              <a:rPr lang="en-US" sz="2400">
+                <a:solidFill>
+                  <a:srgbClr val="000000"/>
+                </a:solidFill>
+                <a:sym typeface="Wingdings" panose="05000000000000000000" pitchFamily="2" charset="2"/>
+              </a:rPr>
+              <a:t>Includes ping and traceroute (echo request/reply)</a:t>
+            </a:r>
+          </a:p>
+          <a:p>
+            <a:pPr lvl="1"/>
+            <a:r>
+              <a:rPr lang="en-US" sz="2400">
+                <a:solidFill>
+                  <a:srgbClr val="000000"/>
+                </a:solidFill>
+                <a:sym typeface="Wingdings" panose="05000000000000000000" pitchFamily="2" charset="2"/>
+              </a:rPr>
+              <a:t>Used to fly under the radar – Loki -&gt; ptunnel</a:t>
+            </a:r>
+          </a:p>
+          <a:p>
+            <a:pPr lvl="1"/>
+            <a:r>
+              <a:rPr lang="en-US" sz="2400">
+                <a:solidFill>
+                  <a:srgbClr val="000000"/>
+                </a:solidFill>
+                <a:sym typeface="Wingdings" panose="05000000000000000000" pitchFamily="2" charset="2"/>
+              </a:rPr>
+              <a:t>Attach data to ping packet by using –p (LINUX)</a:t>
+            </a:r>
+          </a:p>
+          <a:p>
+            <a:pPr lvl="1"/>
+            <a:endParaRPr lang="en-US" sz="2400">
+              <a:solidFill>
+                <a:srgbClr val="000000"/>
+              </a:solidFill>
+              <a:sym typeface="Wingdings" panose="05000000000000000000" pitchFamily="2" charset="2"/>
+            </a:endParaRPr>
+          </a:p>
+          <a:p>
+            <a:pPr lvl="1"/>
+            <a:endParaRPr lang="en-US" sz="2400" dirty="0">
+              <a:solidFill>
+                <a:srgbClr val="000000"/>
+              </a:solidFill>
+              <a:sym typeface="Wingdings" panose="05000000000000000000" pitchFamily="2" charset="2"/>
+            </a:endParaRPr>
+          </a:p>
+        </p:txBody>
+      </p:sp>
+      <p:sp>
+        <p:nvSpPr>
+          <p:cNvPr id="9" name="TextBox 8">
+            <a:extLst>
+              <a:ext uri="{FF2B5EF4-FFF2-40B4-BE49-F238E27FC236}">
+                <a16:creationId xmlns:a16="http://schemas.microsoft.com/office/drawing/2014/main" id="{49FF39E5-8791-49F3-A5BB-F283FBB14CE5}"/>
+              </a:ext>
+            </a:extLst>
+          </p:cNvPr>
+          <p:cNvSpPr txBox="1"/>
+          <p:nvPr/>
+        </p:nvSpPr>
+        <p:spPr>
+          <a:xfrm>
+            <a:off x="7880059" y="5074778"/>
+            <a:ext cx="914400" cy="707886"/>
+          </a:xfrm>
+          <a:prstGeom prst="rect">
+            <a:avLst/>
+          </a:prstGeom>
+          <a:noFill/>
+        </p:spPr>
+        <p:txBody>
+          <a:bodyPr wrap="square" rtlCol="0">
+            <a:spAutoFit/>
+          </a:bodyPr>
+          <a:lstStyle/>
+          <a:p>
+            <a:r>
+              <a:rPr lang="en-US" sz="1000" dirty="0">
+                <a:solidFill>
+                  <a:srgbClr val="000000"/>
+                </a:solidFill>
+              </a:rPr>
+              <a:t>Screenshot from ICMP RFC</a:t>
+            </a:r>
+          </a:p>
+          <a:p>
+            <a:endParaRPr lang="en-US" sz="1000" dirty="0">
+              <a:solidFill>
+                <a:srgbClr val="000000"/>
+              </a:solidFill>
+            </a:endParaRPr>
+          </a:p>
+        </p:txBody>
+      </p:sp>
     </p:spTree>
     <p:extLst>
       <p:ext uri="{BB962C8B-B14F-4D97-AF65-F5344CB8AC3E}">
-        <p14:creationId xmlns:p14="http://schemas.microsoft.com/office/powerpoint/2010/main" val="2178418944"/>
+        <p14:creationId xmlns:p14="http://schemas.microsoft.com/office/powerpoint/2010/main" val="1560527666"/>
       </p:ext>
     </p:extLst>
   </p:cSld>
@@ -17159,10 +17357,44 @@
       </p:grpSpPr>
       <p:sp>
         <p:nvSpPr>
+          <p:cNvPr id="2" name="Text Placeholder 1">
+            <a:extLst>
+              <a:ext uri="{FF2B5EF4-FFF2-40B4-BE49-F238E27FC236}">
+                <a16:creationId xmlns:a16="http://schemas.microsoft.com/office/drawing/2014/main" id="{78CF5F7F-838F-4E26-A223-89325213F9AD}"/>
+              </a:ext>
+            </a:extLst>
+          </p:cNvPr>
+          <p:cNvSpPr>
+            <a:spLocks noGrp="1"/>
+          </p:cNvSpPr>
+          <p:nvPr>
+            <p:ph type="body" sz="quarter" idx="10"/>
+          </p:nvPr>
+        </p:nvSpPr>
+        <p:spPr/>
+        <p:txBody>
+          <a:bodyPr anchor="ctr"/>
+          <a:lstStyle/>
+          <a:p>
+            <a:pPr marL="0" indent="0" algn="ctr">
+              <a:buNone/>
+            </a:pPr>
+            <a:r>
+              <a:rPr lang="en-US" sz="3000" kern="0" dirty="0">
+                <a:latin typeface="Calibri" panose="020F0502020204030204" pitchFamily="34" charset="0"/>
+                <a:cs typeface="Calibri" panose="020F0502020204030204" pitchFamily="34" charset="0"/>
+              </a:rPr>
+              <a:t>Exercise8.pcap</a:t>
+            </a:r>
+          </a:p>
+        </p:txBody>
+      </p:sp>
+      <p:sp>
+        <p:nvSpPr>
           <p:cNvPr id="3" name="Text Placeholder 2">
             <a:extLst>
               <a:ext uri="{FF2B5EF4-FFF2-40B4-BE49-F238E27FC236}">
-                <a16:creationId xmlns:a16="http://schemas.microsoft.com/office/drawing/2014/main" id="{DBAAA022-4A0C-4DE7-AEF9-87ED41313261}"/>
+                <a16:creationId xmlns:a16="http://schemas.microsoft.com/office/drawing/2014/main" id="{C7DA17BA-5BCB-4294-A299-37BE0424C1EC}"/>
               </a:ext>
             </a:extLst>
           </p:cNvPr>
@@ -17185,333 +17417,10 @@
           </a:p>
         </p:txBody>
       </p:sp>
-      <p:pic>
-        <p:nvPicPr>
-          <p:cNvPr id="7" name="Picture 6">
-            <a:extLst>
-              <a:ext uri="{FF2B5EF4-FFF2-40B4-BE49-F238E27FC236}">
-                <a16:creationId xmlns:a16="http://schemas.microsoft.com/office/drawing/2014/main" id="{174EC875-206E-413F-989C-377AA015ECA9}"/>
-              </a:ext>
-            </a:extLst>
-          </p:cNvPr>
-          <p:cNvPicPr>
-            <a:picLocks noChangeAspect="1"/>
-          </p:cNvPicPr>
-          <p:nvPr/>
-        </p:nvPicPr>
-        <p:blipFill>
-          <a:blip r:embed="rId2"/>
-          <a:stretch>
-            <a:fillRect/>
-          </a:stretch>
-        </p:blipFill>
-        <p:spPr>
-          <a:xfrm>
-            <a:off x="869659" y="3581400"/>
-            <a:ext cx="6858000" cy="2263544"/>
-          </a:xfrm>
-          <a:prstGeom prst="rect">
-            <a:avLst/>
-          </a:prstGeom>
-        </p:spPr>
-      </p:pic>
-      <p:sp>
-        <p:nvSpPr>
-          <p:cNvPr id="8" name="Content Placeholder 2">
-            <a:extLst>
-              <a:ext uri="{FF2B5EF4-FFF2-40B4-BE49-F238E27FC236}">
-                <a16:creationId xmlns:a16="http://schemas.microsoft.com/office/drawing/2014/main" id="{109B0098-7B5D-427E-9CA7-F73A25F9B3BE}"/>
-              </a:ext>
-            </a:extLst>
-          </p:cNvPr>
-          <p:cNvSpPr txBox="1">
-            <a:spLocks/>
-          </p:cNvSpPr>
-          <p:nvPr/>
-        </p:nvSpPr>
-        <p:spPr>
-          <a:xfrm>
-            <a:off x="260059" y="1340978"/>
-            <a:ext cx="8229600" cy="4525963"/>
-          </a:xfrm>
-          <a:prstGeom prst="rect">
-            <a:avLst/>
-          </a:prstGeom>
-        </p:spPr>
-        <p:txBody>
-          <a:bodyPr/>
-          <a:lstStyle>
-            <a:lvl1pPr marL="342900" indent="-342900" algn="l" defTabSz="914400" rtl="0" eaLnBrk="1" latinLnBrk="0" hangingPunct="1">
-              <a:spcBef>
-                <a:spcPct val="20000"/>
-              </a:spcBef>
-              <a:buFont typeface="Arial" pitchFamily="34" charset="0"/>
-              <a:buChar char="•"/>
-              <a:defRPr sz="3200" kern="1200">
-                <a:solidFill>
-                  <a:schemeClr val="tx1"/>
-                </a:solidFill>
-                <a:latin typeface="+mn-lt"/>
-                <a:ea typeface="+mn-ea"/>
-                <a:cs typeface="+mn-cs"/>
-              </a:defRPr>
-            </a:lvl1pPr>
-            <a:lvl2pPr marL="742950" indent="-285750" algn="l" defTabSz="914400" rtl="0" eaLnBrk="1" latinLnBrk="0" hangingPunct="1">
-              <a:spcBef>
-                <a:spcPct val="20000"/>
-              </a:spcBef>
-              <a:buFont typeface="Arial" pitchFamily="34" charset="0"/>
-              <a:buChar char="–"/>
-              <a:defRPr sz="2800" kern="1200">
-                <a:solidFill>
-                  <a:schemeClr val="tx1"/>
-                </a:solidFill>
-                <a:latin typeface="+mn-lt"/>
-                <a:ea typeface="+mn-ea"/>
-                <a:cs typeface="+mn-cs"/>
-              </a:defRPr>
-            </a:lvl2pPr>
-            <a:lvl3pPr marL="1143000" indent="-228600" algn="l" defTabSz="914400" rtl="0" eaLnBrk="1" latinLnBrk="0" hangingPunct="1">
-              <a:spcBef>
-                <a:spcPct val="20000"/>
-              </a:spcBef>
-              <a:buFont typeface="Arial" pitchFamily="34" charset="0"/>
-              <a:buChar char="•"/>
-              <a:defRPr sz="2400" kern="1200">
-                <a:solidFill>
-                  <a:schemeClr val="tx1"/>
-                </a:solidFill>
-                <a:latin typeface="+mn-lt"/>
-                <a:ea typeface="+mn-ea"/>
-                <a:cs typeface="+mn-cs"/>
-              </a:defRPr>
-            </a:lvl3pPr>
-            <a:lvl4pPr marL="1600200" indent="-228600" algn="l" defTabSz="914400" rtl="0" eaLnBrk="1" latinLnBrk="0" hangingPunct="1">
-              <a:spcBef>
-                <a:spcPct val="20000"/>
-              </a:spcBef>
-              <a:buFont typeface="Arial" pitchFamily="34" charset="0"/>
-              <a:buChar char="–"/>
-              <a:defRPr sz="2000" kern="1200">
-                <a:solidFill>
-                  <a:schemeClr val="tx1"/>
-                </a:solidFill>
-                <a:latin typeface="+mn-lt"/>
-                <a:ea typeface="+mn-ea"/>
-                <a:cs typeface="+mn-cs"/>
-              </a:defRPr>
-            </a:lvl4pPr>
-            <a:lvl5pPr marL="2057400" indent="-228600" algn="l" defTabSz="914400" rtl="0" eaLnBrk="1" latinLnBrk="0" hangingPunct="1">
-              <a:spcBef>
-                <a:spcPct val="20000"/>
-              </a:spcBef>
-              <a:buFont typeface="Arial" pitchFamily="34" charset="0"/>
-              <a:buChar char="»"/>
-              <a:defRPr sz="2000" kern="1200">
-                <a:solidFill>
-                  <a:schemeClr val="tx1"/>
-                </a:solidFill>
-                <a:latin typeface="+mn-lt"/>
-                <a:ea typeface="+mn-ea"/>
-                <a:cs typeface="+mn-cs"/>
-              </a:defRPr>
-            </a:lvl5pPr>
-            <a:lvl6pPr marL="2514600" indent="-228600" algn="l" defTabSz="914400" rtl="0" eaLnBrk="1" latinLnBrk="0" hangingPunct="1">
-              <a:spcBef>
-                <a:spcPct val="20000"/>
-              </a:spcBef>
-              <a:buFont typeface="Arial" pitchFamily="34" charset="0"/>
-              <a:buChar char="•"/>
-              <a:defRPr sz="2000" kern="1200">
-                <a:solidFill>
-                  <a:schemeClr val="tx1"/>
-                </a:solidFill>
-                <a:latin typeface="+mn-lt"/>
-                <a:ea typeface="+mn-ea"/>
-                <a:cs typeface="+mn-cs"/>
-              </a:defRPr>
-            </a:lvl6pPr>
-            <a:lvl7pPr marL="2971800" indent="-228600" algn="l" defTabSz="914400" rtl="0" eaLnBrk="1" latinLnBrk="0" hangingPunct="1">
-              <a:spcBef>
-                <a:spcPct val="20000"/>
-              </a:spcBef>
-              <a:buFont typeface="Arial" pitchFamily="34" charset="0"/>
-              <a:buChar char="•"/>
-              <a:defRPr sz="2000" kern="1200">
-                <a:solidFill>
-                  <a:schemeClr val="tx1"/>
-                </a:solidFill>
-                <a:latin typeface="+mn-lt"/>
-                <a:ea typeface="+mn-ea"/>
-                <a:cs typeface="+mn-cs"/>
-              </a:defRPr>
-            </a:lvl7pPr>
-            <a:lvl8pPr marL="3429000" indent="-228600" algn="l" defTabSz="914400" rtl="0" eaLnBrk="1" latinLnBrk="0" hangingPunct="1">
-              <a:spcBef>
-                <a:spcPct val="20000"/>
-              </a:spcBef>
-              <a:buFont typeface="Arial" pitchFamily="34" charset="0"/>
-              <a:buChar char="•"/>
-              <a:defRPr sz="2000" kern="1200">
-                <a:solidFill>
-                  <a:schemeClr val="tx1"/>
-                </a:solidFill>
-                <a:latin typeface="+mn-lt"/>
-                <a:ea typeface="+mn-ea"/>
-                <a:cs typeface="+mn-cs"/>
-              </a:defRPr>
-            </a:lvl8pPr>
-            <a:lvl9pPr marL="3886200" indent="-228600" algn="l" defTabSz="914400" rtl="0" eaLnBrk="1" latinLnBrk="0" hangingPunct="1">
-              <a:spcBef>
-                <a:spcPct val="20000"/>
-              </a:spcBef>
-              <a:buFont typeface="Arial" pitchFamily="34" charset="0"/>
-              <a:buChar char="•"/>
-              <a:defRPr sz="2000" kern="1200">
-                <a:solidFill>
-                  <a:schemeClr val="tx1"/>
-                </a:solidFill>
-                <a:latin typeface="+mn-lt"/>
-                <a:ea typeface="+mn-ea"/>
-                <a:cs typeface="+mn-cs"/>
-              </a:defRPr>
-            </a:lvl9pPr>
-          </a:lstStyle>
-          <a:p>
-            <a:r>
-              <a:rPr lang="en-US" sz="2400">
-                <a:solidFill>
-                  <a:srgbClr val="000000"/>
-                </a:solidFill>
-                <a:sym typeface="Wingdings" panose="05000000000000000000" pitchFamily="2" charset="2"/>
-              </a:rPr>
-              <a:t>Internet Control Message Protocol (ICMP)</a:t>
-            </a:r>
-            <a:endParaRPr lang="en-US" sz="1800">
-              <a:solidFill>
-                <a:srgbClr val="000000"/>
-              </a:solidFill>
-              <a:sym typeface="Wingdings" panose="05000000000000000000" pitchFamily="2" charset="2"/>
-            </a:endParaRPr>
-          </a:p>
-          <a:p>
-            <a:pPr lvl="1"/>
-            <a:r>
-              <a:rPr lang="en-US" sz="2400">
-                <a:solidFill>
-                  <a:srgbClr val="000000"/>
-                </a:solidFill>
-                <a:sym typeface="Wingdings" panose="05000000000000000000" pitchFamily="2" charset="2"/>
-              </a:rPr>
-              <a:t>Used for sending control and error messages</a:t>
-            </a:r>
-          </a:p>
-          <a:p>
-            <a:pPr lvl="1"/>
-            <a:r>
-              <a:rPr lang="en-US" sz="2400">
-                <a:solidFill>
-                  <a:srgbClr val="000000"/>
-                </a:solidFill>
-                <a:sym typeface="Wingdings" panose="05000000000000000000" pitchFamily="2" charset="2"/>
-              </a:rPr>
-              <a:t>Includes ping and traceroute (echo request/reply)</a:t>
-            </a:r>
-          </a:p>
-          <a:p>
-            <a:pPr lvl="1"/>
-            <a:r>
-              <a:rPr lang="en-US" sz="2400">
-                <a:solidFill>
-                  <a:srgbClr val="000000"/>
-                </a:solidFill>
-                <a:sym typeface="Wingdings" panose="05000000000000000000" pitchFamily="2" charset="2"/>
-              </a:rPr>
-              <a:t>Used to fly under the radar – Loki -&gt; ptunnel</a:t>
-            </a:r>
-          </a:p>
-          <a:p>
-            <a:pPr lvl="1"/>
-            <a:r>
-              <a:rPr lang="en-US" sz="2400">
-                <a:solidFill>
-                  <a:srgbClr val="000000"/>
-                </a:solidFill>
-                <a:sym typeface="Wingdings" panose="05000000000000000000" pitchFamily="2" charset="2"/>
-              </a:rPr>
-              <a:t>Attach data to ping packet by using –p (LINUX)</a:t>
-            </a:r>
-          </a:p>
-          <a:p>
-            <a:pPr lvl="1"/>
-            <a:endParaRPr lang="en-US" sz="2400">
-              <a:solidFill>
-                <a:srgbClr val="000000"/>
-              </a:solidFill>
-              <a:sym typeface="Wingdings" panose="05000000000000000000" pitchFamily="2" charset="2"/>
-            </a:endParaRPr>
-          </a:p>
-          <a:p>
-            <a:pPr lvl="1"/>
-            <a:endParaRPr lang="en-US" sz="2400" dirty="0">
-              <a:solidFill>
-                <a:srgbClr val="000000"/>
-              </a:solidFill>
-              <a:sym typeface="Wingdings" panose="05000000000000000000" pitchFamily="2" charset="2"/>
-            </a:endParaRPr>
-          </a:p>
-        </p:txBody>
-      </p:sp>
-      <p:sp>
-        <p:nvSpPr>
-          <p:cNvPr id="9" name="TextBox 8">
-            <a:extLst>
-              <a:ext uri="{FF2B5EF4-FFF2-40B4-BE49-F238E27FC236}">
-                <a16:creationId xmlns:a16="http://schemas.microsoft.com/office/drawing/2014/main" id="{49FF39E5-8791-49F3-A5BB-F283FBB14CE5}"/>
-              </a:ext>
-            </a:extLst>
-          </p:cNvPr>
-          <p:cNvSpPr txBox="1"/>
-          <p:nvPr/>
-        </p:nvSpPr>
-        <p:spPr>
-          <a:xfrm>
-            <a:off x="7880059" y="5074778"/>
-            <a:ext cx="914400" cy="707886"/>
-          </a:xfrm>
-          <a:prstGeom prst="rect">
-            <a:avLst/>
-          </a:prstGeom>
-          <a:noFill/>
-        </p:spPr>
-        <p:txBody>
-          <a:bodyPr wrap="square" rtlCol="0">
-            <a:spAutoFit/>
-          </a:bodyPr>
-          <a:lstStyle/>
-          <a:p>
-            <a:r>
-              <a:rPr lang="en-US" sz="1000" dirty="0">
-                <a:solidFill>
-                  <a:srgbClr val="000000"/>
-                </a:solidFill>
-              </a:rPr>
-              <a:t>Screenshot from ICMP RFC</a:t>
-            </a:r>
-          </a:p>
-          <a:p>
-            <a:endParaRPr lang="en-US" sz="1000" dirty="0">
-              <a:solidFill>
-                <a:srgbClr val="000000"/>
-              </a:solidFill>
-            </a:endParaRPr>
-          </a:p>
-        </p:txBody>
-      </p:sp>
     </p:spTree>
     <p:extLst>
       <p:ext uri="{BB962C8B-B14F-4D97-AF65-F5344CB8AC3E}">
-        <p14:creationId xmlns:p14="http://schemas.microsoft.com/office/powerpoint/2010/main" val="1560527666"/>
+        <p14:creationId xmlns:p14="http://schemas.microsoft.com/office/powerpoint/2010/main" val="826166401"/>
       </p:ext>
     </p:extLst>
   </p:cSld>
@@ -17543,7 +17452,7 @@
           <p:cNvPr id="2" name="Text Placeholder 1">
             <a:extLst>
               <a:ext uri="{FF2B5EF4-FFF2-40B4-BE49-F238E27FC236}">
-                <a16:creationId xmlns:a16="http://schemas.microsoft.com/office/drawing/2014/main" id="{78CF5F7F-838F-4E26-A223-89325213F9AD}"/>
+                <a16:creationId xmlns:a16="http://schemas.microsoft.com/office/drawing/2014/main" id="{CFBA8D72-A041-4D53-9D86-76441F90F27E}"/>
               </a:ext>
             </a:extLst>
           </p:cNvPr>
@@ -17556,19 +17465,108 @@
         </p:nvSpPr>
         <p:spPr/>
         <p:txBody>
-          <a:bodyPr anchor="ctr"/>
+          <a:bodyPr/>
           <a:lstStyle/>
           <a:p>
-            <a:pPr marL="0" indent="0" algn="ctr">
+            <a:r>
+              <a:rPr lang="en-US" sz="2400" dirty="0">
+                <a:sym typeface="Wingdings" panose="05000000000000000000" pitchFamily="2" charset="2"/>
+              </a:rPr>
+              <a:t>Steganography</a:t>
+            </a:r>
+          </a:p>
+          <a:p>
+            <a:pPr lvl="1"/>
+            <a:r>
+              <a:rPr lang="en-US" sz="2400" dirty="0">
+                <a:sym typeface="Wingdings" panose="05000000000000000000" pitchFamily="2" charset="2"/>
+              </a:rPr>
+              <a:t>Art &amp; science of writing hidden messages in a way that no one, apart from sender/recipient, suspects the existence of the message, a form of security through obscurity.</a:t>
+            </a:r>
+          </a:p>
+          <a:p>
+            <a:pPr lvl="1"/>
+            <a:r>
+              <a:rPr lang="en-US" sz="2400" dirty="0">
+                <a:sym typeface="Wingdings" panose="05000000000000000000" pitchFamily="2" charset="2"/>
+              </a:rPr>
+              <a:t>Greek – “Concealed writing”</a:t>
+            </a:r>
+          </a:p>
+          <a:p>
+            <a:pPr lvl="1"/>
+            <a:r>
+              <a:rPr lang="en-US" sz="2400" dirty="0">
+                <a:sym typeface="Wingdings" panose="05000000000000000000" pitchFamily="2" charset="2"/>
+              </a:rPr>
+              <a:t>Pictures, audio, text, files</a:t>
+            </a:r>
+          </a:p>
+          <a:p>
+            <a:pPr lvl="1"/>
+            <a:r>
+              <a:rPr lang="en-US" sz="2400" dirty="0" err="1">
+                <a:sym typeface="Wingdings" panose="05000000000000000000" pitchFamily="2" charset="2"/>
+              </a:rPr>
+              <a:t>Steganalysis</a:t>
+            </a:r>
+            <a:endParaRPr lang="en-US" sz="2400" dirty="0">
+              <a:sym typeface="Wingdings" panose="05000000000000000000" pitchFamily="2" charset="2"/>
+            </a:endParaRPr>
+          </a:p>
+          <a:p>
+            <a:pPr lvl="1"/>
+            <a:r>
+              <a:rPr lang="en-US" sz="2400" dirty="0" err="1">
+                <a:sym typeface="Wingdings" panose="05000000000000000000" pitchFamily="2" charset="2"/>
+              </a:rPr>
+              <a:t>Steghide</a:t>
+            </a:r>
+            <a:r>
+              <a:rPr lang="en-US" sz="2400" dirty="0">
+                <a:sym typeface="Wingdings" panose="05000000000000000000" pitchFamily="2" charset="2"/>
+              </a:rPr>
+              <a:t>, </a:t>
+            </a:r>
+            <a:r>
+              <a:rPr lang="en-US" sz="2400" dirty="0" err="1">
+                <a:sym typeface="Wingdings" panose="05000000000000000000" pitchFamily="2" charset="2"/>
+              </a:rPr>
+              <a:t>StegoDetect</a:t>
+            </a:r>
+            <a:r>
+              <a:rPr lang="en-US" sz="2400" dirty="0">
+                <a:sym typeface="Wingdings" panose="05000000000000000000" pitchFamily="2" charset="2"/>
+              </a:rPr>
+              <a:t>, </a:t>
+            </a:r>
+            <a:r>
+              <a:rPr lang="en-US" sz="2400" dirty="0" err="1">
+                <a:sym typeface="Wingdings" panose="05000000000000000000" pitchFamily="2" charset="2"/>
+              </a:rPr>
+              <a:t>OpenStego</a:t>
+            </a:r>
+            <a:r>
+              <a:rPr lang="en-US" sz="2400" dirty="0">
+                <a:sym typeface="Wingdings" panose="05000000000000000000" pitchFamily="2" charset="2"/>
+              </a:rPr>
+              <a:t>, </a:t>
+            </a:r>
+            <a:r>
+              <a:rPr lang="en-US" sz="2400" dirty="0" err="1">
+                <a:sym typeface="Wingdings" panose="05000000000000000000" pitchFamily="2" charset="2"/>
+              </a:rPr>
+              <a:t>OutGuess</a:t>
+            </a:r>
+            <a:endParaRPr lang="en-US" sz="2400" dirty="0">
+              <a:sym typeface="Wingdings" panose="05000000000000000000" pitchFamily="2" charset="2"/>
+            </a:endParaRPr>
+          </a:p>
+          <a:p>
+            <a:pPr marL="0" indent="0">
               <a:buNone/>
             </a:pPr>
-            <a:r>
-              <a:rPr lang="en-US" sz="3000" kern="0" dirty="0">
-                <a:latin typeface="Calibri" panose="020F0502020204030204" pitchFamily="34" charset="0"/>
-                <a:cs typeface="Calibri" panose="020F0502020204030204" pitchFamily="34" charset="0"/>
-              </a:rPr>
-              <a:t>Exercise8.pcap</a:t>
-            </a:r>
+            <a:endParaRPr lang="en-US" dirty="0"/>
           </a:p>
         </p:txBody>
       </p:sp>
@@ -17577,7 +17575,7 @@
           <p:cNvPr id="3" name="Text Placeholder 2">
             <a:extLst>
               <a:ext uri="{FF2B5EF4-FFF2-40B4-BE49-F238E27FC236}">
-                <a16:creationId xmlns:a16="http://schemas.microsoft.com/office/drawing/2014/main" id="{C7DA17BA-5BCB-4294-A299-37BE0424C1EC}"/>
+                <a16:creationId xmlns:a16="http://schemas.microsoft.com/office/drawing/2014/main" id="{47A13B8D-55C4-4211-A07D-A6F3AEB7ACBC}"/>
               </a:ext>
             </a:extLst>
           </p:cNvPr>
@@ -17603,7 +17601,7 @@
     </p:spTree>
     <p:extLst>
       <p:ext uri="{BB962C8B-B14F-4D97-AF65-F5344CB8AC3E}">
-        <p14:creationId xmlns:p14="http://schemas.microsoft.com/office/powerpoint/2010/main" val="826166401"/>
+        <p14:creationId xmlns:p14="http://schemas.microsoft.com/office/powerpoint/2010/main" val="3736547302"/>
       </p:ext>
     </p:extLst>
   </p:cSld>
@@ -17632,133 +17630,10 @@
       </p:grpSpPr>
       <p:sp>
         <p:nvSpPr>
-          <p:cNvPr id="2" name="Text Placeholder 1">
-            <a:extLst>
-              <a:ext uri="{FF2B5EF4-FFF2-40B4-BE49-F238E27FC236}">
-                <a16:creationId xmlns:a16="http://schemas.microsoft.com/office/drawing/2014/main" id="{CFBA8D72-A041-4D53-9D86-76441F90F27E}"/>
-              </a:ext>
-            </a:extLst>
-          </p:cNvPr>
-          <p:cNvSpPr>
-            <a:spLocks noGrp="1"/>
-          </p:cNvSpPr>
-          <p:nvPr>
-            <p:ph type="body" sz="quarter" idx="10"/>
-          </p:nvPr>
-        </p:nvSpPr>
-        <p:spPr/>
-        <p:txBody>
-          <a:bodyPr/>
-          <a:lstStyle/>
-          <a:p>
-            <a:r>
-              <a:rPr lang="en-US" sz="2400" dirty="0">
-                <a:sym typeface="Wingdings" panose="05000000000000000000" pitchFamily="2" charset="2"/>
-              </a:rPr>
-              <a:t>Steganography</a:t>
-            </a:r>
-          </a:p>
-          <a:p>
-            <a:pPr lvl="1"/>
-            <a:r>
-              <a:rPr lang="en-US" sz="2400" dirty="0">
-                <a:sym typeface="Wingdings" panose="05000000000000000000" pitchFamily="2" charset="2"/>
-              </a:rPr>
-              <a:t>Art &amp; science of writing hidden messages in a way that no one, apart from sender/recipient, suspects the existence of the message, a form of security through obscurity.</a:t>
-            </a:r>
-          </a:p>
-          <a:p>
-            <a:pPr lvl="1"/>
-            <a:r>
-              <a:rPr lang="en-US" sz="2400" dirty="0">
-                <a:sym typeface="Wingdings" panose="05000000000000000000" pitchFamily="2" charset="2"/>
-              </a:rPr>
-              <a:t>Greek – “Concealed writing”</a:t>
-            </a:r>
-          </a:p>
-          <a:p>
-            <a:pPr lvl="1"/>
-            <a:r>
-              <a:rPr lang="en-US" sz="2400" dirty="0">
-                <a:sym typeface="Wingdings" panose="05000000000000000000" pitchFamily="2" charset="2"/>
-              </a:rPr>
-              <a:t>Pictures, audio, text, files</a:t>
-            </a:r>
-          </a:p>
-          <a:p>
-            <a:pPr lvl="1"/>
-            <a:r>
-              <a:rPr lang="en-US" sz="2400" dirty="0" err="1">
-                <a:sym typeface="Wingdings" panose="05000000000000000000" pitchFamily="2" charset="2"/>
-              </a:rPr>
-              <a:t>Steganalysis</a:t>
-            </a:r>
-            <a:endParaRPr lang="en-US" sz="2400" dirty="0">
-              <a:sym typeface="Wingdings" panose="05000000000000000000" pitchFamily="2" charset="2"/>
-            </a:endParaRPr>
-          </a:p>
-          <a:p>
-            <a:pPr lvl="1"/>
-            <a:r>
-              <a:rPr lang="en-US" sz="2400" dirty="0" err="1">
-                <a:sym typeface="Wingdings" panose="05000000000000000000" pitchFamily="2" charset="2"/>
-              </a:rPr>
-              <a:t>Steghide</a:t>
-            </a:r>
-            <a:r>
-              <a:rPr lang="en-US" sz="2400" dirty="0">
-                <a:sym typeface="Wingdings" panose="05000000000000000000" pitchFamily="2" charset="2"/>
-              </a:rPr>
-              <a:t>, </a:t>
-            </a:r>
-            <a:r>
-              <a:rPr lang="en-US" sz="2400" dirty="0" err="1">
-                <a:sym typeface="Wingdings" panose="05000000000000000000" pitchFamily="2" charset="2"/>
-              </a:rPr>
-              <a:t>StegoDetect</a:t>
-            </a:r>
-            <a:r>
-              <a:rPr lang="en-US" sz="2400" dirty="0">
-                <a:sym typeface="Wingdings" panose="05000000000000000000" pitchFamily="2" charset="2"/>
-              </a:rPr>
-              <a:t>, </a:t>
-            </a:r>
-            <a:r>
-              <a:rPr lang="en-US" sz="2400" dirty="0" err="1">
-                <a:sym typeface="Wingdings" panose="05000000000000000000" pitchFamily="2" charset="2"/>
-              </a:rPr>
-              <a:t>OpenStego</a:t>
-            </a:r>
-            <a:r>
-              <a:rPr lang="en-US" sz="2400" dirty="0">
-                <a:sym typeface="Wingdings" panose="05000000000000000000" pitchFamily="2" charset="2"/>
-              </a:rPr>
-              <a:t>, </a:t>
-            </a:r>
-            <a:r>
-              <a:rPr lang="en-US" sz="2400" dirty="0" err="1">
-                <a:sym typeface="Wingdings" panose="05000000000000000000" pitchFamily="2" charset="2"/>
-              </a:rPr>
-              <a:t>OutGuess</a:t>
-            </a:r>
-            <a:endParaRPr lang="en-US" sz="2400" dirty="0">
-              <a:sym typeface="Wingdings" panose="05000000000000000000" pitchFamily="2" charset="2"/>
-            </a:endParaRPr>
-          </a:p>
-          <a:p>
-            <a:pPr marL="0" indent="0">
-              <a:buNone/>
-            </a:pPr>
-            <a:endParaRPr lang="en-US" dirty="0"/>
-          </a:p>
-        </p:txBody>
-      </p:sp>
-      <p:sp>
-        <p:nvSpPr>
           <p:cNvPr id="3" name="Text Placeholder 2">
             <a:extLst>
               <a:ext uri="{FF2B5EF4-FFF2-40B4-BE49-F238E27FC236}">
-                <a16:creationId xmlns:a16="http://schemas.microsoft.com/office/drawing/2014/main" id="{47A13B8D-55C4-4211-A07D-A6F3AEB7ACBC}"/>
+                <a16:creationId xmlns:a16="http://schemas.microsoft.com/office/drawing/2014/main" id="{0A00870B-52E5-4E68-9A11-0D871CB7C381}"/>
               </a:ext>
             </a:extLst>
           </p:cNvPr>
@@ -17781,10 +17656,201 @@
           </a:p>
         </p:txBody>
       </p:sp>
+      <p:pic>
+        <p:nvPicPr>
+          <p:cNvPr id="5" name="Picture 2">
+            <a:extLst>
+              <a:ext uri="{FF2B5EF4-FFF2-40B4-BE49-F238E27FC236}">
+                <a16:creationId xmlns:a16="http://schemas.microsoft.com/office/drawing/2014/main" id="{889C236F-F075-4C36-93AA-3D57C3E99F17}"/>
+              </a:ext>
+            </a:extLst>
+          </p:cNvPr>
+          <p:cNvPicPr>
+            <a:picLocks noChangeAspect="1" noChangeArrowheads="1"/>
+          </p:cNvPicPr>
+          <p:nvPr/>
+        </p:nvPicPr>
+        <p:blipFill rotWithShape="1">
+          <a:blip r:embed="rId2">
+            <a:extLst>
+              <a:ext uri="{28A0092B-C50C-407E-A947-70E740481C1C}">
+                <a14:useLocalDpi xmlns:a14="http://schemas.microsoft.com/office/drawing/2010/main" val="0"/>
+              </a:ext>
+            </a:extLst>
+          </a:blip>
+          <a:srcRect l="1669" t="4878" r="69502" b="4878"/>
+          <a:stretch/>
+        </p:blipFill>
+        <p:spPr bwMode="auto">
+          <a:xfrm>
+            <a:off x="470648" y="1447800"/>
+            <a:ext cx="3207125" cy="4341410"/>
+          </a:xfrm>
+          <a:prstGeom prst="rect">
+            <a:avLst/>
+          </a:prstGeom>
+          <a:noFill/>
+          <a:extLst>
+            <a:ext uri="{909E8E84-426E-40DD-AFC4-6F175D3DCCD1}">
+              <a14:hiddenFill xmlns:a14="http://schemas.microsoft.com/office/drawing/2010/main">
+                <a:solidFill>
+                  <a:srgbClr val="FFFFFF"/>
+                </a:solidFill>
+              </a14:hiddenFill>
+            </a:ext>
+          </a:extLst>
+        </p:spPr>
+      </p:pic>
+      <p:pic>
+        <p:nvPicPr>
+          <p:cNvPr id="7" name="Picture 2">
+            <a:extLst>
+              <a:ext uri="{FF2B5EF4-FFF2-40B4-BE49-F238E27FC236}">
+                <a16:creationId xmlns:a16="http://schemas.microsoft.com/office/drawing/2014/main" id="{BDF58624-F649-4BB1-86EF-65648957BAF0}"/>
+              </a:ext>
+            </a:extLst>
+          </p:cNvPr>
+          <p:cNvPicPr>
+            <a:picLocks noChangeAspect="1" noChangeArrowheads="1"/>
+          </p:cNvPicPr>
+          <p:nvPr/>
+        </p:nvPicPr>
+        <p:blipFill rotWithShape="1">
+          <a:blip r:embed="rId2">
+            <a:extLst>
+              <a:ext uri="{28A0092B-C50C-407E-A947-70E740481C1C}">
+                <a14:useLocalDpi xmlns:a14="http://schemas.microsoft.com/office/drawing/2010/main" val="0"/>
+              </a:ext>
+            </a:extLst>
+          </a:blip>
+          <a:srcRect l="69528" t="5640" r="1581" b="3922"/>
+          <a:stretch/>
+        </p:blipFill>
+        <p:spPr bwMode="auto">
+          <a:xfrm>
+            <a:off x="5181600" y="1447800"/>
+            <a:ext cx="3207125" cy="4341410"/>
+          </a:xfrm>
+          <a:prstGeom prst="rect">
+            <a:avLst/>
+          </a:prstGeom>
+          <a:noFill/>
+          <a:extLst>
+            <a:ext uri="{909E8E84-426E-40DD-AFC4-6F175D3DCCD1}">
+              <a14:hiddenFill xmlns:a14="http://schemas.microsoft.com/office/drawing/2010/main">
+                <a:solidFill>
+                  <a:srgbClr val="FFFFFF"/>
+                </a:solidFill>
+              </a14:hiddenFill>
+            </a:ext>
+          </a:extLst>
+        </p:spPr>
+      </p:pic>
+      <p:sp>
+        <p:nvSpPr>
+          <p:cNvPr id="9" name="TextBox 8">
+            <a:extLst>
+              <a:ext uri="{FF2B5EF4-FFF2-40B4-BE49-F238E27FC236}">
+                <a16:creationId xmlns:a16="http://schemas.microsoft.com/office/drawing/2014/main" id="{12B0767B-02F1-4B6D-972F-CCD001FE3A20}"/>
+              </a:ext>
+            </a:extLst>
+          </p:cNvPr>
+          <p:cNvSpPr txBox="1"/>
+          <p:nvPr/>
+        </p:nvSpPr>
+        <p:spPr>
+          <a:xfrm>
+            <a:off x="927849" y="5779217"/>
+            <a:ext cx="8760620" cy="430887"/>
+          </a:xfrm>
+          <a:prstGeom prst="rect">
+            <a:avLst/>
+          </a:prstGeom>
+          <a:noFill/>
+        </p:spPr>
+        <p:txBody>
+          <a:bodyPr wrap="square" rtlCol="0">
+            <a:spAutoFit/>
+          </a:bodyPr>
+          <a:lstStyle/>
+          <a:p>
+            <a:r>
+              <a:rPr lang="en-US" sz="1000" dirty="0">
+                <a:solidFill>
+                  <a:srgbClr val="000000"/>
+                </a:solidFill>
+              </a:rPr>
+              <a:t>Photo: </a:t>
+            </a:r>
+            <a:r>
+              <a:rPr lang="en-US" sz="1000" dirty="0">
+                <a:solidFill>
+                  <a:srgbClr val="000000"/>
+                </a:solidFill>
+                <a:hlinkClick r:id="rId3">
+                  <a:extLst>
+                    <a:ext uri="{A12FA001-AC4F-418D-AE19-62706E023703}">
+                      <ahyp:hlinkClr xmlns:ahyp="http://schemas.microsoft.com/office/drawing/2018/hyperlinkcolor" val="tx"/>
+                    </a:ext>
+                  </a:extLst>
+                </a:hlinkClick>
+              </a:rPr>
+              <a:t>https://upload.wikimedia.org/wikipedia/commons/a/a2/Lsb-example.JPG</a:t>
+            </a:r>
+            <a:r>
+              <a:rPr lang="en-US" sz="1000" dirty="0">
+                <a:solidFill>
+                  <a:srgbClr val="000000"/>
+                </a:solidFill>
+              </a:rPr>
+              <a:t> Author: </a:t>
+            </a:r>
+            <a:r>
+              <a:rPr lang="en-US" sz="1000" dirty="0" err="1">
+                <a:solidFill>
+                  <a:srgbClr val="000000"/>
+                </a:solidFill>
+              </a:rPr>
+              <a:t>ribagorda</a:t>
+            </a:r>
+            <a:r>
+              <a:rPr lang="en-US" sz="1000" dirty="0">
+                <a:solidFill>
+                  <a:srgbClr val="000000"/>
+                </a:solidFill>
+              </a:rPr>
+              <a:t> </a:t>
+            </a:r>
+            <a:r>
+              <a:rPr lang="en-US" sz="1000" dirty="0" err="1">
+                <a:solidFill>
+                  <a:srgbClr val="000000"/>
+                </a:solidFill>
+              </a:rPr>
+              <a:t>garnacho</a:t>
+            </a:r>
+            <a:r>
+              <a:rPr lang="en-US" sz="1000" dirty="0">
+                <a:solidFill>
+                  <a:srgbClr val="000000"/>
+                </a:solidFill>
+              </a:rPr>
+              <a:t> License Creative Commons 3.0 </a:t>
+            </a:r>
+          </a:p>
+          <a:p>
+            <a:endParaRPr lang="en-US" sz="1100" dirty="0">
+              <a:solidFill>
+                <a:srgbClr val="000000"/>
+              </a:solidFill>
+            </a:endParaRPr>
+          </a:p>
+        </p:txBody>
+      </p:sp>
     </p:spTree>
     <p:extLst>
       <p:ext uri="{BB962C8B-B14F-4D97-AF65-F5344CB8AC3E}">
-        <p14:creationId xmlns:p14="http://schemas.microsoft.com/office/powerpoint/2010/main" val="3736547302"/>
+        <p14:creationId xmlns:p14="http://schemas.microsoft.com/office/powerpoint/2010/main" val="2300551287"/>
       </p:ext>
     </p:extLst>
   </p:cSld>
@@ -17813,10 +17879,38 @@
       </p:grpSpPr>
       <p:sp>
         <p:nvSpPr>
+          <p:cNvPr id="2" name="Text Placeholder 1">
+            <a:extLst>
+              <a:ext uri="{FF2B5EF4-FFF2-40B4-BE49-F238E27FC236}">
+                <a16:creationId xmlns:a16="http://schemas.microsoft.com/office/drawing/2014/main" id="{AE2186F3-C6FF-42B8-A698-341ABF60BFBA}"/>
+              </a:ext>
+            </a:extLst>
+          </p:cNvPr>
+          <p:cNvSpPr>
+            <a:spLocks noGrp="1"/>
+          </p:cNvSpPr>
+          <p:nvPr>
+            <p:ph type="body" sz="quarter" idx="10"/>
+          </p:nvPr>
+        </p:nvSpPr>
+        <p:spPr/>
+        <p:txBody>
+          <a:bodyPr/>
+          <a:lstStyle/>
+          <a:p>
+            <a:pPr marL="0" indent="0">
+              <a:buNone/>
+            </a:pPr>
+            <a:endParaRPr lang="en-US" dirty="0"/>
+          </a:p>
+        </p:txBody>
+      </p:sp>
+      <p:sp>
+        <p:nvSpPr>
           <p:cNvPr id="3" name="Text Placeholder 2">
             <a:extLst>
               <a:ext uri="{FF2B5EF4-FFF2-40B4-BE49-F238E27FC236}">
-                <a16:creationId xmlns:a16="http://schemas.microsoft.com/office/drawing/2014/main" id="{0A00870B-52E5-4E68-9A11-0D871CB7C381}"/>
+                <a16:creationId xmlns:a16="http://schemas.microsoft.com/office/drawing/2014/main" id="{D3C00FF8-0860-4C9F-BD33-BA24830A9F66}"/>
               </a:ext>
             </a:extLst>
           </p:cNvPr>
@@ -17844,7 +17938,7 @@
           <p:cNvPr id="5" name="Picture 2">
             <a:extLst>
               <a:ext uri="{FF2B5EF4-FFF2-40B4-BE49-F238E27FC236}">
-                <a16:creationId xmlns:a16="http://schemas.microsoft.com/office/drawing/2014/main" id="{889C236F-F075-4C36-93AA-3D57C3E99F17}"/>
+                <a16:creationId xmlns:a16="http://schemas.microsoft.com/office/drawing/2014/main" id="{4999A4EE-F7B7-4282-A3F7-6F997661768B}"/>
               </a:ext>
             </a:extLst>
           </p:cNvPr>
@@ -17853,7 +17947,7 @@
           </p:cNvPicPr>
           <p:nvPr/>
         </p:nvPicPr>
-        <p:blipFill rotWithShape="1">
+        <p:blipFill>
           <a:blip r:embed="rId2">
             <a:extLst>
               <a:ext uri="{28A0092B-C50C-407E-A947-70E740481C1C}">
@@ -17861,13 +17955,15 @@
               </a:ext>
             </a:extLst>
           </a:blip>
-          <a:srcRect l="1669" t="4878" r="69502" b="4878"/>
-          <a:stretch/>
+          <a:srcRect/>
+          <a:stretch>
+            <a:fillRect/>
+          </a:stretch>
         </p:blipFill>
         <p:spPr bwMode="auto">
           <a:xfrm>
-            <a:off x="470648" y="1447800"/>
-            <a:ext cx="3207125" cy="4341410"/>
+            <a:off x="78581" y="1600200"/>
+            <a:ext cx="8986838" cy="3886200"/>
           </a:xfrm>
           <a:prstGeom prst="rect">
             <a:avLst/>
@@ -17884,57 +17980,12 @@
           </a:extLst>
         </p:spPr>
       </p:pic>
-      <p:pic>
-        <p:nvPicPr>
-          <p:cNvPr id="7" name="Picture 2">
-            <a:extLst>
-              <a:ext uri="{FF2B5EF4-FFF2-40B4-BE49-F238E27FC236}">
-                <a16:creationId xmlns:a16="http://schemas.microsoft.com/office/drawing/2014/main" id="{BDF58624-F649-4BB1-86EF-65648957BAF0}"/>
-              </a:ext>
-            </a:extLst>
-          </p:cNvPr>
-          <p:cNvPicPr>
-            <a:picLocks noChangeAspect="1" noChangeArrowheads="1"/>
-          </p:cNvPicPr>
-          <p:nvPr/>
-        </p:nvPicPr>
-        <p:blipFill rotWithShape="1">
-          <a:blip r:embed="rId2">
-            <a:extLst>
-              <a:ext uri="{28A0092B-C50C-407E-A947-70E740481C1C}">
-                <a14:useLocalDpi xmlns:a14="http://schemas.microsoft.com/office/drawing/2010/main" val="0"/>
-              </a:ext>
-            </a:extLst>
-          </a:blip>
-          <a:srcRect l="69528" t="5640" r="1581" b="3922"/>
-          <a:stretch/>
-        </p:blipFill>
-        <p:spPr bwMode="auto">
-          <a:xfrm>
-            <a:off x="5181600" y="1447800"/>
-            <a:ext cx="3207125" cy="4341410"/>
-          </a:xfrm>
-          <a:prstGeom prst="rect">
-            <a:avLst/>
-          </a:prstGeom>
-          <a:noFill/>
-          <a:extLst>
-            <a:ext uri="{909E8E84-426E-40DD-AFC4-6F175D3DCCD1}">
-              <a14:hiddenFill xmlns:a14="http://schemas.microsoft.com/office/drawing/2010/main">
-                <a:solidFill>
-                  <a:srgbClr val="FFFFFF"/>
-                </a:solidFill>
-              </a14:hiddenFill>
-            </a:ext>
-          </a:extLst>
-        </p:spPr>
-      </p:pic>
-      <p:sp>
-        <p:nvSpPr>
-          <p:cNvPr id="9" name="TextBox 8">
-            <a:extLst>
-              <a:ext uri="{FF2B5EF4-FFF2-40B4-BE49-F238E27FC236}">
-                <a16:creationId xmlns:a16="http://schemas.microsoft.com/office/drawing/2014/main" id="{12B0767B-02F1-4B6D-972F-CCD001FE3A20}"/>
+      <p:sp>
+        <p:nvSpPr>
+          <p:cNvPr id="7" name="TextBox 6">
+            <a:extLst>
+              <a:ext uri="{FF2B5EF4-FFF2-40B4-BE49-F238E27FC236}">
+                <a16:creationId xmlns:a16="http://schemas.microsoft.com/office/drawing/2014/main" id="{5E5A0979-CA51-417B-B83C-ABC0B3BFA759}"/>
               </a:ext>
             </a:extLst>
           </p:cNvPr>
@@ -17943,7 +17994,7 @@
         </p:nvSpPr>
         <p:spPr>
           <a:xfrm>
-            <a:off x="927849" y="5779217"/>
+            <a:off x="304799" y="5604788"/>
             <a:ext cx="8760620" cy="430887"/>
           </a:xfrm>
           <a:prstGeom prst="rect">
@@ -18033,7 +18084,7 @@
     </p:spTree>
     <p:extLst>
       <p:ext uri="{BB962C8B-B14F-4D97-AF65-F5344CB8AC3E}">
-        <p14:creationId xmlns:p14="http://schemas.microsoft.com/office/powerpoint/2010/main" val="2300551287"/>
+        <p14:creationId xmlns:p14="http://schemas.microsoft.com/office/powerpoint/2010/main" val="193596966"/>
       </p:ext>
     </p:extLst>
   </p:cSld>
@@ -18212,38 +18263,10 @@
       </p:grpSpPr>
       <p:sp>
         <p:nvSpPr>
-          <p:cNvPr id="2" name="Text Placeholder 1">
-            <a:extLst>
-              <a:ext uri="{FF2B5EF4-FFF2-40B4-BE49-F238E27FC236}">
-                <a16:creationId xmlns:a16="http://schemas.microsoft.com/office/drawing/2014/main" id="{AE2186F3-C6FF-42B8-A698-341ABF60BFBA}"/>
-              </a:ext>
-            </a:extLst>
-          </p:cNvPr>
-          <p:cNvSpPr>
-            <a:spLocks noGrp="1"/>
-          </p:cNvSpPr>
-          <p:nvPr>
-            <p:ph type="body" sz="quarter" idx="10"/>
-          </p:nvPr>
-        </p:nvSpPr>
-        <p:spPr/>
-        <p:txBody>
-          <a:bodyPr/>
-          <a:lstStyle/>
-          <a:p>
-            <a:pPr marL="0" indent="0">
-              <a:buNone/>
-            </a:pPr>
-            <a:endParaRPr lang="en-US" dirty="0"/>
-          </a:p>
-        </p:txBody>
-      </p:sp>
-      <p:sp>
-        <p:nvSpPr>
           <p:cNvPr id="3" name="Text Placeholder 2">
             <a:extLst>
               <a:ext uri="{FF2B5EF4-FFF2-40B4-BE49-F238E27FC236}">
-                <a16:creationId xmlns:a16="http://schemas.microsoft.com/office/drawing/2014/main" id="{D3C00FF8-0860-4C9F-BD33-BA24830A9F66}"/>
+                <a16:creationId xmlns:a16="http://schemas.microsoft.com/office/drawing/2014/main" id="{40C38F28-0955-49A2-88D7-01FB1BDE9EE5}"/>
               </a:ext>
             </a:extLst>
           </p:cNvPr>
@@ -18271,7 +18294,7 @@
           <p:cNvPr id="5" name="Picture 2">
             <a:extLst>
               <a:ext uri="{FF2B5EF4-FFF2-40B4-BE49-F238E27FC236}">
-                <a16:creationId xmlns:a16="http://schemas.microsoft.com/office/drawing/2014/main" id="{4999A4EE-F7B7-4282-A3F7-6F997661768B}"/>
+                <a16:creationId xmlns:a16="http://schemas.microsoft.com/office/drawing/2014/main" id="{1EEBC4AF-0D66-4020-ADDA-081A71FD81F9}"/>
               </a:ext>
             </a:extLst>
           </p:cNvPr>
@@ -18295,8 +18318,8 @@
         </p:blipFill>
         <p:spPr bwMode="auto">
           <a:xfrm>
-            <a:off x="78581" y="1600200"/>
-            <a:ext cx="8986838" cy="3886200"/>
+            <a:off x="0" y="1365250"/>
+            <a:ext cx="9144000" cy="4127500"/>
           </a:xfrm>
           <a:prstGeom prst="rect">
             <a:avLst/>
@@ -18318,7 +18341,7 @@
           <p:cNvPr id="7" name="TextBox 6">
             <a:extLst>
               <a:ext uri="{FF2B5EF4-FFF2-40B4-BE49-F238E27FC236}">
-                <a16:creationId xmlns:a16="http://schemas.microsoft.com/office/drawing/2014/main" id="{5E5A0979-CA51-417B-B83C-ABC0B3BFA759}"/>
+                <a16:creationId xmlns:a16="http://schemas.microsoft.com/office/drawing/2014/main" id="{EB78A055-A651-4742-9190-904316FB9132}"/>
               </a:ext>
             </a:extLst>
           </p:cNvPr>
@@ -18327,8 +18350,8 @@
         </p:nvSpPr>
         <p:spPr>
           <a:xfrm>
-            <a:off x="304799" y="5604788"/>
-            <a:ext cx="8760620" cy="430887"/>
+            <a:off x="304800" y="5548252"/>
+            <a:ext cx="8610600" cy="400110"/>
           </a:xfrm>
           <a:prstGeom prst="rect">
             <a:avLst/>
@@ -18362,7 +18385,7 @@
                   </a:extLst>
                 </a:hlinkClick>
               </a:rPr>
-              <a:t>https://upload.wikimedia.org/wikipedia/commons/a/a2/Lsb-example.JPG</a:t>
+              <a:t>https://upload.wikimedia.org/wikipedia/commons/b/b8/Seformatbmp-embedding_full.png</a:t>
             </a:r>
             <a:r>
               <a:rPr lang="en-US" sz="1000" dirty="0">
@@ -18370,7 +18393,7 @@
                   <a:srgbClr val="000000"/>
                 </a:solidFill>
               </a:rPr>
-              <a:t> Author: </a:t>
+              <a:t> author </a:t>
             </a:r>
             <a:r>
               <a:rPr lang="en-US" sz="1000" dirty="0" err="1">
@@ -18378,7 +18401,7 @@
                   <a:srgbClr val="000000"/>
                 </a:solidFill>
               </a:rPr>
-              <a:t>ribagorda</a:t>
+              <a:t>Darkrezus</a:t>
             </a:r>
             <a:r>
               <a:rPr lang="en-US" sz="1000" dirty="0">
@@ -18386,27 +18409,11 @@
                   <a:srgbClr val="000000"/>
                 </a:solidFill>
               </a:rPr>
-              <a:t> </a:t>
-            </a:r>
-            <a:r>
-              <a:rPr lang="en-US" sz="1000" dirty="0" err="1">
-                <a:solidFill>
-                  <a:srgbClr val="000000"/>
-                </a:solidFill>
-              </a:rPr>
-              <a:t>garnacho</a:t>
-            </a:r>
-            <a:r>
-              <a:rPr lang="en-US" sz="1000" dirty="0">
-                <a:solidFill>
-                  <a:srgbClr val="000000"/>
-                </a:solidFill>
-              </a:rPr>
-              <a:t> License Creative Commons 3.0 </a:t>
-            </a:r>
-          </a:p>
-          <a:p>
-            <a:endParaRPr lang="en-US" sz="1100" dirty="0">
+              <a:t>. License: Creative Commons 3.0  </a:t>
+            </a:r>
+          </a:p>
+          <a:p>
+            <a:endParaRPr lang="en-US" sz="1000" dirty="0">
               <a:solidFill>
                 <a:srgbClr val="000000"/>
               </a:solidFill>
@@ -18417,7 +18424,7 @@
     </p:spTree>
     <p:extLst>
       <p:ext uri="{BB962C8B-B14F-4D97-AF65-F5344CB8AC3E}">
-        <p14:creationId xmlns:p14="http://schemas.microsoft.com/office/powerpoint/2010/main" val="193596966"/>
+        <p14:creationId xmlns:p14="http://schemas.microsoft.com/office/powerpoint/2010/main" val="1827205861"/>
       </p:ext>
     </p:extLst>
   </p:cSld>
@@ -18446,10 +18453,104 @@
       </p:grpSpPr>
       <p:sp>
         <p:nvSpPr>
+          <p:cNvPr id="2" name="Text Placeholder 1">
+            <a:extLst>
+              <a:ext uri="{FF2B5EF4-FFF2-40B4-BE49-F238E27FC236}">
+                <a16:creationId xmlns:a16="http://schemas.microsoft.com/office/drawing/2014/main" id="{3177EDAE-74E5-41BE-A41F-0BD282641EF7}"/>
+              </a:ext>
+            </a:extLst>
+          </p:cNvPr>
+          <p:cNvSpPr>
+            <a:spLocks noGrp="1"/>
+          </p:cNvSpPr>
+          <p:nvPr>
+            <p:ph type="body" sz="quarter" idx="10"/>
+          </p:nvPr>
+        </p:nvSpPr>
+        <p:spPr/>
+        <p:txBody>
+          <a:bodyPr anchor="ctr"/>
+          <a:lstStyle/>
+          <a:p>
+            <a:pPr marL="203200" indent="0" algn="ctr">
+              <a:buNone/>
+            </a:pPr>
+            <a:r>
+              <a:rPr lang="en-US" sz="3000" dirty="0">
+                <a:latin typeface="Calibri" panose="020F0502020204030204" pitchFamily="34" charset="0"/>
+                <a:cs typeface="Calibri" panose="020F0502020204030204" pitchFamily="34" charset="0"/>
+              </a:rPr>
+              <a:t>Stego1.png</a:t>
+            </a:r>
+          </a:p>
+          <a:p>
+            <a:pPr marL="203200" indent="0" algn="ctr">
+              <a:buNone/>
+            </a:pPr>
+            <a:r>
+              <a:rPr lang="en-US" sz="3000" dirty="0">
+                <a:latin typeface="Calibri" panose="020F0502020204030204" pitchFamily="34" charset="0"/>
+                <a:cs typeface="Calibri" panose="020F0502020204030204" pitchFamily="34" charset="0"/>
+              </a:rPr>
+              <a:t>Stego2.png</a:t>
+            </a:r>
+          </a:p>
+          <a:p>
+            <a:pPr marL="203200" indent="0" algn="ctr">
+              <a:buNone/>
+            </a:pPr>
+            <a:r>
+              <a:rPr lang="en-US" sz="3000" dirty="0">
+                <a:latin typeface="Calibri" panose="020F0502020204030204" pitchFamily="34" charset="0"/>
+                <a:cs typeface="Calibri" panose="020F0502020204030204" pitchFamily="34" charset="0"/>
+              </a:rPr>
+              <a:t>Stego3.png</a:t>
+            </a:r>
+          </a:p>
+          <a:p>
+            <a:pPr marL="203200" indent="0" algn="ctr">
+              <a:buNone/>
+            </a:pPr>
+            <a:r>
+              <a:rPr lang="en-US" sz="3000" dirty="0">
+                <a:latin typeface="Calibri" panose="020F0502020204030204" pitchFamily="34" charset="0"/>
+                <a:cs typeface="Calibri" panose="020F0502020204030204" pitchFamily="34" charset="0"/>
+              </a:rPr>
+              <a:t>Stego4.jpg</a:t>
+            </a:r>
+          </a:p>
+          <a:p>
+            <a:pPr marL="203200" indent="0" algn="ctr">
+              <a:buNone/>
+            </a:pPr>
+            <a:r>
+              <a:rPr lang="en-US" sz="3000" dirty="0">
+                <a:latin typeface="Calibri" panose="020F0502020204030204" pitchFamily="34" charset="0"/>
+                <a:cs typeface="Calibri" panose="020F0502020204030204" pitchFamily="34" charset="0"/>
+              </a:rPr>
+              <a:t>Stego5.png</a:t>
+            </a:r>
+          </a:p>
+          <a:p>
+            <a:pPr marL="203200" indent="0" algn="ctr">
+              <a:buNone/>
+            </a:pPr>
+            <a:r>
+              <a:rPr lang="en-US" sz="3000" dirty="0">
+                <a:latin typeface="Calibri" panose="020F0502020204030204" pitchFamily="34" charset="0"/>
+                <a:cs typeface="Calibri" panose="020F0502020204030204" pitchFamily="34" charset="0"/>
+              </a:rPr>
+              <a:t>https://georgeom.net/StegOnline/upload</a:t>
+            </a:r>
+          </a:p>
+        </p:txBody>
+      </p:sp>
+      <p:sp>
+        <p:nvSpPr>
           <p:cNvPr id="3" name="Text Placeholder 2">
             <a:extLst>
               <a:ext uri="{FF2B5EF4-FFF2-40B4-BE49-F238E27FC236}">
-                <a16:creationId xmlns:a16="http://schemas.microsoft.com/office/drawing/2014/main" id="{40C38F28-0955-49A2-88D7-01FB1BDE9EE5}"/>
+                <a16:creationId xmlns:a16="http://schemas.microsoft.com/office/drawing/2014/main" id="{9C09153B-5EA4-47FC-AED9-F2830D5DA5CF}"/>
               </a:ext>
             </a:extLst>
           </p:cNvPr>
@@ -18466,148 +18567,20 @@
           <a:lstStyle/>
           <a:p>
             <a:r>
+              <a:rPr lang="en-US" dirty="0" err="1"/>
+              <a:t>Stego</a:t>
+            </a:r>
+            <a:r>
               <a:rPr lang="en-US" dirty="0"/>
-              <a:t>Examples</a:t>
-            </a:r>
-          </a:p>
-        </p:txBody>
-      </p:sp>
-      <p:pic>
-        <p:nvPicPr>
-          <p:cNvPr id="5" name="Picture 2">
-            <a:extLst>
-              <a:ext uri="{FF2B5EF4-FFF2-40B4-BE49-F238E27FC236}">
-                <a16:creationId xmlns:a16="http://schemas.microsoft.com/office/drawing/2014/main" id="{1EEBC4AF-0D66-4020-ADDA-081A71FD81F9}"/>
-              </a:ext>
-            </a:extLst>
-          </p:cNvPr>
-          <p:cNvPicPr>
-            <a:picLocks noChangeAspect="1" noChangeArrowheads="1"/>
-          </p:cNvPicPr>
-          <p:nvPr/>
-        </p:nvPicPr>
-        <p:blipFill>
-          <a:blip r:embed="rId2">
-            <a:extLst>
-              <a:ext uri="{28A0092B-C50C-407E-A947-70E740481C1C}">
-                <a14:useLocalDpi xmlns:a14="http://schemas.microsoft.com/office/drawing/2010/main" val="0"/>
-              </a:ext>
-            </a:extLst>
-          </a:blip>
-          <a:srcRect/>
-          <a:stretch>
-            <a:fillRect/>
-          </a:stretch>
-        </p:blipFill>
-        <p:spPr bwMode="auto">
-          <a:xfrm>
-            <a:off x="0" y="1365250"/>
-            <a:ext cx="9144000" cy="4127500"/>
-          </a:xfrm>
-          <a:prstGeom prst="rect">
-            <a:avLst/>
-          </a:prstGeom>
-          <a:noFill/>
-          <a:extLst>
-            <a:ext uri="{909E8E84-426E-40DD-AFC4-6F175D3DCCD1}">
-              <a14:hiddenFill xmlns:a14="http://schemas.microsoft.com/office/drawing/2010/main">
-                <a:solidFill>
-                  <a:srgbClr val="FFFFFF"/>
-                </a:solidFill>
-              </a14:hiddenFill>
-            </a:ext>
-          </a:extLst>
-        </p:spPr>
-      </p:pic>
-      <p:sp>
-        <p:nvSpPr>
-          <p:cNvPr id="7" name="TextBox 6">
-            <a:extLst>
-              <a:ext uri="{FF2B5EF4-FFF2-40B4-BE49-F238E27FC236}">
-                <a16:creationId xmlns:a16="http://schemas.microsoft.com/office/drawing/2014/main" id="{EB78A055-A651-4742-9190-904316FB9132}"/>
-              </a:ext>
-            </a:extLst>
-          </p:cNvPr>
-          <p:cNvSpPr txBox="1"/>
-          <p:nvPr/>
-        </p:nvSpPr>
-        <p:spPr>
-          <a:xfrm>
-            <a:off x="304800" y="5548252"/>
-            <a:ext cx="8610600" cy="400110"/>
-          </a:xfrm>
-          <a:prstGeom prst="rect">
-            <a:avLst/>
-          </a:prstGeom>
-          <a:noFill/>
-        </p:spPr>
-        <p:txBody>
-          <a:bodyPr wrap="square" rtlCol="0">
-            <a:spAutoFit/>
-          </a:bodyPr>
-          <a:lstStyle/>
-          <a:p>
-            <a:r>
-              <a:rPr lang="en-US" sz="1000" dirty="0">
-                <a:solidFill>
-                  <a:srgbClr val="000000"/>
-                </a:solidFill>
-              </a:rPr>
-              <a:t>Photo: </a:t>
-            </a:r>
-            <a:r>
-              <a:rPr lang="en-US" sz="1000" dirty="0">
-                <a:solidFill>
-                  <a:srgbClr val="000000"/>
-                </a:solidFill>
-                <a:hlinkClick r:id="rId3">
-                  <a:extLst>
-                    <a:ext uri="{A12FA001-AC4F-418D-AE19-62706E023703}">
-                      <ahyp:hlinkClr xmlns:ahyp="http://schemas.microsoft.com/office/drawing/2018/hyperlinkcolor" val="tx"/>
-                    </a:ext>
-                  </a:extLst>
-                </a:hlinkClick>
-              </a:rPr>
-              <a:t>https://upload.wikimedia.org/wikipedia/commons/b/b8/Seformatbmp-embedding_full.png</a:t>
-            </a:r>
-            <a:r>
-              <a:rPr lang="en-US" sz="1000" dirty="0">
-                <a:solidFill>
-                  <a:srgbClr val="000000"/>
-                </a:solidFill>
-              </a:rPr>
-              <a:t> author </a:t>
-            </a:r>
-            <a:r>
-              <a:rPr lang="en-US" sz="1000" dirty="0" err="1">
-                <a:solidFill>
-                  <a:srgbClr val="000000"/>
-                </a:solidFill>
-              </a:rPr>
-              <a:t>Darkrezus</a:t>
-            </a:r>
-            <a:r>
-              <a:rPr lang="en-US" sz="1000" dirty="0">
-                <a:solidFill>
-                  <a:srgbClr val="000000"/>
-                </a:solidFill>
-              </a:rPr>
-              <a:t>. License: Creative Commons 3.0  </a:t>
-            </a:r>
-          </a:p>
-          <a:p>
-            <a:endParaRPr lang="en-US" sz="1000" dirty="0">
-              <a:solidFill>
-                <a:srgbClr val="000000"/>
-              </a:solidFill>
-            </a:endParaRPr>
+              <a:t> Practice</a:t>
+            </a:r>
           </a:p>
         </p:txBody>
       </p:sp>
     </p:spTree>
     <p:extLst>
       <p:ext uri="{BB962C8B-B14F-4D97-AF65-F5344CB8AC3E}">
-        <p14:creationId xmlns:p14="http://schemas.microsoft.com/office/powerpoint/2010/main" val="1827205861"/>
+        <p14:creationId xmlns:p14="http://schemas.microsoft.com/office/powerpoint/2010/main" val="3708566122"/>
       </p:ext>
     </p:extLst>
   </p:cSld>
@@ -18639,162 +18612,6 @@
           <p:cNvPr id="2" name="Text Placeholder 1">
             <a:extLst>
               <a:ext uri="{FF2B5EF4-FFF2-40B4-BE49-F238E27FC236}">
-                <a16:creationId xmlns:a16="http://schemas.microsoft.com/office/drawing/2014/main" id="{3177EDAE-74E5-41BE-A41F-0BD282641EF7}"/>
-              </a:ext>
-            </a:extLst>
-          </p:cNvPr>
-          <p:cNvSpPr>
-            <a:spLocks noGrp="1"/>
-          </p:cNvSpPr>
-          <p:nvPr>
-            <p:ph type="body" sz="quarter" idx="10"/>
-          </p:nvPr>
-        </p:nvSpPr>
-        <p:spPr/>
-        <p:txBody>
-          <a:bodyPr anchor="ctr"/>
-          <a:lstStyle/>
-          <a:p>
-            <a:pPr marL="203200" indent="0" algn="ctr">
-              <a:buNone/>
-            </a:pPr>
-            <a:r>
-              <a:rPr lang="en-US" sz="3000" dirty="0">
-                <a:latin typeface="Calibri" panose="020F0502020204030204" pitchFamily="34" charset="0"/>
-                <a:cs typeface="Calibri" panose="020F0502020204030204" pitchFamily="34" charset="0"/>
-              </a:rPr>
-              <a:t>Stego1.png</a:t>
-            </a:r>
-          </a:p>
-          <a:p>
-            <a:pPr marL="203200" indent="0" algn="ctr">
-              <a:buNone/>
-            </a:pPr>
-            <a:r>
-              <a:rPr lang="en-US" sz="3000" dirty="0">
-                <a:latin typeface="Calibri" panose="020F0502020204030204" pitchFamily="34" charset="0"/>
-                <a:cs typeface="Calibri" panose="020F0502020204030204" pitchFamily="34" charset="0"/>
-              </a:rPr>
-              <a:t>Stego2.png</a:t>
-            </a:r>
-          </a:p>
-          <a:p>
-            <a:pPr marL="203200" indent="0" algn="ctr">
-              <a:buNone/>
-            </a:pPr>
-            <a:r>
-              <a:rPr lang="en-US" sz="3000" dirty="0">
-                <a:latin typeface="Calibri" panose="020F0502020204030204" pitchFamily="34" charset="0"/>
-                <a:cs typeface="Calibri" panose="020F0502020204030204" pitchFamily="34" charset="0"/>
-              </a:rPr>
-              <a:t>Stego3.png</a:t>
-            </a:r>
-          </a:p>
-          <a:p>
-            <a:pPr marL="203200" indent="0" algn="ctr">
-              <a:buNone/>
-            </a:pPr>
-            <a:r>
-              <a:rPr lang="en-US" sz="3000" dirty="0">
-                <a:latin typeface="Calibri" panose="020F0502020204030204" pitchFamily="34" charset="0"/>
-                <a:cs typeface="Calibri" panose="020F0502020204030204" pitchFamily="34" charset="0"/>
-              </a:rPr>
-              <a:t>Stego4.jpg</a:t>
-            </a:r>
-          </a:p>
-          <a:p>
-            <a:pPr marL="203200" indent="0" algn="ctr">
-              <a:buNone/>
-            </a:pPr>
-            <a:r>
-              <a:rPr lang="en-US" sz="3000" dirty="0">
-                <a:latin typeface="Calibri" panose="020F0502020204030204" pitchFamily="34" charset="0"/>
-                <a:cs typeface="Calibri" panose="020F0502020204030204" pitchFamily="34" charset="0"/>
-              </a:rPr>
-              <a:t>Stego5.png</a:t>
-            </a:r>
-          </a:p>
-          <a:p>
-            <a:pPr marL="203200" indent="0" algn="ctr">
-              <a:buNone/>
-            </a:pPr>
-            <a:r>
-              <a:rPr lang="en-US" sz="3000" dirty="0">
-                <a:latin typeface="Calibri" panose="020F0502020204030204" pitchFamily="34" charset="0"/>
-                <a:cs typeface="Calibri" panose="020F0502020204030204" pitchFamily="34" charset="0"/>
-              </a:rPr>
-              <a:t>https://georgeom.net/StegOnline/upload</a:t>
-            </a:r>
-          </a:p>
-        </p:txBody>
-      </p:sp>
-      <p:sp>
-        <p:nvSpPr>
-          <p:cNvPr id="3" name="Text Placeholder 2">
-            <a:extLst>
-              <a:ext uri="{FF2B5EF4-FFF2-40B4-BE49-F238E27FC236}">
-                <a16:creationId xmlns:a16="http://schemas.microsoft.com/office/drawing/2014/main" id="{9C09153B-5EA4-47FC-AED9-F2830D5DA5CF}"/>
-              </a:ext>
-            </a:extLst>
-          </p:cNvPr>
-          <p:cNvSpPr>
-            <a:spLocks noGrp="1"/>
-          </p:cNvSpPr>
-          <p:nvPr>
-            <p:ph type="body" sz="quarter" idx="11"/>
-          </p:nvPr>
-        </p:nvSpPr>
-        <p:spPr/>
-        <p:txBody>
-          <a:bodyPr/>
-          <a:lstStyle/>
-          <a:p>
-            <a:r>
-              <a:rPr lang="en-US" dirty="0" err="1"/>
-              <a:t>Stego</a:t>
-            </a:r>
-            <a:r>
-              <a:rPr lang="en-US" dirty="0"/>
-              <a:t> Practice</a:t>
-            </a:r>
-          </a:p>
-        </p:txBody>
-      </p:sp>
-    </p:spTree>
-    <p:extLst>
-      <p:ext uri="{BB962C8B-B14F-4D97-AF65-F5344CB8AC3E}">
-        <p14:creationId xmlns:p14="http://schemas.microsoft.com/office/powerpoint/2010/main" val="3708566122"/>
-      </p:ext>
-    </p:extLst>
-  </p:cSld>
-  <p:clrMapOvr>
-    <a:masterClrMapping/>
-  </p:clrMapOvr>
-</p:sld>
-</file>
-
-<file path=ppt/slides/slide63.xml><?xml version="1.0" encoding="utf-8"?>
-<p:sld xmlns:a="http://schemas.openxmlformats.org/drawingml/2006/main" xmlns:r="http://schemas.openxmlformats.org/officeDocument/2006/relationships" xmlns:p="http://schemas.openxmlformats.org/presentationml/2006/main">
-  <p:cSld>
-    <p:spTree>
-      <p:nvGrpSpPr>
-        <p:cNvPr id="1" name=""/>
-        <p:cNvGrpSpPr/>
-        <p:nvPr/>
-      </p:nvGrpSpPr>
-      <p:grpSpPr>
-        <a:xfrm>
-          <a:off x="0" y="0"/>
-          <a:ext cx="0" cy="0"/>
-          <a:chOff x="0" y="0"/>
-          <a:chExt cx="0" cy="0"/>
-        </a:xfrm>
-      </p:grpSpPr>
-      <p:sp>
-        <p:nvSpPr>
-          <p:cNvPr id="2" name="Text Placeholder 1">
-            <a:extLst>
-              <a:ext uri="{FF2B5EF4-FFF2-40B4-BE49-F238E27FC236}">
                 <a16:creationId xmlns:a16="http://schemas.microsoft.com/office/drawing/2014/main" id="{E287E0CC-017D-4069-94ED-F3F4C76FE2A8}"/>
               </a:ext>
             </a:extLst>
@@ -18841,21 +18658,6 @@
                 <a:cs typeface="Calibri" panose="020F0502020204030204" pitchFamily="34" charset="0"/>
               </a:rPr>
               <a:t> Daniel Fitzgerald</a:t>
-            </a:r>
-          </a:p>
-          <a:p>
-            <a:pPr marL="203200" indent="0" algn="ctr">
-              <a:buNone/>
-            </a:pPr>
-            <a:r>
-              <a:rPr lang="en-US" sz="3000" dirty="0">
-                <a:solidFill>
-                  <a:schemeClr val="bg1"/>
-                </a:solidFill>
-                <a:latin typeface="Calibri" panose="020F0502020204030204" pitchFamily="34" charset="0"/>
-                <a:cs typeface="Calibri" panose="020F0502020204030204" pitchFamily="34" charset="0"/>
-              </a:rPr>
-              <a:t>fitzgerald.daniel.p@gmail.com</a:t>
             </a:r>
           </a:p>
         </p:txBody>
@@ -18916,7 +18718,7 @@
 </p:sld>
 </file>
 
-<file path=ppt/slides/slide64.xml><?xml version="1.0" encoding="utf-8"?>
+<file path=ppt/slides/slide63.xml><?xml version="1.0" encoding="utf-8"?>
 <p:sld xmlns:a="http://schemas.openxmlformats.org/drawingml/2006/main" xmlns:r="http://schemas.openxmlformats.org/officeDocument/2006/relationships" xmlns:p="http://schemas.openxmlformats.org/presentationml/2006/main">
   <p:cSld>
     <p:spTree>
